--- a/Figurer/S.pptx
+++ b/Figurer/S.pptx
@@ -2,18 +2,23 @@
 <file path=ppt/presentation.xml><?xml version="1.0" encoding="utf-8"?>
 <p:presentation xmlns:a="http://schemas.openxmlformats.org/drawingml/2006/main" xmlns:r="http://schemas.openxmlformats.org/officeDocument/2006/relationships" xmlns:p="http://schemas.openxmlformats.org/presentationml/2006/main" saveSubsetFonts="1">
   <p:sldMasterIdLst>
-    <p:sldMasterId id="2147483648" r:id="rId1"/>
+    <p:sldMasterId id="2147483660" r:id="rId1"/>
   </p:sldMasterIdLst>
   <p:sldIdLst>
     <p:sldId id="256" r:id="rId2"/>
+    <p:sldId id="257" r:id="rId3"/>
+    <p:sldId id="258" r:id="rId4"/>
+    <p:sldId id="261" r:id="rId5"/>
+    <p:sldId id="260" r:id="rId6"/>
+    <p:sldId id="259" r:id="rId7"/>
   </p:sldIdLst>
-  <p:sldSz cx="12192000" cy="6858000"/>
+  <p:sldSz cx="5400675" cy="5400675"/>
   <p:notesSz cx="6858000" cy="9144000"/>
   <p:defaultTextStyle>
     <a:defPPr>
       <a:defRPr lang="en-US"/>
     </a:defPPr>
-    <a:lvl1pPr marL="0" algn="l" defTabSz="914400" rtl="0" eaLnBrk="1" latinLnBrk="0" hangingPunct="1">
+    <a:lvl1pPr marL="0" algn="l" defTabSz="457200" rtl="0" eaLnBrk="1" latinLnBrk="0" hangingPunct="1">
       <a:defRPr sz="1800" kern="1200">
         <a:solidFill>
           <a:schemeClr val="tx1"/>
@@ -23,7 +28,7 @@
         <a:cs typeface="+mn-cs"/>
       </a:defRPr>
     </a:lvl1pPr>
-    <a:lvl2pPr marL="457200" algn="l" defTabSz="914400" rtl="0" eaLnBrk="1" latinLnBrk="0" hangingPunct="1">
+    <a:lvl2pPr marL="457200" algn="l" defTabSz="457200" rtl="0" eaLnBrk="1" latinLnBrk="0" hangingPunct="1">
       <a:defRPr sz="1800" kern="1200">
         <a:solidFill>
           <a:schemeClr val="tx1"/>
@@ -33,7 +38,7 @@
         <a:cs typeface="+mn-cs"/>
       </a:defRPr>
     </a:lvl2pPr>
-    <a:lvl3pPr marL="914400" algn="l" defTabSz="914400" rtl="0" eaLnBrk="1" latinLnBrk="0" hangingPunct="1">
+    <a:lvl3pPr marL="914400" algn="l" defTabSz="457200" rtl="0" eaLnBrk="1" latinLnBrk="0" hangingPunct="1">
       <a:defRPr sz="1800" kern="1200">
         <a:solidFill>
           <a:schemeClr val="tx1"/>
@@ -43,7 +48,7 @@
         <a:cs typeface="+mn-cs"/>
       </a:defRPr>
     </a:lvl3pPr>
-    <a:lvl4pPr marL="1371600" algn="l" defTabSz="914400" rtl="0" eaLnBrk="1" latinLnBrk="0" hangingPunct="1">
+    <a:lvl4pPr marL="1371600" algn="l" defTabSz="457200" rtl="0" eaLnBrk="1" latinLnBrk="0" hangingPunct="1">
       <a:defRPr sz="1800" kern="1200">
         <a:solidFill>
           <a:schemeClr val="tx1"/>
@@ -53,7 +58,7 @@
         <a:cs typeface="+mn-cs"/>
       </a:defRPr>
     </a:lvl4pPr>
-    <a:lvl5pPr marL="1828800" algn="l" defTabSz="914400" rtl="0" eaLnBrk="1" latinLnBrk="0" hangingPunct="1">
+    <a:lvl5pPr marL="1828800" algn="l" defTabSz="457200" rtl="0" eaLnBrk="1" latinLnBrk="0" hangingPunct="1">
       <a:defRPr sz="1800" kern="1200">
         <a:solidFill>
           <a:schemeClr val="tx1"/>
@@ -63,7 +68,7 @@
         <a:cs typeface="+mn-cs"/>
       </a:defRPr>
     </a:lvl5pPr>
-    <a:lvl6pPr marL="2286000" algn="l" defTabSz="914400" rtl="0" eaLnBrk="1" latinLnBrk="0" hangingPunct="1">
+    <a:lvl6pPr marL="2286000" algn="l" defTabSz="457200" rtl="0" eaLnBrk="1" latinLnBrk="0" hangingPunct="1">
       <a:defRPr sz="1800" kern="1200">
         <a:solidFill>
           <a:schemeClr val="tx1"/>
@@ -73,7 +78,7 @@
         <a:cs typeface="+mn-cs"/>
       </a:defRPr>
     </a:lvl6pPr>
-    <a:lvl7pPr marL="2743200" algn="l" defTabSz="914400" rtl="0" eaLnBrk="1" latinLnBrk="0" hangingPunct="1">
+    <a:lvl7pPr marL="2743200" algn="l" defTabSz="457200" rtl="0" eaLnBrk="1" latinLnBrk="0" hangingPunct="1">
       <a:defRPr sz="1800" kern="1200">
         <a:solidFill>
           <a:schemeClr val="tx1"/>
@@ -83,7 +88,7 @@
         <a:cs typeface="+mn-cs"/>
       </a:defRPr>
     </a:lvl7pPr>
-    <a:lvl8pPr marL="3200400" algn="l" defTabSz="914400" rtl="0" eaLnBrk="1" latinLnBrk="0" hangingPunct="1">
+    <a:lvl8pPr marL="3200400" algn="l" defTabSz="457200" rtl="0" eaLnBrk="1" latinLnBrk="0" hangingPunct="1">
       <a:defRPr sz="1800" kern="1200">
         <a:solidFill>
           <a:schemeClr val="tx1"/>
@@ -93,7 +98,7 @@
         <a:cs typeface="+mn-cs"/>
       </a:defRPr>
     </a:lvl8pPr>
-    <a:lvl9pPr marL="3657600" algn="l" defTabSz="914400" rtl="0" eaLnBrk="1" latinLnBrk="0" hangingPunct="1">
+    <a:lvl9pPr marL="3657600" algn="l" defTabSz="457200" rtl="0" eaLnBrk="1" latinLnBrk="0" hangingPunct="1">
       <a:defRPr sz="1800" kern="1200">
         <a:solidFill>
           <a:schemeClr val="tx1"/>
@@ -131,13 +136,7 @@
       </p:grpSpPr>
       <p:sp>
         <p:nvSpPr>
-          <p:cNvPr id="2" name="Tittel 1">
-            <a:extLst>
-              <a:ext uri="{FF2B5EF4-FFF2-40B4-BE49-F238E27FC236}">
-                <a16:creationId xmlns:a16="http://schemas.microsoft.com/office/drawing/2014/main" id="{26DDAF17-7CB2-4919-A34A-E079D176432E}"/>
-              </a:ext>
-            </a:extLst>
-          </p:cNvPr>
+          <p:cNvPr id="2" name="Title 1"/>
           <p:cNvSpPr>
             <a:spLocks noGrp="1"/>
           </p:cNvSpPr>
@@ -147,15 +146,15 @@
         </p:nvSpPr>
         <p:spPr>
           <a:xfrm>
-            <a:off x="1524000" y="1122363"/>
-            <a:ext cx="9144000" cy="2387600"/>
+            <a:off x="405051" y="883861"/>
+            <a:ext cx="4590574" cy="1880235"/>
           </a:xfrm>
         </p:spPr>
         <p:txBody>
           <a:bodyPr anchor="b"/>
           <a:lstStyle>
             <a:lvl1pPr algn="ctr">
-              <a:defRPr sz="6000"/>
+              <a:defRPr sz="3544"/>
             </a:lvl1pPr>
           </a:lstStyle>
           <a:p>
@@ -163,19 +162,13 @@
               <a:rPr lang="nb-NO"/>
               <a:t>Klikk for å redigere tittelstil</a:t>
             </a:r>
-            <a:endParaRPr lang="en-US"/>
-          </a:p>
-        </p:txBody>
-      </p:sp>
-      <p:sp>
-        <p:nvSpPr>
-          <p:cNvPr id="3" name="Undertittel 2">
-            <a:extLst>
-              <a:ext uri="{FF2B5EF4-FFF2-40B4-BE49-F238E27FC236}">
-                <a16:creationId xmlns:a16="http://schemas.microsoft.com/office/drawing/2014/main" id="{E5F646B4-963A-4E25-B645-11C25BBE76BD}"/>
-              </a:ext>
-            </a:extLst>
-          </p:cNvPr>
+            <a:endParaRPr lang="en-US" dirty="0"/>
+          </a:p>
+        </p:txBody>
+      </p:sp>
+      <p:sp>
+        <p:nvSpPr>
+          <p:cNvPr id="3" name="Subtitle 2"/>
           <p:cNvSpPr>
             <a:spLocks noGrp="1"/>
           </p:cNvSpPr>
@@ -185,8 +178,8 @@
         </p:nvSpPr>
         <p:spPr>
           <a:xfrm>
-            <a:off x="1524000" y="3602038"/>
-            <a:ext cx="9144000" cy="1655762"/>
+            <a:off x="675085" y="2836605"/>
+            <a:ext cx="4050506" cy="1303913"/>
           </a:xfrm>
         </p:spPr>
         <p:txBody>
@@ -194,39 +187,39 @@
           <a:lstStyle>
             <a:lvl1pPr marL="0" indent="0" algn="ctr">
               <a:buNone/>
-              <a:defRPr sz="2400"/>
+              <a:defRPr sz="1417"/>
             </a:lvl1pPr>
-            <a:lvl2pPr marL="457200" indent="0" algn="ctr">
+            <a:lvl2pPr marL="270022" indent="0" algn="ctr">
               <a:buNone/>
-              <a:defRPr sz="2000"/>
+              <a:defRPr sz="1181"/>
             </a:lvl2pPr>
-            <a:lvl3pPr marL="914400" indent="0" algn="ctr">
+            <a:lvl3pPr marL="540045" indent="0" algn="ctr">
               <a:buNone/>
-              <a:defRPr sz="1800"/>
+              <a:defRPr sz="1063"/>
             </a:lvl3pPr>
-            <a:lvl4pPr marL="1371600" indent="0" algn="ctr">
+            <a:lvl4pPr marL="810067" indent="0" algn="ctr">
               <a:buNone/>
-              <a:defRPr sz="1600"/>
+              <a:defRPr sz="945"/>
             </a:lvl4pPr>
-            <a:lvl5pPr marL="1828800" indent="0" algn="ctr">
+            <a:lvl5pPr marL="1080089" indent="0" algn="ctr">
               <a:buNone/>
-              <a:defRPr sz="1600"/>
+              <a:defRPr sz="945"/>
             </a:lvl5pPr>
-            <a:lvl6pPr marL="2286000" indent="0" algn="ctr">
+            <a:lvl6pPr marL="1350112" indent="0" algn="ctr">
               <a:buNone/>
-              <a:defRPr sz="1600"/>
+              <a:defRPr sz="945"/>
             </a:lvl6pPr>
-            <a:lvl7pPr marL="2743200" indent="0" algn="ctr">
+            <a:lvl7pPr marL="1620134" indent="0" algn="ctr">
               <a:buNone/>
-              <a:defRPr sz="1600"/>
+              <a:defRPr sz="945"/>
             </a:lvl7pPr>
-            <a:lvl8pPr marL="3200400" indent="0" algn="ctr">
+            <a:lvl8pPr marL="1890156" indent="0" algn="ctr">
               <a:buNone/>
-              <a:defRPr sz="1600"/>
+              <a:defRPr sz="945"/>
             </a:lvl8pPr>
-            <a:lvl9pPr marL="3657600" indent="0" algn="ctr">
+            <a:lvl9pPr marL="2160179" indent="0" algn="ctr">
               <a:buNone/>
-              <a:defRPr sz="1600"/>
+              <a:defRPr sz="945"/>
             </a:lvl9pPr>
           </a:lstStyle>
           <a:p>
@@ -234,19 +227,13 @@
               <a:rPr lang="nb-NO"/>
               <a:t>Klikk for å redigere undertittelstil i malen</a:t>
             </a:r>
-            <a:endParaRPr lang="en-US"/>
-          </a:p>
-        </p:txBody>
-      </p:sp>
-      <p:sp>
-        <p:nvSpPr>
-          <p:cNvPr id="4" name="Plassholder for dato 3">
-            <a:extLst>
-              <a:ext uri="{FF2B5EF4-FFF2-40B4-BE49-F238E27FC236}">
-                <a16:creationId xmlns:a16="http://schemas.microsoft.com/office/drawing/2014/main" id="{B4932570-BEF5-416E-87DE-7C2E16A46A5A}"/>
-              </a:ext>
-            </a:extLst>
-          </p:cNvPr>
+            <a:endParaRPr lang="en-US" dirty="0"/>
+          </a:p>
+        </p:txBody>
+      </p:sp>
+      <p:sp>
+        <p:nvSpPr>
+          <p:cNvPr id="4" name="Date Placeholder 3"/>
           <p:cNvSpPr>
             <a:spLocks noGrp="1"/>
           </p:cNvSpPr>
@@ -261,7 +248,7 @@
           <a:p>
             <a:fld id="{91C36D36-47D8-48BF-81DD-A80DFD03B316}" type="datetimeFigureOut">
               <a:rPr lang="en-US" smtClean="0"/>
-              <a:t>11/3/2020</a:t>
+              <a:t>5/14/2021</a:t>
             </a:fld>
             <a:endParaRPr lang="en-US"/>
           </a:p>
@@ -269,13 +256,7 @@
       </p:sp>
       <p:sp>
         <p:nvSpPr>
-          <p:cNvPr id="5" name="Plassholder for bunntekst 4">
-            <a:extLst>
-              <a:ext uri="{FF2B5EF4-FFF2-40B4-BE49-F238E27FC236}">
-                <a16:creationId xmlns:a16="http://schemas.microsoft.com/office/drawing/2014/main" id="{600D3518-4288-4B48-A213-F2561F70051E}"/>
-              </a:ext>
-            </a:extLst>
-          </p:cNvPr>
+          <p:cNvPr id="5" name="Footer Placeholder 4"/>
           <p:cNvSpPr>
             <a:spLocks noGrp="1"/>
           </p:cNvSpPr>
@@ -294,13 +275,7 @@
       </p:sp>
       <p:sp>
         <p:nvSpPr>
-          <p:cNvPr id="6" name="Plassholder for lysbildenummer 5">
-            <a:extLst>
-              <a:ext uri="{FF2B5EF4-FFF2-40B4-BE49-F238E27FC236}">
-                <a16:creationId xmlns:a16="http://schemas.microsoft.com/office/drawing/2014/main" id="{96A74AB7-366F-4961-8820-E578F59C0737}"/>
-              </a:ext>
-            </a:extLst>
-          </p:cNvPr>
+          <p:cNvPr id="6" name="Slide Number Placeholder 5"/>
           <p:cNvSpPr>
             <a:spLocks noGrp="1"/>
           </p:cNvSpPr>
@@ -324,7 +299,7 @@
     </p:spTree>
     <p:extLst>
       <p:ext uri="{BB962C8B-B14F-4D97-AF65-F5344CB8AC3E}">
-        <p14:creationId xmlns:p14="http://schemas.microsoft.com/office/powerpoint/2010/main" val="3636712313"/>
+        <p14:creationId xmlns:p14="http://schemas.microsoft.com/office/powerpoint/2010/main" val="2413146739"/>
       </p:ext>
     </p:extLst>
   </p:cSld>
@@ -353,13 +328,7 @@
       </p:grpSpPr>
       <p:sp>
         <p:nvSpPr>
-          <p:cNvPr id="2" name="Tittel 1">
-            <a:extLst>
-              <a:ext uri="{FF2B5EF4-FFF2-40B4-BE49-F238E27FC236}">
-                <a16:creationId xmlns:a16="http://schemas.microsoft.com/office/drawing/2014/main" id="{A94F17DC-D9B8-4919-98B1-8D0FE253210B}"/>
-              </a:ext>
-            </a:extLst>
-          </p:cNvPr>
+          <p:cNvPr id="2" name="Title 1"/>
           <p:cNvSpPr>
             <a:spLocks noGrp="1"/>
           </p:cNvSpPr>
@@ -376,19 +345,13 @@
               <a:rPr lang="nb-NO"/>
               <a:t>Klikk for å redigere tittelstil</a:t>
             </a:r>
-            <a:endParaRPr lang="en-US"/>
-          </a:p>
-        </p:txBody>
-      </p:sp>
-      <p:sp>
-        <p:nvSpPr>
-          <p:cNvPr id="3" name="Plassholder for loddrett tekst 2">
-            <a:extLst>
-              <a:ext uri="{FF2B5EF4-FFF2-40B4-BE49-F238E27FC236}">
-                <a16:creationId xmlns:a16="http://schemas.microsoft.com/office/drawing/2014/main" id="{31D2D9B7-EAEB-491A-9614-C77767BE4A48}"/>
-              </a:ext>
-            </a:extLst>
-          </p:cNvPr>
+            <a:endParaRPr lang="en-US" dirty="0"/>
+          </a:p>
+        </p:txBody>
+      </p:sp>
+      <p:sp>
+        <p:nvSpPr>
+          <p:cNvPr id="3" name="Vertical Text Placeholder 2"/>
           <p:cNvSpPr>
             <a:spLocks noGrp="1"/>
           </p:cNvSpPr>
@@ -434,19 +397,13 @@
               <a:rPr lang="nb-NO"/>
               <a:t>Femte nivå</a:t>
             </a:r>
-            <a:endParaRPr lang="en-US"/>
-          </a:p>
-        </p:txBody>
-      </p:sp>
-      <p:sp>
-        <p:nvSpPr>
-          <p:cNvPr id="4" name="Plassholder for dato 3">
-            <a:extLst>
-              <a:ext uri="{FF2B5EF4-FFF2-40B4-BE49-F238E27FC236}">
-                <a16:creationId xmlns:a16="http://schemas.microsoft.com/office/drawing/2014/main" id="{0F9FBC58-74F7-4AE2-9E7C-0968B6B8E6AE}"/>
-              </a:ext>
-            </a:extLst>
-          </p:cNvPr>
+            <a:endParaRPr lang="en-US" dirty="0"/>
+          </a:p>
+        </p:txBody>
+      </p:sp>
+      <p:sp>
+        <p:nvSpPr>
+          <p:cNvPr id="4" name="Date Placeholder 3"/>
           <p:cNvSpPr>
             <a:spLocks noGrp="1"/>
           </p:cNvSpPr>
@@ -461,7 +418,7 @@
           <a:p>
             <a:fld id="{91C36D36-47D8-48BF-81DD-A80DFD03B316}" type="datetimeFigureOut">
               <a:rPr lang="en-US" smtClean="0"/>
-              <a:t>11/3/2020</a:t>
+              <a:t>5/14/2021</a:t>
             </a:fld>
             <a:endParaRPr lang="en-US"/>
           </a:p>
@@ -469,13 +426,7 @@
       </p:sp>
       <p:sp>
         <p:nvSpPr>
-          <p:cNvPr id="5" name="Plassholder for bunntekst 4">
-            <a:extLst>
-              <a:ext uri="{FF2B5EF4-FFF2-40B4-BE49-F238E27FC236}">
-                <a16:creationId xmlns:a16="http://schemas.microsoft.com/office/drawing/2014/main" id="{E0C07369-A22A-4855-9FFB-14C16C6B914C}"/>
-              </a:ext>
-            </a:extLst>
-          </p:cNvPr>
+          <p:cNvPr id="5" name="Footer Placeholder 4"/>
           <p:cNvSpPr>
             <a:spLocks noGrp="1"/>
           </p:cNvSpPr>
@@ -494,13 +445,7 @@
       </p:sp>
       <p:sp>
         <p:nvSpPr>
-          <p:cNvPr id="6" name="Plassholder for lysbildenummer 5">
-            <a:extLst>
-              <a:ext uri="{FF2B5EF4-FFF2-40B4-BE49-F238E27FC236}">
-                <a16:creationId xmlns:a16="http://schemas.microsoft.com/office/drawing/2014/main" id="{D6DCA183-FE36-4282-8BAE-42B21BCCE039}"/>
-              </a:ext>
-            </a:extLst>
-          </p:cNvPr>
+          <p:cNvPr id="6" name="Slide Number Placeholder 5"/>
           <p:cNvSpPr>
             <a:spLocks noGrp="1"/>
           </p:cNvSpPr>
@@ -524,7 +469,7 @@
     </p:spTree>
     <p:extLst>
       <p:ext uri="{BB962C8B-B14F-4D97-AF65-F5344CB8AC3E}">
-        <p14:creationId xmlns:p14="http://schemas.microsoft.com/office/powerpoint/2010/main" val="376718122"/>
+        <p14:creationId xmlns:p14="http://schemas.microsoft.com/office/powerpoint/2010/main" val="2454748544"/>
       </p:ext>
     </p:extLst>
   </p:cSld>
@@ -553,13 +498,7 @@
       </p:grpSpPr>
       <p:sp>
         <p:nvSpPr>
-          <p:cNvPr id="2" name="Loddrett tittel 1">
-            <a:extLst>
-              <a:ext uri="{FF2B5EF4-FFF2-40B4-BE49-F238E27FC236}">
-                <a16:creationId xmlns:a16="http://schemas.microsoft.com/office/drawing/2014/main" id="{EDF25069-148F-4989-9EF4-19323C547AD6}"/>
-              </a:ext>
-            </a:extLst>
-          </p:cNvPr>
+          <p:cNvPr id="2" name="Vertical Title 1"/>
           <p:cNvSpPr>
             <a:spLocks noGrp="1"/>
           </p:cNvSpPr>
@@ -569,8 +508,8 @@
         </p:nvSpPr>
         <p:spPr>
           <a:xfrm>
-            <a:off x="8724900" y="365125"/>
-            <a:ext cx="2628900" cy="5811838"/>
+            <a:off x="3864858" y="287536"/>
+            <a:ext cx="1164521" cy="4576822"/>
           </a:xfrm>
         </p:spPr>
         <p:txBody>
@@ -581,19 +520,13 @@
               <a:rPr lang="nb-NO"/>
               <a:t>Klikk for å redigere tittelstil</a:t>
             </a:r>
-            <a:endParaRPr lang="en-US"/>
-          </a:p>
-        </p:txBody>
-      </p:sp>
-      <p:sp>
-        <p:nvSpPr>
-          <p:cNvPr id="3" name="Plassholder for loddrett tekst 2">
-            <a:extLst>
-              <a:ext uri="{FF2B5EF4-FFF2-40B4-BE49-F238E27FC236}">
-                <a16:creationId xmlns:a16="http://schemas.microsoft.com/office/drawing/2014/main" id="{1F7CDC38-CE68-4BDB-9A77-B590CAF2234C}"/>
-              </a:ext>
-            </a:extLst>
-          </p:cNvPr>
+            <a:endParaRPr lang="en-US" dirty="0"/>
+          </a:p>
+        </p:txBody>
+      </p:sp>
+      <p:sp>
+        <p:nvSpPr>
+          <p:cNvPr id="3" name="Vertical Text Placeholder 2"/>
           <p:cNvSpPr>
             <a:spLocks noGrp="1"/>
           </p:cNvSpPr>
@@ -603,8 +536,8 @@
         </p:nvSpPr>
         <p:spPr>
           <a:xfrm>
-            <a:off x="838200" y="365125"/>
-            <a:ext cx="7734300" cy="5811838"/>
+            <a:off x="371297" y="287536"/>
+            <a:ext cx="3426053" cy="4576822"/>
           </a:xfrm>
         </p:spPr>
         <p:txBody>
@@ -644,19 +577,13 @@
               <a:rPr lang="nb-NO"/>
               <a:t>Femte nivå</a:t>
             </a:r>
-            <a:endParaRPr lang="en-US"/>
-          </a:p>
-        </p:txBody>
-      </p:sp>
-      <p:sp>
-        <p:nvSpPr>
-          <p:cNvPr id="4" name="Plassholder for dato 3">
-            <a:extLst>
-              <a:ext uri="{FF2B5EF4-FFF2-40B4-BE49-F238E27FC236}">
-                <a16:creationId xmlns:a16="http://schemas.microsoft.com/office/drawing/2014/main" id="{6CED762D-1485-4F3A-928E-8A112D66766A}"/>
-              </a:ext>
-            </a:extLst>
-          </p:cNvPr>
+            <a:endParaRPr lang="en-US" dirty="0"/>
+          </a:p>
+        </p:txBody>
+      </p:sp>
+      <p:sp>
+        <p:nvSpPr>
+          <p:cNvPr id="4" name="Date Placeholder 3"/>
           <p:cNvSpPr>
             <a:spLocks noGrp="1"/>
           </p:cNvSpPr>
@@ -671,7 +598,7 @@
           <a:p>
             <a:fld id="{91C36D36-47D8-48BF-81DD-A80DFD03B316}" type="datetimeFigureOut">
               <a:rPr lang="en-US" smtClean="0"/>
-              <a:t>11/3/2020</a:t>
+              <a:t>5/14/2021</a:t>
             </a:fld>
             <a:endParaRPr lang="en-US"/>
           </a:p>
@@ -679,13 +606,7 @@
       </p:sp>
       <p:sp>
         <p:nvSpPr>
-          <p:cNvPr id="5" name="Plassholder for bunntekst 4">
-            <a:extLst>
-              <a:ext uri="{FF2B5EF4-FFF2-40B4-BE49-F238E27FC236}">
-                <a16:creationId xmlns:a16="http://schemas.microsoft.com/office/drawing/2014/main" id="{4C582377-0DB9-4975-855A-92D95EB707E9}"/>
-              </a:ext>
-            </a:extLst>
-          </p:cNvPr>
+          <p:cNvPr id="5" name="Footer Placeholder 4"/>
           <p:cNvSpPr>
             <a:spLocks noGrp="1"/>
           </p:cNvSpPr>
@@ -704,13 +625,7 @@
       </p:sp>
       <p:sp>
         <p:nvSpPr>
-          <p:cNvPr id="6" name="Plassholder for lysbildenummer 5">
-            <a:extLst>
-              <a:ext uri="{FF2B5EF4-FFF2-40B4-BE49-F238E27FC236}">
-                <a16:creationId xmlns:a16="http://schemas.microsoft.com/office/drawing/2014/main" id="{150815D4-5033-4B53-B08D-158B24D6F832}"/>
-              </a:ext>
-            </a:extLst>
-          </p:cNvPr>
+          <p:cNvPr id="6" name="Slide Number Placeholder 5"/>
           <p:cNvSpPr>
             <a:spLocks noGrp="1"/>
           </p:cNvSpPr>
@@ -734,7 +649,7 @@
     </p:spTree>
     <p:extLst>
       <p:ext uri="{BB962C8B-B14F-4D97-AF65-F5344CB8AC3E}">
-        <p14:creationId xmlns:p14="http://schemas.microsoft.com/office/powerpoint/2010/main" val="2661340671"/>
+        <p14:creationId xmlns:p14="http://schemas.microsoft.com/office/powerpoint/2010/main" val="1127277412"/>
       </p:ext>
     </p:extLst>
   </p:cSld>
@@ -763,13 +678,7 @@
       </p:grpSpPr>
       <p:sp>
         <p:nvSpPr>
-          <p:cNvPr id="2" name="Tittel 1">
-            <a:extLst>
-              <a:ext uri="{FF2B5EF4-FFF2-40B4-BE49-F238E27FC236}">
-                <a16:creationId xmlns:a16="http://schemas.microsoft.com/office/drawing/2014/main" id="{24837D49-B142-40F8-AAF9-5075134DDC00}"/>
-              </a:ext>
-            </a:extLst>
-          </p:cNvPr>
+          <p:cNvPr id="2" name="Title 1"/>
           <p:cNvSpPr>
             <a:spLocks noGrp="1"/>
           </p:cNvSpPr>
@@ -786,19 +695,13 @@
               <a:rPr lang="nb-NO"/>
               <a:t>Klikk for å redigere tittelstil</a:t>
             </a:r>
-            <a:endParaRPr lang="en-US"/>
-          </a:p>
-        </p:txBody>
-      </p:sp>
-      <p:sp>
-        <p:nvSpPr>
-          <p:cNvPr id="3" name="Plassholder for innhold 2">
-            <a:extLst>
-              <a:ext uri="{FF2B5EF4-FFF2-40B4-BE49-F238E27FC236}">
-                <a16:creationId xmlns:a16="http://schemas.microsoft.com/office/drawing/2014/main" id="{20DF3B84-A7D9-4908-ADD9-C8FD40C9FFA1}"/>
-              </a:ext>
-            </a:extLst>
-          </p:cNvPr>
+            <a:endParaRPr lang="en-US" dirty="0"/>
+          </a:p>
+        </p:txBody>
+      </p:sp>
+      <p:sp>
+        <p:nvSpPr>
+          <p:cNvPr id="3" name="Content Placeholder 2"/>
           <p:cNvSpPr>
             <a:spLocks noGrp="1"/>
           </p:cNvSpPr>
@@ -844,19 +747,13 @@
               <a:rPr lang="nb-NO"/>
               <a:t>Femte nivå</a:t>
             </a:r>
-            <a:endParaRPr lang="en-US"/>
-          </a:p>
-        </p:txBody>
-      </p:sp>
-      <p:sp>
-        <p:nvSpPr>
-          <p:cNvPr id="4" name="Plassholder for dato 3">
-            <a:extLst>
-              <a:ext uri="{FF2B5EF4-FFF2-40B4-BE49-F238E27FC236}">
-                <a16:creationId xmlns:a16="http://schemas.microsoft.com/office/drawing/2014/main" id="{8C2C869D-77E3-49AB-9E28-8B77EB147766}"/>
-              </a:ext>
-            </a:extLst>
-          </p:cNvPr>
+            <a:endParaRPr lang="en-US" dirty="0"/>
+          </a:p>
+        </p:txBody>
+      </p:sp>
+      <p:sp>
+        <p:nvSpPr>
+          <p:cNvPr id="4" name="Date Placeholder 3"/>
           <p:cNvSpPr>
             <a:spLocks noGrp="1"/>
           </p:cNvSpPr>
@@ -871,7 +768,7 @@
           <a:p>
             <a:fld id="{91C36D36-47D8-48BF-81DD-A80DFD03B316}" type="datetimeFigureOut">
               <a:rPr lang="en-US" smtClean="0"/>
-              <a:t>11/3/2020</a:t>
+              <a:t>5/14/2021</a:t>
             </a:fld>
             <a:endParaRPr lang="en-US"/>
           </a:p>
@@ -879,13 +776,7 @@
       </p:sp>
       <p:sp>
         <p:nvSpPr>
-          <p:cNvPr id="5" name="Plassholder for bunntekst 4">
-            <a:extLst>
-              <a:ext uri="{FF2B5EF4-FFF2-40B4-BE49-F238E27FC236}">
-                <a16:creationId xmlns:a16="http://schemas.microsoft.com/office/drawing/2014/main" id="{1072E692-F573-41B6-B78F-C1EFED555C8E}"/>
-              </a:ext>
-            </a:extLst>
-          </p:cNvPr>
+          <p:cNvPr id="5" name="Footer Placeholder 4"/>
           <p:cNvSpPr>
             <a:spLocks noGrp="1"/>
           </p:cNvSpPr>
@@ -904,13 +795,7 @@
       </p:sp>
       <p:sp>
         <p:nvSpPr>
-          <p:cNvPr id="6" name="Plassholder for lysbildenummer 5">
-            <a:extLst>
-              <a:ext uri="{FF2B5EF4-FFF2-40B4-BE49-F238E27FC236}">
-                <a16:creationId xmlns:a16="http://schemas.microsoft.com/office/drawing/2014/main" id="{93D6A159-14BB-4A06-825F-E43779A39D29}"/>
-              </a:ext>
-            </a:extLst>
-          </p:cNvPr>
+          <p:cNvPr id="6" name="Slide Number Placeholder 5"/>
           <p:cNvSpPr>
             <a:spLocks noGrp="1"/>
           </p:cNvSpPr>
@@ -934,7 +819,7 @@
     </p:spTree>
     <p:extLst>
       <p:ext uri="{BB962C8B-B14F-4D97-AF65-F5344CB8AC3E}">
-        <p14:creationId xmlns:p14="http://schemas.microsoft.com/office/powerpoint/2010/main" val="2871119355"/>
+        <p14:creationId xmlns:p14="http://schemas.microsoft.com/office/powerpoint/2010/main" val="1401444667"/>
       </p:ext>
     </p:extLst>
   </p:cSld>
@@ -963,13 +848,7 @@
       </p:grpSpPr>
       <p:sp>
         <p:nvSpPr>
-          <p:cNvPr id="2" name="Tittel 1">
-            <a:extLst>
-              <a:ext uri="{FF2B5EF4-FFF2-40B4-BE49-F238E27FC236}">
-                <a16:creationId xmlns:a16="http://schemas.microsoft.com/office/drawing/2014/main" id="{BB10CA50-D9D5-4D26-9C6A-1538BB526C5C}"/>
-              </a:ext>
-            </a:extLst>
-          </p:cNvPr>
+          <p:cNvPr id="2" name="Title 1"/>
           <p:cNvSpPr>
             <a:spLocks noGrp="1"/>
           </p:cNvSpPr>
@@ -979,15 +858,15 @@
         </p:nvSpPr>
         <p:spPr>
           <a:xfrm>
-            <a:off x="831850" y="1709738"/>
-            <a:ext cx="10515600" cy="2852737"/>
+            <a:off x="368484" y="1346420"/>
+            <a:ext cx="4658082" cy="2246530"/>
           </a:xfrm>
         </p:spPr>
         <p:txBody>
           <a:bodyPr anchor="b"/>
           <a:lstStyle>
             <a:lvl1pPr>
-              <a:defRPr sz="6000"/>
+              <a:defRPr sz="3544"/>
             </a:lvl1pPr>
           </a:lstStyle>
           <a:p>
@@ -995,19 +874,13 @@
               <a:rPr lang="nb-NO"/>
               <a:t>Klikk for å redigere tittelstil</a:t>
             </a:r>
-            <a:endParaRPr lang="en-US"/>
-          </a:p>
-        </p:txBody>
-      </p:sp>
-      <p:sp>
-        <p:nvSpPr>
-          <p:cNvPr id="3" name="Plassholder for tekst 2">
-            <a:extLst>
-              <a:ext uri="{FF2B5EF4-FFF2-40B4-BE49-F238E27FC236}">
-                <a16:creationId xmlns:a16="http://schemas.microsoft.com/office/drawing/2014/main" id="{8FE79C73-FA2C-4CBF-BE9D-CD28B79F0A8A}"/>
-              </a:ext>
-            </a:extLst>
-          </p:cNvPr>
+            <a:endParaRPr lang="en-US" dirty="0"/>
+          </a:p>
+        </p:txBody>
+      </p:sp>
+      <p:sp>
+        <p:nvSpPr>
+          <p:cNvPr id="3" name="Text Placeholder 2"/>
           <p:cNvSpPr>
             <a:spLocks noGrp="1"/>
           </p:cNvSpPr>
@@ -1017,8 +890,8 @@
         </p:nvSpPr>
         <p:spPr>
           <a:xfrm>
-            <a:off x="831850" y="4589463"/>
-            <a:ext cx="10515600" cy="1500187"/>
+            <a:off x="368484" y="3614203"/>
+            <a:ext cx="4658082" cy="1181397"/>
           </a:xfrm>
         </p:spPr>
         <p:txBody>
@@ -1026,17 +899,15 @@
           <a:lstStyle>
             <a:lvl1pPr marL="0" indent="0">
               <a:buNone/>
-              <a:defRPr sz="2400">
+              <a:defRPr sz="1417">
                 <a:solidFill>
-                  <a:schemeClr val="tx1">
-                    <a:tint val="75000"/>
-                  </a:schemeClr>
+                  <a:schemeClr val="tx1"/>
                 </a:solidFill>
               </a:defRPr>
             </a:lvl1pPr>
-            <a:lvl2pPr marL="457200" indent="0">
+            <a:lvl2pPr marL="270022" indent="0">
               <a:buNone/>
-              <a:defRPr sz="2000">
+              <a:defRPr sz="1181">
                 <a:solidFill>
                   <a:schemeClr val="tx1">
                     <a:tint val="75000"/>
@@ -1044,9 +915,9 @@
                 </a:solidFill>
               </a:defRPr>
             </a:lvl2pPr>
-            <a:lvl3pPr marL="914400" indent="0">
+            <a:lvl3pPr marL="540045" indent="0">
               <a:buNone/>
-              <a:defRPr sz="1800">
+              <a:defRPr sz="1063">
                 <a:solidFill>
                   <a:schemeClr val="tx1">
                     <a:tint val="75000"/>
@@ -1054,9 +925,9 @@
                 </a:solidFill>
               </a:defRPr>
             </a:lvl3pPr>
-            <a:lvl4pPr marL="1371600" indent="0">
+            <a:lvl4pPr marL="810067" indent="0">
               <a:buNone/>
-              <a:defRPr sz="1600">
+              <a:defRPr sz="945">
                 <a:solidFill>
                   <a:schemeClr val="tx1">
                     <a:tint val="75000"/>
@@ -1064,9 +935,9 @@
                 </a:solidFill>
               </a:defRPr>
             </a:lvl4pPr>
-            <a:lvl5pPr marL="1828800" indent="0">
+            <a:lvl5pPr marL="1080089" indent="0">
               <a:buNone/>
-              <a:defRPr sz="1600">
+              <a:defRPr sz="945">
                 <a:solidFill>
                   <a:schemeClr val="tx1">
                     <a:tint val="75000"/>
@@ -1074,9 +945,9 @@
                 </a:solidFill>
               </a:defRPr>
             </a:lvl5pPr>
-            <a:lvl6pPr marL="2286000" indent="0">
+            <a:lvl6pPr marL="1350112" indent="0">
               <a:buNone/>
-              <a:defRPr sz="1600">
+              <a:defRPr sz="945">
                 <a:solidFill>
                   <a:schemeClr val="tx1">
                     <a:tint val="75000"/>
@@ -1084,9 +955,9 @@
                 </a:solidFill>
               </a:defRPr>
             </a:lvl6pPr>
-            <a:lvl7pPr marL="2743200" indent="0">
+            <a:lvl7pPr marL="1620134" indent="0">
               <a:buNone/>
-              <a:defRPr sz="1600">
+              <a:defRPr sz="945">
                 <a:solidFill>
                   <a:schemeClr val="tx1">
                     <a:tint val="75000"/>
@@ -1094,9 +965,9 @@
                 </a:solidFill>
               </a:defRPr>
             </a:lvl7pPr>
-            <a:lvl8pPr marL="3200400" indent="0">
+            <a:lvl8pPr marL="1890156" indent="0">
               <a:buNone/>
-              <a:defRPr sz="1600">
+              <a:defRPr sz="945">
                 <a:solidFill>
                   <a:schemeClr val="tx1">
                     <a:tint val="75000"/>
@@ -1104,9 +975,9 @@
                 </a:solidFill>
               </a:defRPr>
             </a:lvl8pPr>
-            <a:lvl9pPr marL="3657600" indent="0">
+            <a:lvl9pPr marL="2160179" indent="0">
               <a:buNone/>
-              <a:defRPr sz="1600">
+              <a:defRPr sz="945">
                 <a:solidFill>
                   <a:schemeClr val="tx1">
                     <a:tint val="75000"/>
@@ -1126,13 +997,7 @@
       </p:sp>
       <p:sp>
         <p:nvSpPr>
-          <p:cNvPr id="4" name="Plassholder for dato 3">
-            <a:extLst>
-              <a:ext uri="{FF2B5EF4-FFF2-40B4-BE49-F238E27FC236}">
-                <a16:creationId xmlns:a16="http://schemas.microsoft.com/office/drawing/2014/main" id="{C51859C8-D2D6-46FF-B3FE-AB573B7A7462}"/>
-              </a:ext>
-            </a:extLst>
-          </p:cNvPr>
+          <p:cNvPr id="4" name="Date Placeholder 3"/>
           <p:cNvSpPr>
             <a:spLocks noGrp="1"/>
           </p:cNvSpPr>
@@ -1147,7 +1012,7 @@
           <a:p>
             <a:fld id="{91C36D36-47D8-48BF-81DD-A80DFD03B316}" type="datetimeFigureOut">
               <a:rPr lang="en-US" smtClean="0"/>
-              <a:t>11/3/2020</a:t>
+              <a:t>5/14/2021</a:t>
             </a:fld>
             <a:endParaRPr lang="en-US"/>
           </a:p>
@@ -1155,13 +1020,7 @@
       </p:sp>
       <p:sp>
         <p:nvSpPr>
-          <p:cNvPr id="5" name="Plassholder for bunntekst 4">
-            <a:extLst>
-              <a:ext uri="{FF2B5EF4-FFF2-40B4-BE49-F238E27FC236}">
-                <a16:creationId xmlns:a16="http://schemas.microsoft.com/office/drawing/2014/main" id="{5152D9A1-1F68-46FC-9DC9-007728A10996}"/>
-              </a:ext>
-            </a:extLst>
-          </p:cNvPr>
+          <p:cNvPr id="5" name="Footer Placeholder 4"/>
           <p:cNvSpPr>
             <a:spLocks noGrp="1"/>
           </p:cNvSpPr>
@@ -1180,13 +1039,7 @@
       </p:sp>
       <p:sp>
         <p:nvSpPr>
-          <p:cNvPr id="6" name="Plassholder for lysbildenummer 5">
-            <a:extLst>
-              <a:ext uri="{FF2B5EF4-FFF2-40B4-BE49-F238E27FC236}">
-                <a16:creationId xmlns:a16="http://schemas.microsoft.com/office/drawing/2014/main" id="{08B3F94B-FB32-40FE-A0C9-EE4ECA208E14}"/>
-              </a:ext>
-            </a:extLst>
-          </p:cNvPr>
+          <p:cNvPr id="6" name="Slide Number Placeholder 5"/>
           <p:cNvSpPr>
             <a:spLocks noGrp="1"/>
           </p:cNvSpPr>
@@ -1210,7 +1063,7 @@
     </p:spTree>
     <p:extLst>
       <p:ext uri="{BB962C8B-B14F-4D97-AF65-F5344CB8AC3E}">
-        <p14:creationId xmlns:p14="http://schemas.microsoft.com/office/powerpoint/2010/main" val="2261953761"/>
+        <p14:creationId xmlns:p14="http://schemas.microsoft.com/office/powerpoint/2010/main" val="3648437893"/>
       </p:ext>
     </p:extLst>
   </p:cSld>
@@ -1239,13 +1092,7 @@
       </p:grpSpPr>
       <p:sp>
         <p:nvSpPr>
-          <p:cNvPr id="2" name="Tittel 1">
-            <a:extLst>
-              <a:ext uri="{FF2B5EF4-FFF2-40B4-BE49-F238E27FC236}">
-                <a16:creationId xmlns:a16="http://schemas.microsoft.com/office/drawing/2014/main" id="{43FF427A-58E4-43BB-BFEA-BD01D9D3665F}"/>
-              </a:ext>
-            </a:extLst>
-          </p:cNvPr>
+          <p:cNvPr id="2" name="Title 1"/>
           <p:cNvSpPr>
             <a:spLocks noGrp="1"/>
           </p:cNvSpPr>
@@ -1262,19 +1109,13 @@
               <a:rPr lang="nb-NO"/>
               <a:t>Klikk for å redigere tittelstil</a:t>
             </a:r>
-            <a:endParaRPr lang="en-US"/>
-          </a:p>
-        </p:txBody>
-      </p:sp>
-      <p:sp>
-        <p:nvSpPr>
-          <p:cNvPr id="3" name="Plassholder for innhold 2">
-            <a:extLst>
-              <a:ext uri="{FF2B5EF4-FFF2-40B4-BE49-F238E27FC236}">
-                <a16:creationId xmlns:a16="http://schemas.microsoft.com/office/drawing/2014/main" id="{4C92C248-C230-4BEB-8ED8-8D3008B566CC}"/>
-              </a:ext>
-            </a:extLst>
-          </p:cNvPr>
+            <a:endParaRPr lang="en-US" dirty="0"/>
+          </a:p>
+        </p:txBody>
+      </p:sp>
+      <p:sp>
+        <p:nvSpPr>
+          <p:cNvPr id="3" name="Content Placeholder 2"/>
           <p:cNvSpPr>
             <a:spLocks noGrp="1"/>
           </p:cNvSpPr>
@@ -1284,8 +1125,8 @@
         </p:nvSpPr>
         <p:spPr>
           <a:xfrm>
-            <a:off x="838200" y="1825625"/>
-            <a:ext cx="5181600" cy="4351338"/>
+            <a:off x="371296" y="1437680"/>
+            <a:ext cx="2295287" cy="3426679"/>
           </a:xfrm>
         </p:spPr>
         <p:txBody>
@@ -1325,19 +1166,13 @@
               <a:rPr lang="nb-NO"/>
               <a:t>Femte nivå</a:t>
             </a:r>
-            <a:endParaRPr lang="en-US"/>
-          </a:p>
-        </p:txBody>
-      </p:sp>
-      <p:sp>
-        <p:nvSpPr>
-          <p:cNvPr id="4" name="Plassholder for innhold 3">
-            <a:extLst>
-              <a:ext uri="{FF2B5EF4-FFF2-40B4-BE49-F238E27FC236}">
-                <a16:creationId xmlns:a16="http://schemas.microsoft.com/office/drawing/2014/main" id="{FC235C60-B8F6-4A5E-84B8-C62AA208AA18}"/>
-              </a:ext>
-            </a:extLst>
-          </p:cNvPr>
+            <a:endParaRPr lang="en-US" dirty="0"/>
+          </a:p>
+        </p:txBody>
+      </p:sp>
+      <p:sp>
+        <p:nvSpPr>
+          <p:cNvPr id="4" name="Content Placeholder 3"/>
           <p:cNvSpPr>
             <a:spLocks noGrp="1"/>
           </p:cNvSpPr>
@@ -1347,8 +1182,8 @@
         </p:nvSpPr>
         <p:spPr>
           <a:xfrm>
-            <a:off x="6172200" y="1825625"/>
-            <a:ext cx="5181600" cy="4351338"/>
+            <a:off x="2734092" y="1437680"/>
+            <a:ext cx="2295287" cy="3426679"/>
           </a:xfrm>
         </p:spPr>
         <p:txBody>
@@ -1388,19 +1223,13 @@
               <a:rPr lang="nb-NO"/>
               <a:t>Femte nivå</a:t>
             </a:r>
-            <a:endParaRPr lang="en-US"/>
-          </a:p>
-        </p:txBody>
-      </p:sp>
-      <p:sp>
-        <p:nvSpPr>
-          <p:cNvPr id="5" name="Plassholder for dato 4">
-            <a:extLst>
-              <a:ext uri="{FF2B5EF4-FFF2-40B4-BE49-F238E27FC236}">
-                <a16:creationId xmlns:a16="http://schemas.microsoft.com/office/drawing/2014/main" id="{77DE1F80-DCB2-4509-9862-22E2FDB124BA}"/>
-              </a:ext>
-            </a:extLst>
-          </p:cNvPr>
+            <a:endParaRPr lang="en-US" dirty="0"/>
+          </a:p>
+        </p:txBody>
+      </p:sp>
+      <p:sp>
+        <p:nvSpPr>
+          <p:cNvPr id="5" name="Date Placeholder 4"/>
           <p:cNvSpPr>
             <a:spLocks noGrp="1"/>
           </p:cNvSpPr>
@@ -1415,7 +1244,7 @@
           <a:p>
             <a:fld id="{91C36D36-47D8-48BF-81DD-A80DFD03B316}" type="datetimeFigureOut">
               <a:rPr lang="en-US" smtClean="0"/>
-              <a:t>11/3/2020</a:t>
+              <a:t>5/14/2021</a:t>
             </a:fld>
             <a:endParaRPr lang="en-US"/>
           </a:p>
@@ -1423,13 +1252,7 @@
       </p:sp>
       <p:sp>
         <p:nvSpPr>
-          <p:cNvPr id="6" name="Plassholder for bunntekst 5">
-            <a:extLst>
-              <a:ext uri="{FF2B5EF4-FFF2-40B4-BE49-F238E27FC236}">
-                <a16:creationId xmlns:a16="http://schemas.microsoft.com/office/drawing/2014/main" id="{4023FA95-1F27-452D-902B-B09BDF8A8760}"/>
-              </a:ext>
-            </a:extLst>
-          </p:cNvPr>
+          <p:cNvPr id="6" name="Footer Placeholder 5"/>
           <p:cNvSpPr>
             <a:spLocks noGrp="1"/>
           </p:cNvSpPr>
@@ -1448,13 +1271,7 @@
       </p:sp>
       <p:sp>
         <p:nvSpPr>
-          <p:cNvPr id="7" name="Plassholder for lysbildenummer 6">
-            <a:extLst>
-              <a:ext uri="{FF2B5EF4-FFF2-40B4-BE49-F238E27FC236}">
-                <a16:creationId xmlns:a16="http://schemas.microsoft.com/office/drawing/2014/main" id="{9F692EC9-025D-409D-BD05-2867FD1F4E8C}"/>
-              </a:ext>
-            </a:extLst>
-          </p:cNvPr>
+          <p:cNvPr id="7" name="Slide Number Placeholder 6"/>
           <p:cNvSpPr>
             <a:spLocks noGrp="1"/>
           </p:cNvSpPr>
@@ -1478,7 +1295,7 @@
     </p:spTree>
     <p:extLst>
       <p:ext uri="{BB962C8B-B14F-4D97-AF65-F5344CB8AC3E}">
-        <p14:creationId xmlns:p14="http://schemas.microsoft.com/office/powerpoint/2010/main" val="3692118759"/>
+        <p14:creationId xmlns:p14="http://schemas.microsoft.com/office/powerpoint/2010/main" val="723124651"/>
       </p:ext>
     </p:extLst>
   </p:cSld>
@@ -1507,13 +1324,7 @@
       </p:grpSpPr>
       <p:sp>
         <p:nvSpPr>
-          <p:cNvPr id="2" name="Tittel 1">
-            <a:extLst>
-              <a:ext uri="{FF2B5EF4-FFF2-40B4-BE49-F238E27FC236}">
-                <a16:creationId xmlns:a16="http://schemas.microsoft.com/office/drawing/2014/main" id="{63B4EAE6-373A-42B3-94A7-7B0EA6F2608D}"/>
-              </a:ext>
-            </a:extLst>
-          </p:cNvPr>
+          <p:cNvPr id="2" name="Title 1"/>
           <p:cNvSpPr>
             <a:spLocks noGrp="1"/>
           </p:cNvSpPr>
@@ -1523,8 +1334,8 @@
         </p:nvSpPr>
         <p:spPr>
           <a:xfrm>
-            <a:off x="839788" y="365125"/>
-            <a:ext cx="10515600" cy="1325563"/>
+            <a:off x="372000" y="287537"/>
+            <a:ext cx="4658082" cy="1043881"/>
           </a:xfrm>
         </p:spPr>
         <p:txBody>
@@ -1535,19 +1346,13 @@
               <a:rPr lang="nb-NO"/>
               <a:t>Klikk for å redigere tittelstil</a:t>
             </a:r>
-            <a:endParaRPr lang="en-US"/>
-          </a:p>
-        </p:txBody>
-      </p:sp>
-      <p:sp>
-        <p:nvSpPr>
-          <p:cNvPr id="3" name="Plassholder for tekst 2">
-            <a:extLst>
-              <a:ext uri="{FF2B5EF4-FFF2-40B4-BE49-F238E27FC236}">
-                <a16:creationId xmlns:a16="http://schemas.microsoft.com/office/drawing/2014/main" id="{738DCD2F-36E5-4962-95F6-40CE43410FA1}"/>
-              </a:ext>
-            </a:extLst>
-          </p:cNvPr>
+            <a:endParaRPr lang="en-US" dirty="0"/>
+          </a:p>
+        </p:txBody>
+      </p:sp>
+      <p:sp>
+        <p:nvSpPr>
+          <p:cNvPr id="3" name="Text Placeholder 2"/>
           <p:cNvSpPr>
             <a:spLocks noGrp="1"/>
           </p:cNvSpPr>
@@ -1557,8 +1362,8 @@
         </p:nvSpPr>
         <p:spPr>
           <a:xfrm>
-            <a:off x="839788" y="1681163"/>
-            <a:ext cx="5157787" cy="823912"/>
+            <a:off x="372001" y="1323916"/>
+            <a:ext cx="2284738" cy="648831"/>
           </a:xfrm>
         </p:spPr>
         <p:txBody>
@@ -1566,39 +1371,39 @@
           <a:lstStyle>
             <a:lvl1pPr marL="0" indent="0">
               <a:buNone/>
-              <a:defRPr sz="2400" b="1"/>
+              <a:defRPr sz="1417" b="1"/>
             </a:lvl1pPr>
-            <a:lvl2pPr marL="457200" indent="0">
+            <a:lvl2pPr marL="270022" indent="0">
               <a:buNone/>
-              <a:defRPr sz="2000" b="1"/>
+              <a:defRPr sz="1181" b="1"/>
             </a:lvl2pPr>
-            <a:lvl3pPr marL="914400" indent="0">
+            <a:lvl3pPr marL="540045" indent="0">
               <a:buNone/>
-              <a:defRPr sz="1800" b="1"/>
+              <a:defRPr sz="1063" b="1"/>
             </a:lvl3pPr>
-            <a:lvl4pPr marL="1371600" indent="0">
+            <a:lvl4pPr marL="810067" indent="0">
               <a:buNone/>
-              <a:defRPr sz="1600" b="1"/>
+              <a:defRPr sz="945" b="1"/>
             </a:lvl4pPr>
-            <a:lvl5pPr marL="1828800" indent="0">
+            <a:lvl5pPr marL="1080089" indent="0">
               <a:buNone/>
-              <a:defRPr sz="1600" b="1"/>
+              <a:defRPr sz="945" b="1"/>
             </a:lvl5pPr>
-            <a:lvl6pPr marL="2286000" indent="0">
+            <a:lvl6pPr marL="1350112" indent="0">
               <a:buNone/>
-              <a:defRPr sz="1600" b="1"/>
+              <a:defRPr sz="945" b="1"/>
             </a:lvl6pPr>
-            <a:lvl7pPr marL="2743200" indent="0">
+            <a:lvl7pPr marL="1620134" indent="0">
               <a:buNone/>
-              <a:defRPr sz="1600" b="1"/>
+              <a:defRPr sz="945" b="1"/>
             </a:lvl7pPr>
-            <a:lvl8pPr marL="3200400" indent="0">
+            <a:lvl8pPr marL="1890156" indent="0">
               <a:buNone/>
-              <a:defRPr sz="1600" b="1"/>
+              <a:defRPr sz="945" b="1"/>
             </a:lvl8pPr>
-            <a:lvl9pPr marL="3657600" indent="0">
+            <a:lvl9pPr marL="2160179" indent="0">
               <a:buNone/>
-              <a:defRPr sz="1600" b="1"/>
+              <a:defRPr sz="945" b="1"/>
             </a:lvl9pPr>
           </a:lstStyle>
           <a:p>
@@ -1612,13 +1417,7 @@
       </p:sp>
       <p:sp>
         <p:nvSpPr>
-          <p:cNvPr id="4" name="Plassholder for innhold 3">
-            <a:extLst>
-              <a:ext uri="{FF2B5EF4-FFF2-40B4-BE49-F238E27FC236}">
-                <a16:creationId xmlns:a16="http://schemas.microsoft.com/office/drawing/2014/main" id="{1BCC3FF5-8BC0-4E85-AE82-5E31AE559B05}"/>
-              </a:ext>
-            </a:extLst>
-          </p:cNvPr>
+          <p:cNvPr id="4" name="Content Placeholder 3"/>
           <p:cNvSpPr>
             <a:spLocks noGrp="1"/>
           </p:cNvSpPr>
@@ -1628,8 +1427,8 @@
         </p:nvSpPr>
         <p:spPr>
           <a:xfrm>
-            <a:off x="839788" y="2505075"/>
-            <a:ext cx="5157787" cy="3684588"/>
+            <a:off x="372001" y="1972747"/>
+            <a:ext cx="2284738" cy="2901613"/>
           </a:xfrm>
         </p:spPr>
         <p:txBody>
@@ -1669,19 +1468,13 @@
               <a:rPr lang="nb-NO"/>
               <a:t>Femte nivå</a:t>
             </a:r>
-            <a:endParaRPr lang="en-US"/>
-          </a:p>
-        </p:txBody>
-      </p:sp>
-      <p:sp>
-        <p:nvSpPr>
-          <p:cNvPr id="5" name="Plassholder for tekst 4">
-            <a:extLst>
-              <a:ext uri="{FF2B5EF4-FFF2-40B4-BE49-F238E27FC236}">
-                <a16:creationId xmlns:a16="http://schemas.microsoft.com/office/drawing/2014/main" id="{2409FBF1-6A18-440A-B0E4-FB380DCDA03B}"/>
-              </a:ext>
-            </a:extLst>
-          </p:cNvPr>
+            <a:endParaRPr lang="en-US" dirty="0"/>
+          </a:p>
+        </p:txBody>
+      </p:sp>
+      <p:sp>
+        <p:nvSpPr>
+          <p:cNvPr id="5" name="Text Placeholder 4"/>
           <p:cNvSpPr>
             <a:spLocks noGrp="1"/>
           </p:cNvSpPr>
@@ -1691,8 +1484,8 @@
         </p:nvSpPr>
         <p:spPr>
           <a:xfrm>
-            <a:off x="6172200" y="1681163"/>
-            <a:ext cx="5183188" cy="823912"/>
+            <a:off x="2734092" y="1323916"/>
+            <a:ext cx="2295990" cy="648831"/>
           </a:xfrm>
         </p:spPr>
         <p:txBody>
@@ -1700,39 +1493,39 @@
           <a:lstStyle>
             <a:lvl1pPr marL="0" indent="0">
               <a:buNone/>
-              <a:defRPr sz="2400" b="1"/>
+              <a:defRPr sz="1417" b="1"/>
             </a:lvl1pPr>
-            <a:lvl2pPr marL="457200" indent="0">
+            <a:lvl2pPr marL="270022" indent="0">
               <a:buNone/>
-              <a:defRPr sz="2000" b="1"/>
+              <a:defRPr sz="1181" b="1"/>
             </a:lvl2pPr>
-            <a:lvl3pPr marL="914400" indent="0">
+            <a:lvl3pPr marL="540045" indent="0">
               <a:buNone/>
-              <a:defRPr sz="1800" b="1"/>
+              <a:defRPr sz="1063" b="1"/>
             </a:lvl3pPr>
-            <a:lvl4pPr marL="1371600" indent="0">
+            <a:lvl4pPr marL="810067" indent="0">
               <a:buNone/>
-              <a:defRPr sz="1600" b="1"/>
+              <a:defRPr sz="945" b="1"/>
             </a:lvl4pPr>
-            <a:lvl5pPr marL="1828800" indent="0">
+            <a:lvl5pPr marL="1080089" indent="0">
               <a:buNone/>
-              <a:defRPr sz="1600" b="1"/>
+              <a:defRPr sz="945" b="1"/>
             </a:lvl5pPr>
-            <a:lvl6pPr marL="2286000" indent="0">
+            <a:lvl6pPr marL="1350112" indent="0">
               <a:buNone/>
-              <a:defRPr sz="1600" b="1"/>
+              <a:defRPr sz="945" b="1"/>
             </a:lvl6pPr>
-            <a:lvl7pPr marL="2743200" indent="0">
+            <a:lvl7pPr marL="1620134" indent="0">
               <a:buNone/>
-              <a:defRPr sz="1600" b="1"/>
+              <a:defRPr sz="945" b="1"/>
             </a:lvl7pPr>
-            <a:lvl8pPr marL="3200400" indent="0">
+            <a:lvl8pPr marL="1890156" indent="0">
               <a:buNone/>
-              <a:defRPr sz="1600" b="1"/>
+              <a:defRPr sz="945" b="1"/>
             </a:lvl8pPr>
-            <a:lvl9pPr marL="3657600" indent="0">
+            <a:lvl9pPr marL="2160179" indent="0">
               <a:buNone/>
-              <a:defRPr sz="1600" b="1"/>
+              <a:defRPr sz="945" b="1"/>
             </a:lvl9pPr>
           </a:lstStyle>
           <a:p>
@@ -1746,13 +1539,7 @@
       </p:sp>
       <p:sp>
         <p:nvSpPr>
-          <p:cNvPr id="6" name="Plassholder for innhold 5">
-            <a:extLst>
-              <a:ext uri="{FF2B5EF4-FFF2-40B4-BE49-F238E27FC236}">
-                <a16:creationId xmlns:a16="http://schemas.microsoft.com/office/drawing/2014/main" id="{A023229D-171F-40CB-AB60-E70CCA0638F3}"/>
-              </a:ext>
-            </a:extLst>
-          </p:cNvPr>
+          <p:cNvPr id="6" name="Content Placeholder 5"/>
           <p:cNvSpPr>
             <a:spLocks noGrp="1"/>
           </p:cNvSpPr>
@@ -1762,8 +1549,8 @@
         </p:nvSpPr>
         <p:spPr>
           <a:xfrm>
-            <a:off x="6172200" y="2505075"/>
-            <a:ext cx="5183188" cy="3684588"/>
+            <a:off x="2734092" y="1972747"/>
+            <a:ext cx="2295990" cy="2901613"/>
           </a:xfrm>
         </p:spPr>
         <p:txBody>
@@ -1803,19 +1590,13 @@
               <a:rPr lang="nb-NO"/>
               <a:t>Femte nivå</a:t>
             </a:r>
-            <a:endParaRPr lang="en-US"/>
-          </a:p>
-        </p:txBody>
-      </p:sp>
-      <p:sp>
-        <p:nvSpPr>
-          <p:cNvPr id="7" name="Plassholder for dato 6">
-            <a:extLst>
-              <a:ext uri="{FF2B5EF4-FFF2-40B4-BE49-F238E27FC236}">
-                <a16:creationId xmlns:a16="http://schemas.microsoft.com/office/drawing/2014/main" id="{14C1A8FE-CAF4-4EAB-B6A2-79C846F352F7}"/>
-              </a:ext>
-            </a:extLst>
-          </p:cNvPr>
+            <a:endParaRPr lang="en-US" dirty="0"/>
+          </a:p>
+        </p:txBody>
+      </p:sp>
+      <p:sp>
+        <p:nvSpPr>
+          <p:cNvPr id="7" name="Date Placeholder 6"/>
           <p:cNvSpPr>
             <a:spLocks noGrp="1"/>
           </p:cNvSpPr>
@@ -1830,7 +1611,7 @@
           <a:p>
             <a:fld id="{91C36D36-47D8-48BF-81DD-A80DFD03B316}" type="datetimeFigureOut">
               <a:rPr lang="en-US" smtClean="0"/>
-              <a:t>11/3/2020</a:t>
+              <a:t>5/14/2021</a:t>
             </a:fld>
             <a:endParaRPr lang="en-US"/>
           </a:p>
@@ -1838,13 +1619,7 @@
       </p:sp>
       <p:sp>
         <p:nvSpPr>
-          <p:cNvPr id="8" name="Plassholder for bunntekst 7">
-            <a:extLst>
-              <a:ext uri="{FF2B5EF4-FFF2-40B4-BE49-F238E27FC236}">
-                <a16:creationId xmlns:a16="http://schemas.microsoft.com/office/drawing/2014/main" id="{B99968B4-9E20-4FD5-9163-A454EF2C27BC}"/>
-              </a:ext>
-            </a:extLst>
-          </p:cNvPr>
+          <p:cNvPr id="8" name="Footer Placeholder 7"/>
           <p:cNvSpPr>
             <a:spLocks noGrp="1"/>
           </p:cNvSpPr>
@@ -1863,13 +1638,7 @@
       </p:sp>
       <p:sp>
         <p:nvSpPr>
-          <p:cNvPr id="9" name="Plassholder for lysbildenummer 8">
-            <a:extLst>
-              <a:ext uri="{FF2B5EF4-FFF2-40B4-BE49-F238E27FC236}">
-                <a16:creationId xmlns:a16="http://schemas.microsoft.com/office/drawing/2014/main" id="{1058693B-AD5D-41F2-B95E-5B2263A9CBF0}"/>
-              </a:ext>
-            </a:extLst>
-          </p:cNvPr>
+          <p:cNvPr id="9" name="Slide Number Placeholder 8"/>
           <p:cNvSpPr>
             <a:spLocks noGrp="1"/>
           </p:cNvSpPr>
@@ -1893,7 +1662,7 @@
     </p:spTree>
     <p:extLst>
       <p:ext uri="{BB962C8B-B14F-4D97-AF65-F5344CB8AC3E}">
-        <p14:creationId xmlns:p14="http://schemas.microsoft.com/office/powerpoint/2010/main" val="328611858"/>
+        <p14:creationId xmlns:p14="http://schemas.microsoft.com/office/powerpoint/2010/main" val="246074002"/>
       </p:ext>
     </p:extLst>
   </p:cSld>
@@ -1922,13 +1691,7 @@
       </p:grpSpPr>
       <p:sp>
         <p:nvSpPr>
-          <p:cNvPr id="2" name="Tittel 1">
-            <a:extLst>
-              <a:ext uri="{FF2B5EF4-FFF2-40B4-BE49-F238E27FC236}">
-                <a16:creationId xmlns:a16="http://schemas.microsoft.com/office/drawing/2014/main" id="{F1C87967-6992-4507-B6A1-41324DCF74EE}"/>
-              </a:ext>
-            </a:extLst>
-          </p:cNvPr>
+          <p:cNvPr id="2" name="Title 1"/>
           <p:cNvSpPr>
             <a:spLocks noGrp="1"/>
           </p:cNvSpPr>
@@ -1945,19 +1708,13 @@
               <a:rPr lang="nb-NO"/>
               <a:t>Klikk for å redigere tittelstil</a:t>
             </a:r>
-            <a:endParaRPr lang="en-US"/>
-          </a:p>
-        </p:txBody>
-      </p:sp>
-      <p:sp>
-        <p:nvSpPr>
-          <p:cNvPr id="3" name="Plassholder for dato 2">
-            <a:extLst>
-              <a:ext uri="{FF2B5EF4-FFF2-40B4-BE49-F238E27FC236}">
-                <a16:creationId xmlns:a16="http://schemas.microsoft.com/office/drawing/2014/main" id="{6C36CEBC-41AA-498C-9274-9DD0E429A6B7}"/>
-              </a:ext>
-            </a:extLst>
-          </p:cNvPr>
+            <a:endParaRPr lang="en-US" dirty="0"/>
+          </a:p>
+        </p:txBody>
+      </p:sp>
+      <p:sp>
+        <p:nvSpPr>
+          <p:cNvPr id="3" name="Date Placeholder 2"/>
           <p:cNvSpPr>
             <a:spLocks noGrp="1"/>
           </p:cNvSpPr>
@@ -1972,7 +1729,7 @@
           <a:p>
             <a:fld id="{91C36D36-47D8-48BF-81DD-A80DFD03B316}" type="datetimeFigureOut">
               <a:rPr lang="en-US" smtClean="0"/>
-              <a:t>11/3/2020</a:t>
+              <a:t>5/14/2021</a:t>
             </a:fld>
             <a:endParaRPr lang="en-US"/>
           </a:p>
@@ -1980,13 +1737,7 @@
       </p:sp>
       <p:sp>
         <p:nvSpPr>
-          <p:cNvPr id="4" name="Plassholder for bunntekst 3">
-            <a:extLst>
-              <a:ext uri="{FF2B5EF4-FFF2-40B4-BE49-F238E27FC236}">
-                <a16:creationId xmlns:a16="http://schemas.microsoft.com/office/drawing/2014/main" id="{C7A079C5-4671-46C7-921E-AA18D4FF7595}"/>
-              </a:ext>
-            </a:extLst>
-          </p:cNvPr>
+          <p:cNvPr id="4" name="Footer Placeholder 3"/>
           <p:cNvSpPr>
             <a:spLocks noGrp="1"/>
           </p:cNvSpPr>
@@ -2005,13 +1756,7 @@
       </p:sp>
       <p:sp>
         <p:nvSpPr>
-          <p:cNvPr id="5" name="Plassholder for lysbildenummer 4">
-            <a:extLst>
-              <a:ext uri="{FF2B5EF4-FFF2-40B4-BE49-F238E27FC236}">
-                <a16:creationId xmlns:a16="http://schemas.microsoft.com/office/drawing/2014/main" id="{1A91E97F-276F-48EE-9360-F981DF37342E}"/>
-              </a:ext>
-            </a:extLst>
-          </p:cNvPr>
+          <p:cNvPr id="5" name="Slide Number Placeholder 4"/>
           <p:cNvSpPr>
             <a:spLocks noGrp="1"/>
           </p:cNvSpPr>
@@ -2035,7 +1780,7 @@
     </p:spTree>
     <p:extLst>
       <p:ext uri="{BB962C8B-B14F-4D97-AF65-F5344CB8AC3E}">
-        <p14:creationId xmlns:p14="http://schemas.microsoft.com/office/powerpoint/2010/main" val="457030110"/>
+        <p14:creationId xmlns:p14="http://schemas.microsoft.com/office/powerpoint/2010/main" val="1951120714"/>
       </p:ext>
     </p:extLst>
   </p:cSld>
@@ -2064,13 +1809,7 @@
       </p:grpSpPr>
       <p:sp>
         <p:nvSpPr>
-          <p:cNvPr id="2" name="Plassholder for dato 1">
-            <a:extLst>
-              <a:ext uri="{FF2B5EF4-FFF2-40B4-BE49-F238E27FC236}">
-                <a16:creationId xmlns:a16="http://schemas.microsoft.com/office/drawing/2014/main" id="{8AE639A0-8D71-48D3-9E3B-C9CB4E07AE33}"/>
-              </a:ext>
-            </a:extLst>
-          </p:cNvPr>
+          <p:cNvPr id="2" name="Date Placeholder 1"/>
           <p:cNvSpPr>
             <a:spLocks noGrp="1"/>
           </p:cNvSpPr>
@@ -2085,7 +1824,7 @@
           <a:p>
             <a:fld id="{91C36D36-47D8-48BF-81DD-A80DFD03B316}" type="datetimeFigureOut">
               <a:rPr lang="en-US" smtClean="0"/>
-              <a:t>11/3/2020</a:t>
+              <a:t>5/14/2021</a:t>
             </a:fld>
             <a:endParaRPr lang="en-US"/>
           </a:p>
@@ -2093,13 +1832,7 @@
       </p:sp>
       <p:sp>
         <p:nvSpPr>
-          <p:cNvPr id="3" name="Plassholder for bunntekst 2">
-            <a:extLst>
-              <a:ext uri="{FF2B5EF4-FFF2-40B4-BE49-F238E27FC236}">
-                <a16:creationId xmlns:a16="http://schemas.microsoft.com/office/drawing/2014/main" id="{C38385C0-E221-4F46-9685-C9F8BEEF5E57}"/>
-              </a:ext>
-            </a:extLst>
-          </p:cNvPr>
+          <p:cNvPr id="3" name="Footer Placeholder 2"/>
           <p:cNvSpPr>
             <a:spLocks noGrp="1"/>
           </p:cNvSpPr>
@@ -2118,13 +1851,7 @@
       </p:sp>
       <p:sp>
         <p:nvSpPr>
-          <p:cNvPr id="4" name="Plassholder for lysbildenummer 3">
-            <a:extLst>
-              <a:ext uri="{FF2B5EF4-FFF2-40B4-BE49-F238E27FC236}">
-                <a16:creationId xmlns:a16="http://schemas.microsoft.com/office/drawing/2014/main" id="{0F1C9918-2E71-4E44-9CE8-23DACC55A7CF}"/>
-              </a:ext>
-            </a:extLst>
-          </p:cNvPr>
+          <p:cNvPr id="4" name="Slide Number Placeholder 3"/>
           <p:cNvSpPr>
             <a:spLocks noGrp="1"/>
           </p:cNvSpPr>
@@ -2148,7 +1875,7 @@
     </p:spTree>
     <p:extLst>
       <p:ext uri="{BB962C8B-B14F-4D97-AF65-F5344CB8AC3E}">
-        <p14:creationId xmlns:p14="http://schemas.microsoft.com/office/powerpoint/2010/main" val="3901927792"/>
+        <p14:creationId xmlns:p14="http://schemas.microsoft.com/office/powerpoint/2010/main" val="3600022234"/>
       </p:ext>
     </p:extLst>
   </p:cSld>
@@ -2177,13 +1904,7 @@
       </p:grpSpPr>
       <p:sp>
         <p:nvSpPr>
-          <p:cNvPr id="2" name="Tittel 1">
-            <a:extLst>
-              <a:ext uri="{FF2B5EF4-FFF2-40B4-BE49-F238E27FC236}">
-                <a16:creationId xmlns:a16="http://schemas.microsoft.com/office/drawing/2014/main" id="{E8B917D9-3705-4BBF-9445-BA068B0D0F53}"/>
-              </a:ext>
-            </a:extLst>
-          </p:cNvPr>
+          <p:cNvPr id="2" name="Title 1"/>
           <p:cNvSpPr>
             <a:spLocks noGrp="1"/>
           </p:cNvSpPr>
@@ -2193,15 +1914,15 @@
         </p:nvSpPr>
         <p:spPr>
           <a:xfrm>
-            <a:off x="839788" y="457200"/>
-            <a:ext cx="3932237" cy="1600200"/>
+            <a:off x="372000" y="360045"/>
+            <a:ext cx="1741858" cy="1260158"/>
           </a:xfrm>
         </p:spPr>
         <p:txBody>
           <a:bodyPr anchor="b"/>
           <a:lstStyle>
             <a:lvl1pPr>
-              <a:defRPr sz="3200"/>
+              <a:defRPr sz="1890"/>
             </a:lvl1pPr>
           </a:lstStyle>
           <a:p>
@@ -2209,19 +1930,13 @@
               <a:rPr lang="nb-NO"/>
               <a:t>Klikk for å redigere tittelstil</a:t>
             </a:r>
-            <a:endParaRPr lang="en-US"/>
-          </a:p>
-        </p:txBody>
-      </p:sp>
-      <p:sp>
-        <p:nvSpPr>
-          <p:cNvPr id="3" name="Plassholder for innhold 2">
-            <a:extLst>
-              <a:ext uri="{FF2B5EF4-FFF2-40B4-BE49-F238E27FC236}">
-                <a16:creationId xmlns:a16="http://schemas.microsoft.com/office/drawing/2014/main" id="{A740F890-FEDA-4D2E-853E-501C5EC86E76}"/>
-              </a:ext>
-            </a:extLst>
-          </p:cNvPr>
+            <a:endParaRPr lang="en-US" dirty="0"/>
+          </a:p>
+        </p:txBody>
+      </p:sp>
+      <p:sp>
+        <p:nvSpPr>
+          <p:cNvPr id="3" name="Content Placeholder 2"/>
           <p:cNvSpPr>
             <a:spLocks noGrp="1"/>
           </p:cNvSpPr>
@@ -2231,39 +1946,39 @@
         </p:nvSpPr>
         <p:spPr>
           <a:xfrm>
-            <a:off x="5183188" y="987425"/>
-            <a:ext cx="6172200" cy="4873625"/>
+            <a:off x="2295990" y="777598"/>
+            <a:ext cx="2734092" cy="3837980"/>
           </a:xfrm>
         </p:spPr>
         <p:txBody>
           <a:bodyPr/>
           <a:lstStyle>
             <a:lvl1pPr>
-              <a:defRPr sz="3200"/>
+              <a:defRPr sz="1890"/>
             </a:lvl1pPr>
             <a:lvl2pPr>
-              <a:defRPr sz="2800"/>
+              <a:defRPr sz="1654"/>
             </a:lvl2pPr>
             <a:lvl3pPr>
-              <a:defRPr sz="2400"/>
+              <a:defRPr sz="1417"/>
             </a:lvl3pPr>
             <a:lvl4pPr>
-              <a:defRPr sz="2000"/>
+              <a:defRPr sz="1181"/>
             </a:lvl4pPr>
             <a:lvl5pPr>
-              <a:defRPr sz="2000"/>
+              <a:defRPr sz="1181"/>
             </a:lvl5pPr>
             <a:lvl6pPr>
-              <a:defRPr sz="2000"/>
+              <a:defRPr sz="1181"/>
             </a:lvl6pPr>
             <a:lvl7pPr>
-              <a:defRPr sz="2000"/>
+              <a:defRPr sz="1181"/>
             </a:lvl7pPr>
             <a:lvl8pPr>
-              <a:defRPr sz="2000"/>
+              <a:defRPr sz="1181"/>
             </a:lvl8pPr>
             <a:lvl9pPr>
-              <a:defRPr sz="2000"/>
+              <a:defRPr sz="1181"/>
             </a:lvl9pPr>
           </a:lstStyle>
           <a:p>
@@ -2300,19 +2015,13 @@
               <a:rPr lang="nb-NO"/>
               <a:t>Femte nivå</a:t>
             </a:r>
-            <a:endParaRPr lang="en-US"/>
-          </a:p>
-        </p:txBody>
-      </p:sp>
-      <p:sp>
-        <p:nvSpPr>
-          <p:cNvPr id="4" name="Plassholder for tekst 3">
-            <a:extLst>
-              <a:ext uri="{FF2B5EF4-FFF2-40B4-BE49-F238E27FC236}">
-                <a16:creationId xmlns:a16="http://schemas.microsoft.com/office/drawing/2014/main" id="{A72C0EAD-98E0-4863-BC52-7510EBA15E5E}"/>
-              </a:ext>
-            </a:extLst>
-          </p:cNvPr>
+            <a:endParaRPr lang="en-US" dirty="0"/>
+          </a:p>
+        </p:txBody>
+      </p:sp>
+      <p:sp>
+        <p:nvSpPr>
+          <p:cNvPr id="4" name="Text Placeholder 3"/>
           <p:cNvSpPr>
             <a:spLocks noGrp="1"/>
           </p:cNvSpPr>
@@ -2322,8 +2031,8 @@
         </p:nvSpPr>
         <p:spPr>
           <a:xfrm>
-            <a:off x="839788" y="2057400"/>
-            <a:ext cx="3932237" cy="3811588"/>
+            <a:off x="372000" y="1620202"/>
+            <a:ext cx="1741858" cy="3001626"/>
           </a:xfrm>
         </p:spPr>
         <p:txBody>
@@ -2331,39 +2040,39 @@
           <a:lstStyle>
             <a:lvl1pPr marL="0" indent="0">
               <a:buNone/>
-              <a:defRPr sz="1600"/>
+              <a:defRPr sz="945"/>
             </a:lvl1pPr>
-            <a:lvl2pPr marL="457200" indent="0">
+            <a:lvl2pPr marL="270022" indent="0">
               <a:buNone/>
-              <a:defRPr sz="1400"/>
+              <a:defRPr sz="827"/>
             </a:lvl2pPr>
-            <a:lvl3pPr marL="914400" indent="0">
+            <a:lvl3pPr marL="540045" indent="0">
               <a:buNone/>
-              <a:defRPr sz="1200"/>
+              <a:defRPr sz="709"/>
             </a:lvl3pPr>
-            <a:lvl4pPr marL="1371600" indent="0">
+            <a:lvl4pPr marL="810067" indent="0">
               <a:buNone/>
-              <a:defRPr sz="1000"/>
+              <a:defRPr sz="591"/>
             </a:lvl4pPr>
-            <a:lvl5pPr marL="1828800" indent="0">
+            <a:lvl5pPr marL="1080089" indent="0">
               <a:buNone/>
-              <a:defRPr sz="1000"/>
+              <a:defRPr sz="591"/>
             </a:lvl5pPr>
-            <a:lvl6pPr marL="2286000" indent="0">
+            <a:lvl6pPr marL="1350112" indent="0">
               <a:buNone/>
-              <a:defRPr sz="1000"/>
+              <a:defRPr sz="591"/>
             </a:lvl6pPr>
-            <a:lvl7pPr marL="2743200" indent="0">
+            <a:lvl7pPr marL="1620134" indent="0">
               <a:buNone/>
-              <a:defRPr sz="1000"/>
+              <a:defRPr sz="591"/>
             </a:lvl7pPr>
-            <a:lvl8pPr marL="3200400" indent="0">
+            <a:lvl8pPr marL="1890156" indent="0">
               <a:buNone/>
-              <a:defRPr sz="1000"/>
+              <a:defRPr sz="591"/>
             </a:lvl8pPr>
-            <a:lvl9pPr marL="3657600" indent="0">
+            <a:lvl9pPr marL="2160179" indent="0">
               <a:buNone/>
-              <a:defRPr sz="1000"/>
+              <a:defRPr sz="591"/>
             </a:lvl9pPr>
           </a:lstStyle>
           <a:p>
@@ -2377,13 +2086,7 @@
       </p:sp>
       <p:sp>
         <p:nvSpPr>
-          <p:cNvPr id="5" name="Plassholder for dato 4">
-            <a:extLst>
-              <a:ext uri="{FF2B5EF4-FFF2-40B4-BE49-F238E27FC236}">
-                <a16:creationId xmlns:a16="http://schemas.microsoft.com/office/drawing/2014/main" id="{540E00AD-D799-4F36-9D96-575090FAA067}"/>
-              </a:ext>
-            </a:extLst>
-          </p:cNvPr>
+          <p:cNvPr id="5" name="Date Placeholder 4"/>
           <p:cNvSpPr>
             <a:spLocks noGrp="1"/>
           </p:cNvSpPr>
@@ -2398,7 +2101,7 @@
           <a:p>
             <a:fld id="{91C36D36-47D8-48BF-81DD-A80DFD03B316}" type="datetimeFigureOut">
               <a:rPr lang="en-US" smtClean="0"/>
-              <a:t>11/3/2020</a:t>
+              <a:t>5/14/2021</a:t>
             </a:fld>
             <a:endParaRPr lang="en-US"/>
           </a:p>
@@ -2406,13 +2109,7 @@
       </p:sp>
       <p:sp>
         <p:nvSpPr>
-          <p:cNvPr id="6" name="Plassholder for bunntekst 5">
-            <a:extLst>
-              <a:ext uri="{FF2B5EF4-FFF2-40B4-BE49-F238E27FC236}">
-                <a16:creationId xmlns:a16="http://schemas.microsoft.com/office/drawing/2014/main" id="{EFF86B22-A1E4-495A-AE92-CBE0CE95BF34}"/>
-              </a:ext>
-            </a:extLst>
-          </p:cNvPr>
+          <p:cNvPr id="6" name="Footer Placeholder 5"/>
           <p:cNvSpPr>
             <a:spLocks noGrp="1"/>
           </p:cNvSpPr>
@@ -2431,13 +2128,7 @@
       </p:sp>
       <p:sp>
         <p:nvSpPr>
-          <p:cNvPr id="7" name="Plassholder for lysbildenummer 6">
-            <a:extLst>
-              <a:ext uri="{FF2B5EF4-FFF2-40B4-BE49-F238E27FC236}">
-                <a16:creationId xmlns:a16="http://schemas.microsoft.com/office/drawing/2014/main" id="{230076AA-BC99-4650-863C-7F733DD09ADE}"/>
-              </a:ext>
-            </a:extLst>
-          </p:cNvPr>
+          <p:cNvPr id="7" name="Slide Number Placeholder 6"/>
           <p:cNvSpPr>
             <a:spLocks noGrp="1"/>
           </p:cNvSpPr>
@@ -2461,7 +2152,7 @@
     </p:spTree>
     <p:extLst>
       <p:ext uri="{BB962C8B-B14F-4D97-AF65-F5344CB8AC3E}">
-        <p14:creationId xmlns:p14="http://schemas.microsoft.com/office/powerpoint/2010/main" val="1457170707"/>
+        <p14:creationId xmlns:p14="http://schemas.microsoft.com/office/powerpoint/2010/main" val="1005750673"/>
       </p:ext>
     </p:extLst>
   </p:cSld>
@@ -2490,13 +2181,7 @@
       </p:grpSpPr>
       <p:sp>
         <p:nvSpPr>
-          <p:cNvPr id="2" name="Tittel 1">
-            <a:extLst>
-              <a:ext uri="{FF2B5EF4-FFF2-40B4-BE49-F238E27FC236}">
-                <a16:creationId xmlns:a16="http://schemas.microsoft.com/office/drawing/2014/main" id="{9EED5821-0B4D-4477-A146-D8DE1FA479D8}"/>
-              </a:ext>
-            </a:extLst>
-          </p:cNvPr>
+          <p:cNvPr id="2" name="Title 1"/>
           <p:cNvSpPr>
             <a:spLocks noGrp="1"/>
           </p:cNvSpPr>
@@ -2506,15 +2191,15 @@
         </p:nvSpPr>
         <p:spPr>
           <a:xfrm>
-            <a:off x="839788" y="457200"/>
-            <a:ext cx="3932237" cy="1600200"/>
+            <a:off x="372000" y="360045"/>
+            <a:ext cx="1741858" cy="1260158"/>
           </a:xfrm>
         </p:spPr>
         <p:txBody>
           <a:bodyPr anchor="b"/>
           <a:lstStyle>
             <a:lvl1pPr>
-              <a:defRPr sz="3200"/>
+              <a:defRPr sz="1890"/>
             </a:lvl1pPr>
           </a:lstStyle>
           <a:p>
@@ -2522,21 +2207,15 @@
               <a:rPr lang="nb-NO"/>
               <a:t>Klikk for å redigere tittelstil</a:t>
             </a:r>
-            <a:endParaRPr lang="en-US"/>
-          </a:p>
-        </p:txBody>
-      </p:sp>
-      <p:sp>
-        <p:nvSpPr>
-          <p:cNvPr id="3" name="Plassholder for bilde 2">
-            <a:extLst>
-              <a:ext uri="{FF2B5EF4-FFF2-40B4-BE49-F238E27FC236}">
-                <a16:creationId xmlns:a16="http://schemas.microsoft.com/office/drawing/2014/main" id="{3A392626-768D-4404-945B-9408EACC68C9}"/>
-              </a:ext>
-            </a:extLst>
-          </p:cNvPr>
+            <a:endParaRPr lang="en-US" dirty="0"/>
+          </a:p>
+        </p:txBody>
+      </p:sp>
+      <p:sp>
+        <p:nvSpPr>
+          <p:cNvPr id="3" name="Picture Placeholder 2"/>
           <p:cNvSpPr>
-            <a:spLocks noGrp="1"/>
+            <a:spLocks noGrp="1" noChangeAspect="1"/>
           </p:cNvSpPr>
           <p:nvPr>
             <p:ph type="pic" idx="1"/>
@@ -2544,64 +2223,62 @@
         </p:nvSpPr>
         <p:spPr>
           <a:xfrm>
-            <a:off x="5183188" y="987425"/>
-            <a:ext cx="6172200" cy="4873625"/>
-          </a:xfrm>
-        </p:spPr>
-        <p:txBody>
-          <a:bodyPr/>
+            <a:off x="2295990" y="777598"/>
+            <a:ext cx="2734092" cy="3837980"/>
+          </a:xfrm>
+        </p:spPr>
+        <p:txBody>
+          <a:bodyPr anchor="t"/>
           <a:lstStyle>
             <a:lvl1pPr marL="0" indent="0">
               <a:buNone/>
-              <a:defRPr sz="3200"/>
+              <a:defRPr sz="1890"/>
             </a:lvl1pPr>
-            <a:lvl2pPr marL="457200" indent="0">
+            <a:lvl2pPr marL="270022" indent="0">
               <a:buNone/>
-              <a:defRPr sz="2800"/>
+              <a:defRPr sz="1654"/>
             </a:lvl2pPr>
-            <a:lvl3pPr marL="914400" indent="0">
+            <a:lvl3pPr marL="540045" indent="0">
               <a:buNone/>
-              <a:defRPr sz="2400"/>
+              <a:defRPr sz="1417"/>
             </a:lvl3pPr>
-            <a:lvl4pPr marL="1371600" indent="0">
+            <a:lvl4pPr marL="810067" indent="0">
               <a:buNone/>
-              <a:defRPr sz="2000"/>
+              <a:defRPr sz="1181"/>
             </a:lvl4pPr>
-            <a:lvl5pPr marL="1828800" indent="0">
+            <a:lvl5pPr marL="1080089" indent="0">
               <a:buNone/>
-              <a:defRPr sz="2000"/>
+              <a:defRPr sz="1181"/>
             </a:lvl5pPr>
-            <a:lvl6pPr marL="2286000" indent="0">
+            <a:lvl6pPr marL="1350112" indent="0">
               <a:buNone/>
-              <a:defRPr sz="2000"/>
+              <a:defRPr sz="1181"/>
             </a:lvl6pPr>
-            <a:lvl7pPr marL="2743200" indent="0">
+            <a:lvl7pPr marL="1620134" indent="0">
               <a:buNone/>
-              <a:defRPr sz="2000"/>
+              <a:defRPr sz="1181"/>
             </a:lvl7pPr>
-            <a:lvl8pPr marL="3200400" indent="0">
+            <a:lvl8pPr marL="1890156" indent="0">
               <a:buNone/>
-              <a:defRPr sz="2000"/>
+              <a:defRPr sz="1181"/>
             </a:lvl8pPr>
-            <a:lvl9pPr marL="3657600" indent="0">
+            <a:lvl9pPr marL="2160179" indent="0">
               <a:buNone/>
-              <a:defRPr sz="2000"/>
+              <a:defRPr sz="1181"/>
             </a:lvl9pPr>
           </a:lstStyle>
           <a:p>
-            <a:endParaRPr lang="en-US"/>
-          </a:p>
-        </p:txBody>
-      </p:sp>
-      <p:sp>
-        <p:nvSpPr>
-          <p:cNvPr id="4" name="Plassholder for tekst 3">
-            <a:extLst>
-              <a:ext uri="{FF2B5EF4-FFF2-40B4-BE49-F238E27FC236}">
-                <a16:creationId xmlns:a16="http://schemas.microsoft.com/office/drawing/2014/main" id="{72E96D84-B12D-45A0-BDAF-1147500856FB}"/>
-              </a:ext>
-            </a:extLst>
-          </p:cNvPr>
+            <a:r>
+              <a:rPr lang="nb-NO"/>
+              <a:t>Klikk på ikonet for å legge til et bilde</a:t>
+            </a:r>
+            <a:endParaRPr lang="en-US" dirty="0"/>
+          </a:p>
+        </p:txBody>
+      </p:sp>
+      <p:sp>
+        <p:nvSpPr>
+          <p:cNvPr id="4" name="Text Placeholder 3"/>
           <p:cNvSpPr>
             <a:spLocks noGrp="1"/>
           </p:cNvSpPr>
@@ -2611,8 +2288,8 @@
         </p:nvSpPr>
         <p:spPr>
           <a:xfrm>
-            <a:off x="839788" y="2057400"/>
-            <a:ext cx="3932237" cy="3811588"/>
+            <a:off x="372000" y="1620202"/>
+            <a:ext cx="1741858" cy="3001626"/>
           </a:xfrm>
         </p:spPr>
         <p:txBody>
@@ -2620,39 +2297,39 @@
           <a:lstStyle>
             <a:lvl1pPr marL="0" indent="0">
               <a:buNone/>
-              <a:defRPr sz="1600"/>
+              <a:defRPr sz="945"/>
             </a:lvl1pPr>
-            <a:lvl2pPr marL="457200" indent="0">
+            <a:lvl2pPr marL="270022" indent="0">
               <a:buNone/>
-              <a:defRPr sz="1400"/>
+              <a:defRPr sz="827"/>
             </a:lvl2pPr>
-            <a:lvl3pPr marL="914400" indent="0">
+            <a:lvl3pPr marL="540045" indent="0">
               <a:buNone/>
-              <a:defRPr sz="1200"/>
+              <a:defRPr sz="709"/>
             </a:lvl3pPr>
-            <a:lvl4pPr marL="1371600" indent="0">
+            <a:lvl4pPr marL="810067" indent="0">
               <a:buNone/>
-              <a:defRPr sz="1000"/>
+              <a:defRPr sz="591"/>
             </a:lvl4pPr>
-            <a:lvl5pPr marL="1828800" indent="0">
+            <a:lvl5pPr marL="1080089" indent="0">
               <a:buNone/>
-              <a:defRPr sz="1000"/>
+              <a:defRPr sz="591"/>
             </a:lvl5pPr>
-            <a:lvl6pPr marL="2286000" indent="0">
+            <a:lvl6pPr marL="1350112" indent="0">
               <a:buNone/>
-              <a:defRPr sz="1000"/>
+              <a:defRPr sz="591"/>
             </a:lvl6pPr>
-            <a:lvl7pPr marL="2743200" indent="0">
+            <a:lvl7pPr marL="1620134" indent="0">
               <a:buNone/>
-              <a:defRPr sz="1000"/>
+              <a:defRPr sz="591"/>
             </a:lvl7pPr>
-            <a:lvl8pPr marL="3200400" indent="0">
+            <a:lvl8pPr marL="1890156" indent="0">
               <a:buNone/>
-              <a:defRPr sz="1000"/>
+              <a:defRPr sz="591"/>
             </a:lvl8pPr>
-            <a:lvl9pPr marL="3657600" indent="0">
+            <a:lvl9pPr marL="2160179" indent="0">
               <a:buNone/>
-              <a:defRPr sz="1000"/>
+              <a:defRPr sz="591"/>
             </a:lvl9pPr>
           </a:lstStyle>
           <a:p>
@@ -2666,13 +2343,7 @@
       </p:sp>
       <p:sp>
         <p:nvSpPr>
-          <p:cNvPr id="5" name="Plassholder for dato 4">
-            <a:extLst>
-              <a:ext uri="{FF2B5EF4-FFF2-40B4-BE49-F238E27FC236}">
-                <a16:creationId xmlns:a16="http://schemas.microsoft.com/office/drawing/2014/main" id="{BA7FB35F-22FE-4B1B-9166-AF12227F7444}"/>
-              </a:ext>
-            </a:extLst>
-          </p:cNvPr>
+          <p:cNvPr id="5" name="Date Placeholder 4"/>
           <p:cNvSpPr>
             <a:spLocks noGrp="1"/>
           </p:cNvSpPr>
@@ -2687,7 +2358,7 @@
           <a:p>
             <a:fld id="{91C36D36-47D8-48BF-81DD-A80DFD03B316}" type="datetimeFigureOut">
               <a:rPr lang="en-US" smtClean="0"/>
-              <a:t>11/3/2020</a:t>
+              <a:t>5/14/2021</a:t>
             </a:fld>
             <a:endParaRPr lang="en-US"/>
           </a:p>
@@ -2695,13 +2366,7 @@
       </p:sp>
       <p:sp>
         <p:nvSpPr>
-          <p:cNvPr id="6" name="Plassholder for bunntekst 5">
-            <a:extLst>
-              <a:ext uri="{FF2B5EF4-FFF2-40B4-BE49-F238E27FC236}">
-                <a16:creationId xmlns:a16="http://schemas.microsoft.com/office/drawing/2014/main" id="{7A6935AE-3C3A-4694-AE47-96BFF60B82FD}"/>
-              </a:ext>
-            </a:extLst>
-          </p:cNvPr>
+          <p:cNvPr id="6" name="Footer Placeholder 5"/>
           <p:cNvSpPr>
             <a:spLocks noGrp="1"/>
           </p:cNvSpPr>
@@ -2720,13 +2385,7 @@
       </p:sp>
       <p:sp>
         <p:nvSpPr>
-          <p:cNvPr id="7" name="Plassholder for lysbildenummer 6">
-            <a:extLst>
-              <a:ext uri="{FF2B5EF4-FFF2-40B4-BE49-F238E27FC236}">
-                <a16:creationId xmlns:a16="http://schemas.microsoft.com/office/drawing/2014/main" id="{8194FD8E-0C52-40BA-8AEF-54C32208606A}"/>
-              </a:ext>
-            </a:extLst>
-          </p:cNvPr>
+          <p:cNvPr id="7" name="Slide Number Placeholder 6"/>
           <p:cNvSpPr>
             <a:spLocks noGrp="1"/>
           </p:cNvSpPr>
@@ -2750,7 +2409,7 @@
     </p:spTree>
     <p:extLst>
       <p:ext uri="{BB962C8B-B14F-4D97-AF65-F5344CB8AC3E}">
-        <p14:creationId xmlns:p14="http://schemas.microsoft.com/office/powerpoint/2010/main" val="3833663245"/>
+        <p14:creationId xmlns:p14="http://schemas.microsoft.com/office/powerpoint/2010/main" val="226802665"/>
       </p:ext>
     </p:extLst>
   </p:cSld>
@@ -2784,13 +2443,7 @@
       </p:grpSpPr>
       <p:sp>
         <p:nvSpPr>
-          <p:cNvPr id="2" name="Plassholder for tittel 1">
-            <a:extLst>
-              <a:ext uri="{FF2B5EF4-FFF2-40B4-BE49-F238E27FC236}">
-                <a16:creationId xmlns:a16="http://schemas.microsoft.com/office/drawing/2014/main" id="{F1C85A5E-D010-4748-8C37-92AE4766555F}"/>
-              </a:ext>
-            </a:extLst>
-          </p:cNvPr>
+          <p:cNvPr id="2" name="Title Placeholder 1"/>
           <p:cNvSpPr>
             <a:spLocks noGrp="1"/>
           </p:cNvSpPr>
@@ -2800,8 +2453,8 @@
         </p:nvSpPr>
         <p:spPr>
           <a:xfrm>
-            <a:off x="838200" y="365125"/>
-            <a:ext cx="10515600" cy="1325563"/>
+            <a:off x="371297" y="287537"/>
+            <a:ext cx="4658082" cy="1043881"/>
           </a:xfrm>
           <a:prstGeom prst="rect">
             <a:avLst/>
@@ -2817,19 +2470,13 @@
               <a:rPr lang="nb-NO"/>
               <a:t>Klikk for å redigere tittelstil</a:t>
             </a:r>
-            <a:endParaRPr lang="en-US"/>
-          </a:p>
-        </p:txBody>
-      </p:sp>
-      <p:sp>
-        <p:nvSpPr>
-          <p:cNvPr id="3" name="Plassholder for tekst 2">
-            <a:extLst>
-              <a:ext uri="{FF2B5EF4-FFF2-40B4-BE49-F238E27FC236}">
-                <a16:creationId xmlns:a16="http://schemas.microsoft.com/office/drawing/2014/main" id="{64138A3C-D5EB-4283-B419-9C02C88806C9}"/>
-              </a:ext>
-            </a:extLst>
-          </p:cNvPr>
+            <a:endParaRPr lang="en-US" dirty="0"/>
+          </a:p>
+        </p:txBody>
+      </p:sp>
+      <p:sp>
+        <p:nvSpPr>
+          <p:cNvPr id="3" name="Text Placeholder 2"/>
           <p:cNvSpPr>
             <a:spLocks noGrp="1"/>
           </p:cNvSpPr>
@@ -2839,8 +2486,8 @@
         </p:nvSpPr>
         <p:spPr>
           <a:xfrm>
-            <a:off x="838200" y="1825625"/>
-            <a:ext cx="10515600" cy="4351338"/>
+            <a:off x="371297" y="1437680"/>
+            <a:ext cx="4658082" cy="3426679"/>
           </a:xfrm>
           <a:prstGeom prst="rect">
             <a:avLst/>
@@ -2885,19 +2532,13 @@
               <a:rPr lang="nb-NO"/>
               <a:t>Femte nivå</a:t>
             </a:r>
-            <a:endParaRPr lang="en-US"/>
-          </a:p>
-        </p:txBody>
-      </p:sp>
-      <p:sp>
-        <p:nvSpPr>
-          <p:cNvPr id="4" name="Plassholder for dato 3">
-            <a:extLst>
-              <a:ext uri="{FF2B5EF4-FFF2-40B4-BE49-F238E27FC236}">
-                <a16:creationId xmlns:a16="http://schemas.microsoft.com/office/drawing/2014/main" id="{AD5CBDFC-E0B0-43B0-AB66-5FD16EDA7FDF}"/>
-              </a:ext>
-            </a:extLst>
-          </p:cNvPr>
+            <a:endParaRPr lang="en-US" dirty="0"/>
+          </a:p>
+        </p:txBody>
+      </p:sp>
+      <p:sp>
+        <p:nvSpPr>
+          <p:cNvPr id="4" name="Date Placeholder 3"/>
           <p:cNvSpPr>
             <a:spLocks noGrp="1"/>
           </p:cNvSpPr>
@@ -2907,8 +2548,8 @@
         </p:nvSpPr>
         <p:spPr>
           <a:xfrm>
-            <a:off x="838200" y="6356350"/>
-            <a:ext cx="2743200" cy="365125"/>
+            <a:off x="371296" y="5005627"/>
+            <a:ext cx="1215152" cy="287536"/>
           </a:xfrm>
           <a:prstGeom prst="rect">
             <a:avLst/>
@@ -2918,7 +2559,7 @@
           <a:bodyPr vert="horz" lIns="91440" tIns="45720" rIns="91440" bIns="45720" rtlCol="0" anchor="ctr"/>
           <a:lstStyle>
             <a:lvl1pPr algn="l">
-              <a:defRPr sz="1200">
+              <a:defRPr sz="709">
                 <a:solidFill>
                   <a:schemeClr val="tx1">
                     <a:tint val="75000"/>
@@ -2930,7 +2571,7 @@
           <a:p>
             <a:fld id="{91C36D36-47D8-48BF-81DD-A80DFD03B316}" type="datetimeFigureOut">
               <a:rPr lang="en-US" smtClean="0"/>
-              <a:t>11/3/2020</a:t>
+              <a:t>5/14/2021</a:t>
             </a:fld>
             <a:endParaRPr lang="en-US"/>
           </a:p>
@@ -2938,13 +2579,7 @@
       </p:sp>
       <p:sp>
         <p:nvSpPr>
-          <p:cNvPr id="5" name="Plassholder for bunntekst 4">
-            <a:extLst>
-              <a:ext uri="{FF2B5EF4-FFF2-40B4-BE49-F238E27FC236}">
-                <a16:creationId xmlns:a16="http://schemas.microsoft.com/office/drawing/2014/main" id="{4A199FE9-955A-4E61-8761-035601098C11}"/>
-              </a:ext>
-            </a:extLst>
-          </p:cNvPr>
+          <p:cNvPr id="5" name="Footer Placeholder 4"/>
           <p:cNvSpPr>
             <a:spLocks noGrp="1"/>
           </p:cNvSpPr>
@@ -2954,8 +2589,8 @@
         </p:nvSpPr>
         <p:spPr>
           <a:xfrm>
-            <a:off x="4038600" y="6356350"/>
-            <a:ext cx="4114800" cy="365125"/>
+            <a:off x="1788974" y="5005627"/>
+            <a:ext cx="1822728" cy="287536"/>
           </a:xfrm>
           <a:prstGeom prst="rect">
             <a:avLst/>
@@ -2965,7 +2600,7 @@
           <a:bodyPr vert="horz" lIns="91440" tIns="45720" rIns="91440" bIns="45720" rtlCol="0" anchor="ctr"/>
           <a:lstStyle>
             <a:lvl1pPr algn="ctr">
-              <a:defRPr sz="1200">
+              <a:defRPr sz="709">
                 <a:solidFill>
                   <a:schemeClr val="tx1">
                     <a:tint val="75000"/>
@@ -2981,13 +2616,7 @@
       </p:sp>
       <p:sp>
         <p:nvSpPr>
-          <p:cNvPr id="6" name="Plassholder for lysbildenummer 5">
-            <a:extLst>
-              <a:ext uri="{FF2B5EF4-FFF2-40B4-BE49-F238E27FC236}">
-                <a16:creationId xmlns:a16="http://schemas.microsoft.com/office/drawing/2014/main" id="{98E7BA03-751F-4C44-BA71-EF6D0E2CC6AC}"/>
-              </a:ext>
-            </a:extLst>
-          </p:cNvPr>
+          <p:cNvPr id="6" name="Slide Number Placeholder 5"/>
           <p:cNvSpPr>
             <a:spLocks noGrp="1"/>
           </p:cNvSpPr>
@@ -2997,8 +2626,8 @@
         </p:nvSpPr>
         <p:spPr>
           <a:xfrm>
-            <a:off x="8610600" y="6356350"/>
-            <a:ext cx="2743200" cy="365125"/>
+            <a:off x="3814227" y="5005627"/>
+            <a:ext cx="1215152" cy="287536"/>
           </a:xfrm>
           <a:prstGeom prst="rect">
             <a:avLst/>
@@ -3008,7 +2637,7 @@
           <a:bodyPr vert="horz" lIns="91440" tIns="45720" rIns="91440" bIns="45720" rtlCol="0" anchor="ctr"/>
           <a:lstStyle>
             <a:lvl1pPr algn="r">
-              <a:defRPr sz="1200">
+              <a:defRPr sz="709">
                 <a:solidFill>
                   <a:schemeClr val="tx1">
                     <a:tint val="75000"/>
@@ -3029,27 +2658,27 @@
     </p:spTree>
     <p:extLst>
       <p:ext uri="{BB962C8B-B14F-4D97-AF65-F5344CB8AC3E}">
-        <p14:creationId xmlns:p14="http://schemas.microsoft.com/office/powerpoint/2010/main" val="3761785123"/>
+        <p14:creationId xmlns:p14="http://schemas.microsoft.com/office/powerpoint/2010/main" val="2376312856"/>
       </p:ext>
     </p:extLst>
   </p:cSld>
   <p:clrMap bg1="lt1" tx1="dk1" bg2="lt2" tx2="dk2" accent1="accent1" accent2="accent2" accent3="accent3" accent4="accent4" accent5="accent5" accent6="accent6" hlink="hlink" folHlink="folHlink"/>
   <p:sldLayoutIdLst>
-    <p:sldLayoutId id="2147483649" r:id="rId1"/>
-    <p:sldLayoutId id="2147483650" r:id="rId2"/>
-    <p:sldLayoutId id="2147483651" r:id="rId3"/>
-    <p:sldLayoutId id="2147483652" r:id="rId4"/>
-    <p:sldLayoutId id="2147483653" r:id="rId5"/>
-    <p:sldLayoutId id="2147483654" r:id="rId6"/>
-    <p:sldLayoutId id="2147483655" r:id="rId7"/>
-    <p:sldLayoutId id="2147483656" r:id="rId8"/>
-    <p:sldLayoutId id="2147483657" r:id="rId9"/>
-    <p:sldLayoutId id="2147483658" r:id="rId10"/>
-    <p:sldLayoutId id="2147483659" r:id="rId11"/>
+    <p:sldLayoutId id="2147483661" r:id="rId1"/>
+    <p:sldLayoutId id="2147483662" r:id="rId2"/>
+    <p:sldLayoutId id="2147483663" r:id="rId3"/>
+    <p:sldLayoutId id="2147483664" r:id="rId4"/>
+    <p:sldLayoutId id="2147483665" r:id="rId5"/>
+    <p:sldLayoutId id="2147483666" r:id="rId6"/>
+    <p:sldLayoutId id="2147483667" r:id="rId7"/>
+    <p:sldLayoutId id="2147483668" r:id="rId8"/>
+    <p:sldLayoutId id="2147483669" r:id="rId9"/>
+    <p:sldLayoutId id="2147483670" r:id="rId10"/>
+    <p:sldLayoutId id="2147483671" r:id="rId11"/>
   </p:sldLayoutIdLst>
   <p:txStyles>
     <p:titleStyle>
-      <a:lvl1pPr algn="l" defTabSz="914400" rtl="0" eaLnBrk="1" latinLnBrk="0" hangingPunct="1">
+      <a:lvl1pPr algn="l" defTabSz="540045" rtl="0" eaLnBrk="1" latinLnBrk="0" hangingPunct="1">
         <a:lnSpc>
           <a:spcPct val="90000"/>
         </a:lnSpc>
@@ -3057,7 +2686,7 @@
           <a:spcPct val="0"/>
         </a:spcBef>
         <a:buNone/>
-        <a:defRPr sz="4400" kern="1200">
+        <a:defRPr sz="2599" kern="1200">
           <a:solidFill>
             <a:schemeClr val="tx1"/>
           </a:solidFill>
@@ -3068,16 +2697,16 @@
       </a:lvl1pPr>
     </p:titleStyle>
     <p:bodyStyle>
-      <a:lvl1pPr marL="228600" indent="-228600" algn="l" defTabSz="914400" rtl="0" eaLnBrk="1" latinLnBrk="0" hangingPunct="1">
+      <a:lvl1pPr marL="135011" indent="-135011" algn="l" defTabSz="540045" rtl="0" eaLnBrk="1" latinLnBrk="0" hangingPunct="1">
         <a:lnSpc>
           <a:spcPct val="90000"/>
         </a:lnSpc>
         <a:spcBef>
-          <a:spcPts val="1000"/>
+          <a:spcPts val="591"/>
         </a:spcBef>
         <a:buFont typeface="Arial" panose="020B0604020202020204" pitchFamily="34" charset="0"/>
         <a:buChar char="•"/>
-        <a:defRPr sz="2800" kern="1200">
+        <a:defRPr sz="1654" kern="1200">
           <a:solidFill>
             <a:schemeClr val="tx1"/>
           </a:solidFill>
@@ -3086,16 +2715,16 @@
           <a:cs typeface="+mn-cs"/>
         </a:defRPr>
       </a:lvl1pPr>
-      <a:lvl2pPr marL="685800" indent="-228600" algn="l" defTabSz="914400" rtl="0" eaLnBrk="1" latinLnBrk="0" hangingPunct="1">
+      <a:lvl2pPr marL="405033" indent="-135011" algn="l" defTabSz="540045" rtl="0" eaLnBrk="1" latinLnBrk="0" hangingPunct="1">
         <a:lnSpc>
           <a:spcPct val="90000"/>
         </a:lnSpc>
         <a:spcBef>
-          <a:spcPts val="500"/>
+          <a:spcPts val="295"/>
         </a:spcBef>
         <a:buFont typeface="Arial" panose="020B0604020202020204" pitchFamily="34" charset="0"/>
         <a:buChar char="•"/>
-        <a:defRPr sz="2400" kern="1200">
+        <a:defRPr sz="1417" kern="1200">
           <a:solidFill>
             <a:schemeClr val="tx1"/>
           </a:solidFill>
@@ -3104,16 +2733,16 @@
           <a:cs typeface="+mn-cs"/>
         </a:defRPr>
       </a:lvl2pPr>
-      <a:lvl3pPr marL="1143000" indent="-228600" algn="l" defTabSz="914400" rtl="0" eaLnBrk="1" latinLnBrk="0" hangingPunct="1">
+      <a:lvl3pPr marL="675056" indent="-135011" algn="l" defTabSz="540045" rtl="0" eaLnBrk="1" latinLnBrk="0" hangingPunct="1">
         <a:lnSpc>
           <a:spcPct val="90000"/>
         </a:lnSpc>
         <a:spcBef>
-          <a:spcPts val="500"/>
+          <a:spcPts val="295"/>
         </a:spcBef>
         <a:buFont typeface="Arial" panose="020B0604020202020204" pitchFamily="34" charset="0"/>
         <a:buChar char="•"/>
-        <a:defRPr sz="2000" kern="1200">
+        <a:defRPr sz="1181" kern="1200">
           <a:solidFill>
             <a:schemeClr val="tx1"/>
           </a:solidFill>
@@ -3122,16 +2751,16 @@
           <a:cs typeface="+mn-cs"/>
         </a:defRPr>
       </a:lvl3pPr>
-      <a:lvl4pPr marL="1600200" indent="-228600" algn="l" defTabSz="914400" rtl="0" eaLnBrk="1" latinLnBrk="0" hangingPunct="1">
+      <a:lvl4pPr marL="945078" indent="-135011" algn="l" defTabSz="540045" rtl="0" eaLnBrk="1" latinLnBrk="0" hangingPunct="1">
         <a:lnSpc>
           <a:spcPct val="90000"/>
         </a:lnSpc>
         <a:spcBef>
-          <a:spcPts val="500"/>
+          <a:spcPts val="295"/>
         </a:spcBef>
         <a:buFont typeface="Arial" panose="020B0604020202020204" pitchFamily="34" charset="0"/>
         <a:buChar char="•"/>
-        <a:defRPr sz="1800" kern="1200">
+        <a:defRPr sz="1063" kern="1200">
           <a:solidFill>
             <a:schemeClr val="tx1"/>
           </a:solidFill>
@@ -3140,16 +2769,16 @@
           <a:cs typeface="+mn-cs"/>
         </a:defRPr>
       </a:lvl4pPr>
-      <a:lvl5pPr marL="2057400" indent="-228600" algn="l" defTabSz="914400" rtl="0" eaLnBrk="1" latinLnBrk="0" hangingPunct="1">
+      <a:lvl5pPr marL="1215100" indent="-135011" algn="l" defTabSz="540045" rtl="0" eaLnBrk="1" latinLnBrk="0" hangingPunct="1">
         <a:lnSpc>
           <a:spcPct val="90000"/>
         </a:lnSpc>
         <a:spcBef>
-          <a:spcPts val="500"/>
+          <a:spcPts val="295"/>
         </a:spcBef>
         <a:buFont typeface="Arial" panose="020B0604020202020204" pitchFamily="34" charset="0"/>
         <a:buChar char="•"/>
-        <a:defRPr sz="1800" kern="1200">
+        <a:defRPr sz="1063" kern="1200">
           <a:solidFill>
             <a:schemeClr val="tx1"/>
           </a:solidFill>
@@ -3158,16 +2787,16 @@
           <a:cs typeface="+mn-cs"/>
         </a:defRPr>
       </a:lvl5pPr>
-      <a:lvl6pPr marL="2514600" indent="-228600" algn="l" defTabSz="914400" rtl="0" eaLnBrk="1" latinLnBrk="0" hangingPunct="1">
+      <a:lvl6pPr marL="1485123" indent="-135011" algn="l" defTabSz="540045" rtl="0" eaLnBrk="1" latinLnBrk="0" hangingPunct="1">
         <a:lnSpc>
           <a:spcPct val="90000"/>
         </a:lnSpc>
         <a:spcBef>
-          <a:spcPts val="500"/>
+          <a:spcPts val="295"/>
         </a:spcBef>
         <a:buFont typeface="Arial" panose="020B0604020202020204" pitchFamily="34" charset="0"/>
         <a:buChar char="•"/>
-        <a:defRPr sz="1800" kern="1200">
+        <a:defRPr sz="1063" kern="1200">
           <a:solidFill>
             <a:schemeClr val="tx1"/>
           </a:solidFill>
@@ -3176,16 +2805,16 @@
           <a:cs typeface="+mn-cs"/>
         </a:defRPr>
       </a:lvl6pPr>
-      <a:lvl7pPr marL="2971800" indent="-228600" algn="l" defTabSz="914400" rtl="0" eaLnBrk="1" latinLnBrk="0" hangingPunct="1">
+      <a:lvl7pPr marL="1755145" indent="-135011" algn="l" defTabSz="540045" rtl="0" eaLnBrk="1" latinLnBrk="0" hangingPunct="1">
         <a:lnSpc>
           <a:spcPct val="90000"/>
         </a:lnSpc>
         <a:spcBef>
-          <a:spcPts val="500"/>
+          <a:spcPts val="295"/>
         </a:spcBef>
         <a:buFont typeface="Arial" panose="020B0604020202020204" pitchFamily="34" charset="0"/>
         <a:buChar char="•"/>
-        <a:defRPr sz="1800" kern="1200">
+        <a:defRPr sz="1063" kern="1200">
           <a:solidFill>
             <a:schemeClr val="tx1"/>
           </a:solidFill>
@@ -3194,16 +2823,16 @@
           <a:cs typeface="+mn-cs"/>
         </a:defRPr>
       </a:lvl7pPr>
-      <a:lvl8pPr marL="3429000" indent="-228600" algn="l" defTabSz="914400" rtl="0" eaLnBrk="1" latinLnBrk="0" hangingPunct="1">
+      <a:lvl8pPr marL="2025167" indent="-135011" algn="l" defTabSz="540045" rtl="0" eaLnBrk="1" latinLnBrk="0" hangingPunct="1">
         <a:lnSpc>
           <a:spcPct val="90000"/>
         </a:lnSpc>
         <a:spcBef>
-          <a:spcPts val="500"/>
+          <a:spcPts val="295"/>
         </a:spcBef>
         <a:buFont typeface="Arial" panose="020B0604020202020204" pitchFamily="34" charset="0"/>
         <a:buChar char="•"/>
-        <a:defRPr sz="1800" kern="1200">
+        <a:defRPr sz="1063" kern="1200">
           <a:solidFill>
             <a:schemeClr val="tx1"/>
           </a:solidFill>
@@ -3212,16 +2841,16 @@
           <a:cs typeface="+mn-cs"/>
         </a:defRPr>
       </a:lvl8pPr>
-      <a:lvl9pPr marL="3886200" indent="-228600" algn="l" defTabSz="914400" rtl="0" eaLnBrk="1" latinLnBrk="0" hangingPunct="1">
+      <a:lvl9pPr marL="2295190" indent="-135011" algn="l" defTabSz="540045" rtl="0" eaLnBrk="1" latinLnBrk="0" hangingPunct="1">
         <a:lnSpc>
           <a:spcPct val="90000"/>
         </a:lnSpc>
         <a:spcBef>
-          <a:spcPts val="500"/>
+          <a:spcPts val="295"/>
         </a:spcBef>
         <a:buFont typeface="Arial" panose="020B0604020202020204" pitchFamily="34" charset="0"/>
         <a:buChar char="•"/>
-        <a:defRPr sz="1800" kern="1200">
+        <a:defRPr sz="1063" kern="1200">
           <a:solidFill>
             <a:schemeClr val="tx1"/>
           </a:solidFill>
@@ -3235,8 +2864,8 @@
       <a:defPPr>
         <a:defRPr lang="en-US"/>
       </a:defPPr>
-      <a:lvl1pPr marL="0" algn="l" defTabSz="914400" rtl="0" eaLnBrk="1" latinLnBrk="0" hangingPunct="1">
-        <a:defRPr sz="1800" kern="1200">
+      <a:lvl1pPr marL="0" algn="l" defTabSz="540045" rtl="0" eaLnBrk="1" latinLnBrk="0" hangingPunct="1">
+        <a:defRPr sz="1063" kern="1200">
           <a:solidFill>
             <a:schemeClr val="tx1"/>
           </a:solidFill>
@@ -3245,8 +2874,8 @@
           <a:cs typeface="+mn-cs"/>
         </a:defRPr>
       </a:lvl1pPr>
-      <a:lvl2pPr marL="457200" algn="l" defTabSz="914400" rtl="0" eaLnBrk="1" latinLnBrk="0" hangingPunct="1">
-        <a:defRPr sz="1800" kern="1200">
+      <a:lvl2pPr marL="270022" algn="l" defTabSz="540045" rtl="0" eaLnBrk="1" latinLnBrk="0" hangingPunct="1">
+        <a:defRPr sz="1063" kern="1200">
           <a:solidFill>
             <a:schemeClr val="tx1"/>
           </a:solidFill>
@@ -3255,8 +2884,8 @@
           <a:cs typeface="+mn-cs"/>
         </a:defRPr>
       </a:lvl2pPr>
-      <a:lvl3pPr marL="914400" algn="l" defTabSz="914400" rtl="0" eaLnBrk="1" latinLnBrk="0" hangingPunct="1">
-        <a:defRPr sz="1800" kern="1200">
+      <a:lvl3pPr marL="540045" algn="l" defTabSz="540045" rtl="0" eaLnBrk="1" latinLnBrk="0" hangingPunct="1">
+        <a:defRPr sz="1063" kern="1200">
           <a:solidFill>
             <a:schemeClr val="tx1"/>
           </a:solidFill>
@@ -3265,8 +2894,8 @@
           <a:cs typeface="+mn-cs"/>
         </a:defRPr>
       </a:lvl3pPr>
-      <a:lvl4pPr marL="1371600" algn="l" defTabSz="914400" rtl="0" eaLnBrk="1" latinLnBrk="0" hangingPunct="1">
-        <a:defRPr sz="1800" kern="1200">
+      <a:lvl4pPr marL="810067" algn="l" defTabSz="540045" rtl="0" eaLnBrk="1" latinLnBrk="0" hangingPunct="1">
+        <a:defRPr sz="1063" kern="1200">
           <a:solidFill>
             <a:schemeClr val="tx1"/>
           </a:solidFill>
@@ -3275,8 +2904,8 @@
           <a:cs typeface="+mn-cs"/>
         </a:defRPr>
       </a:lvl4pPr>
-      <a:lvl5pPr marL="1828800" algn="l" defTabSz="914400" rtl="0" eaLnBrk="1" latinLnBrk="0" hangingPunct="1">
-        <a:defRPr sz="1800" kern="1200">
+      <a:lvl5pPr marL="1080089" algn="l" defTabSz="540045" rtl="0" eaLnBrk="1" latinLnBrk="0" hangingPunct="1">
+        <a:defRPr sz="1063" kern="1200">
           <a:solidFill>
             <a:schemeClr val="tx1"/>
           </a:solidFill>
@@ -3285,8 +2914,8 @@
           <a:cs typeface="+mn-cs"/>
         </a:defRPr>
       </a:lvl5pPr>
-      <a:lvl6pPr marL="2286000" algn="l" defTabSz="914400" rtl="0" eaLnBrk="1" latinLnBrk="0" hangingPunct="1">
-        <a:defRPr sz="1800" kern="1200">
+      <a:lvl6pPr marL="1350112" algn="l" defTabSz="540045" rtl="0" eaLnBrk="1" latinLnBrk="0" hangingPunct="1">
+        <a:defRPr sz="1063" kern="1200">
           <a:solidFill>
             <a:schemeClr val="tx1"/>
           </a:solidFill>
@@ -3295,8 +2924,8 @@
           <a:cs typeface="+mn-cs"/>
         </a:defRPr>
       </a:lvl6pPr>
-      <a:lvl7pPr marL="2743200" algn="l" defTabSz="914400" rtl="0" eaLnBrk="1" latinLnBrk="0" hangingPunct="1">
-        <a:defRPr sz="1800" kern="1200">
+      <a:lvl7pPr marL="1620134" algn="l" defTabSz="540045" rtl="0" eaLnBrk="1" latinLnBrk="0" hangingPunct="1">
+        <a:defRPr sz="1063" kern="1200">
           <a:solidFill>
             <a:schemeClr val="tx1"/>
           </a:solidFill>
@@ -3305,8 +2934,8 @@
           <a:cs typeface="+mn-cs"/>
         </a:defRPr>
       </a:lvl7pPr>
-      <a:lvl8pPr marL="3200400" algn="l" defTabSz="914400" rtl="0" eaLnBrk="1" latinLnBrk="0" hangingPunct="1">
-        <a:defRPr sz="1800" kern="1200">
+      <a:lvl8pPr marL="1890156" algn="l" defTabSz="540045" rtl="0" eaLnBrk="1" latinLnBrk="0" hangingPunct="1">
+        <a:defRPr sz="1063" kern="1200">
           <a:solidFill>
             <a:schemeClr val="tx1"/>
           </a:solidFill>
@@ -3315,8 +2944,8 @@
           <a:cs typeface="+mn-cs"/>
         </a:defRPr>
       </a:lvl8pPr>
-      <a:lvl9pPr marL="3657600" algn="l" defTabSz="914400" rtl="0" eaLnBrk="1" latinLnBrk="0" hangingPunct="1">
-        <a:defRPr sz="1800" kern="1200">
+      <a:lvl9pPr marL="2160179" algn="l" defTabSz="540045" rtl="0" eaLnBrk="1" latinLnBrk="0" hangingPunct="1">
+        <a:defRPr sz="1063" kern="1200">
           <a:solidFill>
             <a:schemeClr val="tx1"/>
           </a:solidFill>
@@ -3361,8 +2990,8 @@
         </p:nvSpPr>
         <p:spPr>
           <a:xfrm>
-            <a:off x="3324200" y="1495400"/>
-            <a:ext cx="4680000" cy="4680000"/>
+            <a:off x="360336" y="360336"/>
+            <a:ext cx="4680001" cy="4680001"/>
           </a:xfrm>
           <a:prstGeom prst="rect">
             <a:avLst/>
@@ -3395,7 +3024,7 @@
           <a:lstStyle/>
           <a:p>
             <a:pPr algn="ctr"/>
-            <a:endParaRPr lang="en-US"/>
+            <a:endParaRPr lang="en-US" sz="1020"/>
           </a:p>
         </p:txBody>
       </p:sp>
@@ -3413,8 +3042,8 @@
         </p:nvSpPr>
         <p:spPr>
           <a:xfrm>
-            <a:off x="3864200" y="2035400"/>
-            <a:ext cx="3600000" cy="3600000"/>
+            <a:off x="900337" y="900336"/>
+            <a:ext cx="3600001" cy="3600001"/>
           </a:xfrm>
           <a:prstGeom prst="rect">
             <a:avLst/>
@@ -3448,7 +3077,7 @@
           <a:lstStyle/>
           <a:p>
             <a:pPr algn="ctr"/>
-            <a:endParaRPr lang="en-US"/>
+            <a:endParaRPr lang="en-US" sz="1020"/>
           </a:p>
         </p:txBody>
       </p:sp>
@@ -3468,7 +3097,7 @@
         </p:nvCxnSpPr>
         <p:spPr>
           <a:xfrm>
-            <a:off x="4500563" y="4986338"/>
+            <a:off x="1536701" y="3851272"/>
             <a:ext cx="2314576" cy="0"/>
           </a:xfrm>
           <a:prstGeom prst="straightConnector1">
@@ -3514,8 +3143,8 @@
         </p:nvCxnSpPr>
         <p:spPr>
           <a:xfrm flipV="1">
-            <a:off x="6815139" y="3835400"/>
-            <a:ext cx="0" cy="1150938"/>
+            <a:off x="3851276" y="2700334"/>
+            <a:ext cx="0" cy="1150939"/>
           </a:xfrm>
           <a:prstGeom prst="straightConnector1">
             <a:avLst/>
@@ -3560,7 +3189,7 @@
         </p:nvCxnSpPr>
         <p:spPr>
           <a:xfrm flipH="1">
-            <a:off x="4500563" y="3873500"/>
+            <a:off x="1536701" y="2738435"/>
             <a:ext cx="2314576" cy="0"/>
           </a:xfrm>
           <a:prstGeom prst="straightConnector1">
@@ -3606,8 +3235,8 @@
         </p:nvCxnSpPr>
         <p:spPr>
           <a:xfrm flipV="1">
-            <a:off x="4500562" y="2673349"/>
-            <a:ext cx="0" cy="1200151"/>
+            <a:off x="1536700" y="1658435"/>
+            <a:ext cx="0" cy="1080000"/>
           </a:xfrm>
           <a:prstGeom prst="straightConnector1">
             <a:avLst/>
@@ -3650,8 +3279,8 @@
         </p:nvCxnSpPr>
         <p:spPr>
           <a:xfrm>
-            <a:off x="4500562" y="2673349"/>
-            <a:ext cx="2257425" cy="0"/>
+            <a:off x="1536700" y="1641795"/>
+            <a:ext cx="2257426" cy="0"/>
           </a:xfrm>
           <a:prstGeom prst="straightConnector1">
             <a:avLst/>
@@ -3696,8 +3325,8 @@
         </p:nvCxnSpPr>
         <p:spPr>
           <a:xfrm flipV="1">
-            <a:off x="6757987" y="2314576"/>
-            <a:ext cx="0" cy="358773"/>
+            <a:off x="3794125" y="1257145"/>
+            <a:ext cx="0" cy="358772"/>
           </a:xfrm>
           <a:prstGeom prst="straightConnector1">
             <a:avLst/>
@@ -3742,7 +3371,7 @@
         </p:nvCxnSpPr>
         <p:spPr>
           <a:xfrm flipH="1">
-            <a:off x="4154487" y="2314575"/>
+            <a:off x="1190624" y="1248518"/>
             <a:ext cx="2603500" cy="0"/>
           </a:xfrm>
           <a:prstGeom prst="straightConnector1">
@@ -3786,8 +3415,8 @@
         </p:nvCxnSpPr>
         <p:spPr>
           <a:xfrm>
-            <a:off x="4154487" y="2314575"/>
-            <a:ext cx="0" cy="1885950"/>
+            <a:off x="1190623" y="1257145"/>
+            <a:ext cx="0" cy="1800000"/>
           </a:xfrm>
           <a:prstGeom prst="straightConnector1">
             <a:avLst/>
@@ -3832,8 +3461,8 @@
         </p:nvCxnSpPr>
         <p:spPr>
           <a:xfrm>
-            <a:off x="4154487" y="4200525"/>
-            <a:ext cx="2289176" cy="0"/>
+            <a:off x="1190627" y="3065458"/>
+            <a:ext cx="2289175" cy="0"/>
           </a:xfrm>
           <a:prstGeom prst="straightConnector1">
             <a:avLst/>
@@ -3878,8 +3507,8 @@
         </p:nvCxnSpPr>
         <p:spPr>
           <a:xfrm>
-            <a:off x="6443663" y="4200525"/>
-            <a:ext cx="0" cy="400050"/>
+            <a:off x="3479800" y="3065459"/>
+            <a:ext cx="0" cy="400051"/>
           </a:xfrm>
           <a:prstGeom prst="straightConnector1">
             <a:avLst/>
@@ -3924,7 +3553,7 @@
         </p:nvCxnSpPr>
         <p:spPr>
           <a:xfrm flipH="1">
-            <a:off x="4154487" y="4600575"/>
+            <a:off x="1190627" y="3465509"/>
             <a:ext cx="2289175" cy="0"/>
           </a:xfrm>
           <a:prstGeom prst="straightConnector1">
@@ -3970,8 +3599,8 @@
         </p:nvCxnSpPr>
         <p:spPr>
           <a:xfrm>
-            <a:off x="4154487" y="4600575"/>
-            <a:ext cx="0" cy="757238"/>
+            <a:off x="1190623" y="3465511"/>
+            <a:ext cx="0" cy="757239"/>
           </a:xfrm>
           <a:prstGeom prst="straightConnector1">
             <a:avLst/>
@@ -4016,7 +3645,7 @@
         </p:nvCxnSpPr>
         <p:spPr>
           <a:xfrm>
-            <a:off x="4154487" y="5357813"/>
+            <a:off x="1190626" y="4222747"/>
             <a:ext cx="2989263" cy="0"/>
           </a:xfrm>
           <a:prstGeom prst="straightConnector1">
@@ -4062,8 +3691,8 @@
         </p:nvCxnSpPr>
         <p:spPr>
           <a:xfrm flipV="1">
-            <a:off x="7143750" y="3529013"/>
-            <a:ext cx="0" cy="1828801"/>
+            <a:off x="4179888" y="2393948"/>
+            <a:ext cx="0" cy="1828802"/>
           </a:xfrm>
           <a:prstGeom prst="straightConnector1">
             <a:avLst/>
@@ -4108,8 +3737,8 @@
         </p:nvCxnSpPr>
         <p:spPr>
           <a:xfrm flipH="1">
-            <a:off x="4857750" y="3529013"/>
-            <a:ext cx="2286002" cy="0"/>
+            <a:off x="1893889" y="2393948"/>
+            <a:ext cx="2286001" cy="0"/>
           </a:xfrm>
           <a:prstGeom prst="straightConnector1">
             <a:avLst/>
@@ -4154,8 +3783,8 @@
         </p:nvCxnSpPr>
         <p:spPr>
           <a:xfrm flipV="1">
-            <a:off x="4857750" y="3000376"/>
-            <a:ext cx="0" cy="528637"/>
+            <a:off x="1908176" y="2033948"/>
+            <a:ext cx="0" cy="360000"/>
           </a:xfrm>
           <a:prstGeom prst="straightConnector1">
             <a:avLst/>
@@ -4198,8 +3827,8 @@
         </p:nvCxnSpPr>
         <p:spPr>
           <a:xfrm>
-            <a:off x="4872038" y="3000376"/>
-            <a:ext cx="2257425" cy="0"/>
+            <a:off x="1908176" y="2033948"/>
+            <a:ext cx="2257426" cy="0"/>
           </a:xfrm>
           <a:prstGeom prst="straightConnector1">
             <a:avLst/>
@@ -4244,8 +3873,8 @@
         </p:nvCxnSpPr>
         <p:spPr>
           <a:xfrm flipV="1">
-            <a:off x="7143750" y="2314575"/>
-            <a:ext cx="0" cy="672306"/>
+            <a:off x="4165602" y="1248518"/>
+            <a:ext cx="0" cy="785431"/>
           </a:xfrm>
           <a:prstGeom prst="straightConnector1">
             <a:avLst/>
@@ -4287,10 +3916,2543 @@
 </p:sld>
 </file>
 
+<file path=ppt/slides/slide2.xml><?xml version="1.0" encoding="utf-8"?>
+<p:sld xmlns:a="http://schemas.openxmlformats.org/drawingml/2006/main" xmlns:r="http://schemas.openxmlformats.org/officeDocument/2006/relationships" xmlns:p="http://schemas.openxmlformats.org/presentationml/2006/main">
+  <p:cSld>
+    <p:spTree>
+      <p:nvGrpSpPr>
+        <p:cNvPr id="1" name=""/>
+        <p:cNvGrpSpPr/>
+        <p:nvPr/>
+      </p:nvGrpSpPr>
+      <p:grpSpPr>
+        <a:xfrm>
+          <a:off x="0" y="0"/>
+          <a:ext cx="0" cy="0"/>
+          <a:chOff x="0" y="0"/>
+          <a:chExt cx="0" cy="0"/>
+        </a:xfrm>
+      </p:grpSpPr>
+      <p:sp>
+        <p:nvSpPr>
+          <p:cNvPr id="4" name="Rektangel 3">
+            <a:extLst>
+              <a:ext uri="{FF2B5EF4-FFF2-40B4-BE49-F238E27FC236}">
+                <a16:creationId xmlns:a16="http://schemas.microsoft.com/office/drawing/2014/main" id="{DC156D1D-B32D-47BD-9A85-952D514B7659}"/>
+              </a:ext>
+            </a:extLst>
+          </p:cNvPr>
+          <p:cNvSpPr/>
+          <p:nvPr/>
+        </p:nvSpPr>
+        <p:spPr>
+          <a:xfrm>
+            <a:off x="360336" y="360336"/>
+            <a:ext cx="4680001" cy="4680001"/>
+          </a:xfrm>
+          <a:prstGeom prst="rect">
+            <a:avLst/>
+          </a:prstGeom>
+          <a:noFill/>
+          <a:ln w="57150">
+            <a:solidFill>
+              <a:schemeClr val="tx1"/>
+            </a:solidFill>
+          </a:ln>
+        </p:spPr>
+        <p:style>
+          <a:lnRef idx="2">
+            <a:schemeClr val="accent1">
+              <a:shade val="50000"/>
+            </a:schemeClr>
+          </a:lnRef>
+          <a:fillRef idx="1">
+            <a:schemeClr val="accent1"/>
+          </a:fillRef>
+          <a:effectRef idx="0">
+            <a:schemeClr val="accent1"/>
+          </a:effectRef>
+          <a:fontRef idx="minor">
+            <a:schemeClr val="lt1"/>
+          </a:fontRef>
+        </p:style>
+        <p:txBody>
+          <a:bodyPr rtlCol="0" anchor="ctr"/>
+          <a:lstStyle/>
+          <a:p>
+            <a:pPr algn="ctr"/>
+            <a:endParaRPr lang="en-US" sz="1020"/>
+          </a:p>
+        </p:txBody>
+      </p:sp>
+      <p:sp>
+        <p:nvSpPr>
+          <p:cNvPr id="8" name="Rektangel 7">
+            <a:extLst>
+              <a:ext uri="{FF2B5EF4-FFF2-40B4-BE49-F238E27FC236}">
+                <a16:creationId xmlns:a16="http://schemas.microsoft.com/office/drawing/2014/main" id="{26A72A49-6B7A-4249-B21D-3D9C996D0306}"/>
+              </a:ext>
+            </a:extLst>
+          </p:cNvPr>
+          <p:cNvSpPr/>
+          <p:nvPr/>
+        </p:nvSpPr>
+        <p:spPr>
+          <a:xfrm>
+            <a:off x="900337" y="900336"/>
+            <a:ext cx="3600001" cy="3600001"/>
+          </a:xfrm>
+          <a:prstGeom prst="rect">
+            <a:avLst/>
+          </a:prstGeom>
+          <a:noFill/>
+          <a:ln w="57150">
+            <a:solidFill>
+              <a:schemeClr val="tx1"/>
+            </a:solidFill>
+            <a:prstDash val="dash"/>
+          </a:ln>
+        </p:spPr>
+        <p:style>
+          <a:lnRef idx="2">
+            <a:schemeClr val="accent1">
+              <a:shade val="50000"/>
+            </a:schemeClr>
+          </a:lnRef>
+          <a:fillRef idx="1">
+            <a:schemeClr val="accent1"/>
+          </a:fillRef>
+          <a:effectRef idx="0">
+            <a:schemeClr val="accent1"/>
+          </a:effectRef>
+          <a:fontRef idx="minor">
+            <a:schemeClr val="lt1"/>
+          </a:fontRef>
+        </p:style>
+        <p:txBody>
+          <a:bodyPr rtlCol="0" anchor="ctr"/>
+          <a:lstStyle/>
+          <a:p>
+            <a:pPr algn="ctr"/>
+            <a:endParaRPr lang="en-US" sz="1020"/>
+          </a:p>
+        </p:txBody>
+      </p:sp>
+      <p:cxnSp>
+        <p:nvCxnSpPr>
+          <p:cNvPr id="37" name="Rett pilkobling 36">
+            <a:extLst>
+              <a:ext uri="{FF2B5EF4-FFF2-40B4-BE49-F238E27FC236}">
+                <a16:creationId xmlns:a16="http://schemas.microsoft.com/office/drawing/2014/main" id="{6B3F0E78-5D8B-4B61-9B7B-E04094F7E7D0}"/>
+              </a:ext>
+            </a:extLst>
+          </p:cNvPr>
+          <p:cNvCxnSpPr>
+            <a:cxnSpLocks/>
+          </p:cNvCxnSpPr>
+          <p:nvPr/>
+        </p:nvCxnSpPr>
+        <p:spPr>
+          <a:xfrm flipV="1">
+            <a:off x="966159" y="4222750"/>
+            <a:ext cx="3525553" cy="1"/>
+          </a:xfrm>
+          <a:prstGeom prst="straightConnector1">
+            <a:avLst/>
+          </a:prstGeom>
+          <a:ln w="38100">
+            <a:solidFill>
+              <a:schemeClr val="accent1">
+                <a:lumMod val="75000"/>
+              </a:schemeClr>
+            </a:solidFill>
+            <a:tailEnd type="triangle"/>
+          </a:ln>
+        </p:spPr>
+        <p:style>
+          <a:lnRef idx="3">
+            <a:schemeClr val="accent1"/>
+          </a:lnRef>
+          <a:fillRef idx="0">
+            <a:schemeClr val="accent1"/>
+          </a:fillRef>
+          <a:effectRef idx="2">
+            <a:schemeClr val="accent1"/>
+          </a:effectRef>
+          <a:fontRef idx="minor">
+            <a:schemeClr val="tx1"/>
+          </a:fontRef>
+        </p:style>
+      </p:cxnSp>
+      <p:cxnSp>
+        <p:nvCxnSpPr>
+          <p:cNvPr id="50" name="Rett pilkobling 49">
+            <a:extLst>
+              <a:ext uri="{FF2B5EF4-FFF2-40B4-BE49-F238E27FC236}">
+                <a16:creationId xmlns:a16="http://schemas.microsoft.com/office/drawing/2014/main" id="{7AE5C92C-79F6-4555-B4E2-97B741496E6E}"/>
+              </a:ext>
+            </a:extLst>
+          </p:cNvPr>
+          <p:cNvCxnSpPr>
+            <a:cxnSpLocks/>
+          </p:cNvCxnSpPr>
+          <p:nvPr/>
+        </p:nvCxnSpPr>
+        <p:spPr>
+          <a:xfrm flipV="1">
+            <a:off x="966158" y="3833815"/>
+            <a:ext cx="3525553" cy="1"/>
+          </a:xfrm>
+          <a:prstGeom prst="straightConnector1">
+            <a:avLst/>
+          </a:prstGeom>
+          <a:ln w="38100">
+            <a:solidFill>
+              <a:schemeClr val="accent1">
+                <a:lumMod val="75000"/>
+              </a:schemeClr>
+            </a:solidFill>
+            <a:tailEnd type="triangle"/>
+          </a:ln>
+        </p:spPr>
+        <p:style>
+          <a:lnRef idx="3">
+            <a:schemeClr val="accent1"/>
+          </a:lnRef>
+          <a:fillRef idx="0">
+            <a:schemeClr val="accent1"/>
+          </a:fillRef>
+          <a:effectRef idx="2">
+            <a:schemeClr val="accent1"/>
+          </a:effectRef>
+          <a:fontRef idx="minor">
+            <a:schemeClr val="tx1"/>
+          </a:fontRef>
+        </p:style>
+      </p:cxnSp>
+      <p:cxnSp>
+        <p:nvCxnSpPr>
+          <p:cNvPr id="51" name="Rett pilkobling 50">
+            <a:extLst>
+              <a:ext uri="{FF2B5EF4-FFF2-40B4-BE49-F238E27FC236}">
+                <a16:creationId xmlns:a16="http://schemas.microsoft.com/office/drawing/2014/main" id="{44CAE399-BF5C-4E0E-9ED0-17226FD5DB6E}"/>
+              </a:ext>
+            </a:extLst>
+          </p:cNvPr>
+          <p:cNvCxnSpPr>
+            <a:cxnSpLocks/>
+          </p:cNvCxnSpPr>
+          <p:nvPr/>
+        </p:nvCxnSpPr>
+        <p:spPr>
+          <a:xfrm flipV="1">
+            <a:off x="937557" y="3462947"/>
+            <a:ext cx="3525553" cy="1"/>
+          </a:xfrm>
+          <a:prstGeom prst="straightConnector1">
+            <a:avLst/>
+          </a:prstGeom>
+          <a:ln w="38100">
+            <a:solidFill>
+              <a:schemeClr val="accent1">
+                <a:lumMod val="75000"/>
+              </a:schemeClr>
+            </a:solidFill>
+            <a:tailEnd type="triangle"/>
+          </a:ln>
+        </p:spPr>
+        <p:style>
+          <a:lnRef idx="3">
+            <a:schemeClr val="accent1"/>
+          </a:lnRef>
+          <a:fillRef idx="0">
+            <a:schemeClr val="accent1"/>
+          </a:fillRef>
+          <a:effectRef idx="2">
+            <a:schemeClr val="accent1"/>
+          </a:effectRef>
+          <a:fontRef idx="minor">
+            <a:schemeClr val="tx1"/>
+          </a:fontRef>
+        </p:style>
+      </p:cxnSp>
+      <p:cxnSp>
+        <p:nvCxnSpPr>
+          <p:cNvPr id="52" name="Rett pilkobling 51">
+            <a:extLst>
+              <a:ext uri="{FF2B5EF4-FFF2-40B4-BE49-F238E27FC236}">
+                <a16:creationId xmlns:a16="http://schemas.microsoft.com/office/drawing/2014/main" id="{34D785CD-E86F-4271-ABF5-8E81B30BFFAA}"/>
+              </a:ext>
+            </a:extLst>
+          </p:cNvPr>
+          <p:cNvCxnSpPr>
+            <a:cxnSpLocks/>
+          </p:cNvCxnSpPr>
+          <p:nvPr/>
+        </p:nvCxnSpPr>
+        <p:spPr>
+          <a:xfrm flipV="1">
+            <a:off x="937558" y="3089269"/>
+            <a:ext cx="3525553" cy="1"/>
+          </a:xfrm>
+          <a:prstGeom prst="straightConnector1">
+            <a:avLst/>
+          </a:prstGeom>
+          <a:ln w="38100">
+            <a:solidFill>
+              <a:schemeClr val="accent1">
+                <a:lumMod val="75000"/>
+              </a:schemeClr>
+            </a:solidFill>
+            <a:tailEnd type="triangle"/>
+          </a:ln>
+        </p:spPr>
+        <p:style>
+          <a:lnRef idx="3">
+            <a:schemeClr val="accent1"/>
+          </a:lnRef>
+          <a:fillRef idx="0">
+            <a:schemeClr val="accent1"/>
+          </a:fillRef>
+          <a:effectRef idx="2">
+            <a:schemeClr val="accent1"/>
+          </a:effectRef>
+          <a:fontRef idx="minor">
+            <a:schemeClr val="tx1"/>
+          </a:fontRef>
+        </p:style>
+      </p:cxnSp>
+      <p:cxnSp>
+        <p:nvCxnSpPr>
+          <p:cNvPr id="53" name="Rett pilkobling 52">
+            <a:extLst>
+              <a:ext uri="{FF2B5EF4-FFF2-40B4-BE49-F238E27FC236}">
+                <a16:creationId xmlns:a16="http://schemas.microsoft.com/office/drawing/2014/main" id="{53EBC4C0-56F4-4A58-8F4D-AAA805DFEC4E}"/>
+              </a:ext>
+            </a:extLst>
+          </p:cNvPr>
+          <p:cNvCxnSpPr>
+            <a:cxnSpLocks/>
+          </p:cNvCxnSpPr>
+          <p:nvPr/>
+        </p:nvCxnSpPr>
+        <p:spPr>
+          <a:xfrm flipV="1">
+            <a:off x="943467" y="2700335"/>
+            <a:ext cx="3525553" cy="1"/>
+          </a:xfrm>
+          <a:prstGeom prst="straightConnector1">
+            <a:avLst/>
+          </a:prstGeom>
+          <a:ln w="38100">
+            <a:solidFill>
+              <a:schemeClr val="accent1">
+                <a:lumMod val="75000"/>
+              </a:schemeClr>
+            </a:solidFill>
+            <a:tailEnd type="triangle"/>
+          </a:ln>
+        </p:spPr>
+        <p:style>
+          <a:lnRef idx="3">
+            <a:schemeClr val="accent1"/>
+          </a:lnRef>
+          <a:fillRef idx="0">
+            <a:schemeClr val="accent1"/>
+          </a:fillRef>
+          <a:effectRef idx="2">
+            <a:schemeClr val="accent1"/>
+          </a:effectRef>
+          <a:fontRef idx="minor">
+            <a:schemeClr val="tx1"/>
+          </a:fontRef>
+        </p:style>
+      </p:cxnSp>
+      <p:cxnSp>
+        <p:nvCxnSpPr>
+          <p:cNvPr id="54" name="Rett pilkobling 53">
+            <a:extLst>
+              <a:ext uri="{FF2B5EF4-FFF2-40B4-BE49-F238E27FC236}">
+                <a16:creationId xmlns:a16="http://schemas.microsoft.com/office/drawing/2014/main" id="{660CDB34-4874-4E3E-B9F2-D33C62290346}"/>
+              </a:ext>
+            </a:extLst>
+          </p:cNvPr>
+          <p:cNvCxnSpPr>
+            <a:cxnSpLocks/>
+          </p:cNvCxnSpPr>
+          <p:nvPr/>
+        </p:nvCxnSpPr>
+        <p:spPr>
+          <a:xfrm flipV="1">
+            <a:off x="974785" y="2311405"/>
+            <a:ext cx="3525553" cy="1"/>
+          </a:xfrm>
+          <a:prstGeom prst="straightConnector1">
+            <a:avLst/>
+          </a:prstGeom>
+          <a:ln w="38100">
+            <a:solidFill>
+              <a:schemeClr val="accent1">
+                <a:lumMod val="75000"/>
+              </a:schemeClr>
+            </a:solidFill>
+            <a:tailEnd type="triangle"/>
+          </a:ln>
+        </p:spPr>
+        <p:style>
+          <a:lnRef idx="3">
+            <a:schemeClr val="accent1"/>
+          </a:lnRef>
+          <a:fillRef idx="0">
+            <a:schemeClr val="accent1"/>
+          </a:fillRef>
+          <a:effectRef idx="2">
+            <a:schemeClr val="accent1"/>
+          </a:effectRef>
+          <a:fontRef idx="minor">
+            <a:schemeClr val="tx1"/>
+          </a:fontRef>
+        </p:style>
+      </p:cxnSp>
+      <p:cxnSp>
+        <p:nvCxnSpPr>
+          <p:cNvPr id="55" name="Rett pilkobling 54">
+            <a:extLst>
+              <a:ext uri="{FF2B5EF4-FFF2-40B4-BE49-F238E27FC236}">
+                <a16:creationId xmlns:a16="http://schemas.microsoft.com/office/drawing/2014/main" id="{ADCB5447-894E-4F8C-B157-DB301720AA5C}"/>
+              </a:ext>
+            </a:extLst>
+          </p:cNvPr>
+          <p:cNvCxnSpPr>
+            <a:cxnSpLocks/>
+          </p:cNvCxnSpPr>
+          <p:nvPr/>
+        </p:nvCxnSpPr>
+        <p:spPr>
+          <a:xfrm flipV="1">
+            <a:off x="974784" y="1922470"/>
+            <a:ext cx="3525553" cy="1"/>
+          </a:xfrm>
+          <a:prstGeom prst="straightConnector1">
+            <a:avLst/>
+          </a:prstGeom>
+          <a:ln w="38100">
+            <a:solidFill>
+              <a:schemeClr val="accent1">
+                <a:lumMod val="75000"/>
+              </a:schemeClr>
+            </a:solidFill>
+            <a:tailEnd type="triangle"/>
+          </a:ln>
+        </p:spPr>
+        <p:style>
+          <a:lnRef idx="3">
+            <a:schemeClr val="accent1"/>
+          </a:lnRef>
+          <a:fillRef idx="0">
+            <a:schemeClr val="accent1"/>
+          </a:fillRef>
+          <a:effectRef idx="2">
+            <a:schemeClr val="accent1"/>
+          </a:effectRef>
+          <a:fontRef idx="minor">
+            <a:schemeClr val="tx1"/>
+          </a:fontRef>
+        </p:style>
+      </p:cxnSp>
+      <p:cxnSp>
+        <p:nvCxnSpPr>
+          <p:cNvPr id="56" name="Rett pilkobling 55">
+            <a:extLst>
+              <a:ext uri="{FF2B5EF4-FFF2-40B4-BE49-F238E27FC236}">
+                <a16:creationId xmlns:a16="http://schemas.microsoft.com/office/drawing/2014/main" id="{97A62DFA-8A7A-469C-8C1A-CDEC727BCA53}"/>
+              </a:ext>
+            </a:extLst>
+          </p:cNvPr>
+          <p:cNvCxnSpPr>
+            <a:cxnSpLocks/>
+          </p:cNvCxnSpPr>
+          <p:nvPr/>
+        </p:nvCxnSpPr>
+        <p:spPr>
+          <a:xfrm flipV="1">
+            <a:off x="946183" y="1551602"/>
+            <a:ext cx="3525553" cy="1"/>
+          </a:xfrm>
+          <a:prstGeom prst="straightConnector1">
+            <a:avLst/>
+          </a:prstGeom>
+          <a:ln w="38100">
+            <a:solidFill>
+              <a:schemeClr val="accent1">
+                <a:lumMod val="75000"/>
+              </a:schemeClr>
+            </a:solidFill>
+            <a:tailEnd type="triangle"/>
+          </a:ln>
+        </p:spPr>
+        <p:style>
+          <a:lnRef idx="3">
+            <a:schemeClr val="accent1"/>
+          </a:lnRef>
+          <a:fillRef idx="0">
+            <a:schemeClr val="accent1"/>
+          </a:fillRef>
+          <a:effectRef idx="2">
+            <a:schemeClr val="accent1"/>
+          </a:effectRef>
+          <a:fontRef idx="minor">
+            <a:schemeClr val="tx1"/>
+          </a:fontRef>
+        </p:style>
+      </p:cxnSp>
+      <p:cxnSp>
+        <p:nvCxnSpPr>
+          <p:cNvPr id="57" name="Rett pilkobling 56">
+            <a:extLst>
+              <a:ext uri="{FF2B5EF4-FFF2-40B4-BE49-F238E27FC236}">
+                <a16:creationId xmlns:a16="http://schemas.microsoft.com/office/drawing/2014/main" id="{87EB438A-8452-4165-B34F-B8F48CA260FC}"/>
+              </a:ext>
+            </a:extLst>
+          </p:cNvPr>
+          <p:cNvCxnSpPr>
+            <a:cxnSpLocks/>
+          </p:cNvCxnSpPr>
+          <p:nvPr/>
+        </p:nvCxnSpPr>
+        <p:spPr>
+          <a:xfrm flipV="1">
+            <a:off x="946184" y="1177924"/>
+            <a:ext cx="3525553" cy="1"/>
+          </a:xfrm>
+          <a:prstGeom prst="straightConnector1">
+            <a:avLst/>
+          </a:prstGeom>
+          <a:ln w="38100">
+            <a:solidFill>
+              <a:schemeClr val="accent1">
+                <a:lumMod val="75000"/>
+              </a:schemeClr>
+            </a:solidFill>
+            <a:tailEnd type="triangle"/>
+          </a:ln>
+        </p:spPr>
+        <p:style>
+          <a:lnRef idx="3">
+            <a:schemeClr val="accent1"/>
+          </a:lnRef>
+          <a:fillRef idx="0">
+            <a:schemeClr val="accent1"/>
+          </a:fillRef>
+          <a:effectRef idx="2">
+            <a:schemeClr val="accent1"/>
+          </a:effectRef>
+          <a:fontRef idx="minor">
+            <a:schemeClr val="tx1"/>
+          </a:fontRef>
+        </p:style>
+      </p:cxnSp>
+    </p:spTree>
+    <p:extLst>
+      <p:ext uri="{BB962C8B-B14F-4D97-AF65-F5344CB8AC3E}">
+        <p14:creationId xmlns:p14="http://schemas.microsoft.com/office/powerpoint/2010/main" val="4256225658"/>
+      </p:ext>
+    </p:extLst>
+  </p:cSld>
+  <p:clrMapOvr>
+    <a:masterClrMapping/>
+  </p:clrMapOvr>
+</p:sld>
+</file>
+
+<file path=ppt/slides/slide3.xml><?xml version="1.0" encoding="utf-8"?>
+<p:sld xmlns:a="http://schemas.openxmlformats.org/drawingml/2006/main" xmlns:r="http://schemas.openxmlformats.org/officeDocument/2006/relationships" xmlns:p="http://schemas.openxmlformats.org/presentationml/2006/main">
+  <p:cSld>
+    <p:spTree>
+      <p:nvGrpSpPr>
+        <p:cNvPr id="1" name=""/>
+        <p:cNvGrpSpPr/>
+        <p:nvPr/>
+      </p:nvGrpSpPr>
+      <p:grpSpPr>
+        <a:xfrm>
+          <a:off x="0" y="0"/>
+          <a:ext cx="0" cy="0"/>
+          <a:chOff x="0" y="0"/>
+          <a:chExt cx="0" cy="0"/>
+        </a:xfrm>
+      </p:grpSpPr>
+      <p:sp>
+        <p:nvSpPr>
+          <p:cNvPr id="4" name="Rektangel 3">
+            <a:extLst>
+              <a:ext uri="{FF2B5EF4-FFF2-40B4-BE49-F238E27FC236}">
+                <a16:creationId xmlns:a16="http://schemas.microsoft.com/office/drawing/2014/main" id="{DC156D1D-B32D-47BD-9A85-952D514B7659}"/>
+              </a:ext>
+            </a:extLst>
+          </p:cNvPr>
+          <p:cNvSpPr/>
+          <p:nvPr/>
+        </p:nvSpPr>
+        <p:spPr>
+          <a:xfrm>
+            <a:off x="360336" y="360336"/>
+            <a:ext cx="4680001" cy="4680001"/>
+          </a:xfrm>
+          <a:prstGeom prst="rect">
+            <a:avLst/>
+          </a:prstGeom>
+          <a:noFill/>
+          <a:ln w="57150">
+            <a:solidFill>
+              <a:schemeClr val="tx1"/>
+            </a:solidFill>
+          </a:ln>
+        </p:spPr>
+        <p:style>
+          <a:lnRef idx="2">
+            <a:schemeClr val="accent1">
+              <a:shade val="50000"/>
+            </a:schemeClr>
+          </a:lnRef>
+          <a:fillRef idx="1">
+            <a:schemeClr val="accent1"/>
+          </a:fillRef>
+          <a:effectRef idx="0">
+            <a:schemeClr val="accent1"/>
+          </a:effectRef>
+          <a:fontRef idx="minor">
+            <a:schemeClr val="lt1"/>
+          </a:fontRef>
+        </p:style>
+        <p:txBody>
+          <a:bodyPr rtlCol="0" anchor="ctr"/>
+          <a:lstStyle/>
+          <a:p>
+            <a:pPr algn="ctr"/>
+            <a:endParaRPr lang="en-US" sz="1020"/>
+          </a:p>
+        </p:txBody>
+      </p:sp>
+      <p:sp>
+        <p:nvSpPr>
+          <p:cNvPr id="8" name="Rektangel 7">
+            <a:extLst>
+              <a:ext uri="{FF2B5EF4-FFF2-40B4-BE49-F238E27FC236}">
+                <a16:creationId xmlns:a16="http://schemas.microsoft.com/office/drawing/2014/main" id="{26A72A49-6B7A-4249-B21D-3D9C996D0306}"/>
+              </a:ext>
+            </a:extLst>
+          </p:cNvPr>
+          <p:cNvSpPr/>
+          <p:nvPr/>
+        </p:nvSpPr>
+        <p:spPr>
+          <a:xfrm>
+            <a:off x="900337" y="900336"/>
+            <a:ext cx="3600001" cy="3600001"/>
+          </a:xfrm>
+          <a:prstGeom prst="rect">
+            <a:avLst/>
+          </a:prstGeom>
+          <a:noFill/>
+          <a:ln w="57150">
+            <a:solidFill>
+              <a:schemeClr val="tx1"/>
+            </a:solidFill>
+            <a:prstDash val="dash"/>
+          </a:ln>
+        </p:spPr>
+        <p:style>
+          <a:lnRef idx="2">
+            <a:schemeClr val="accent1">
+              <a:shade val="50000"/>
+            </a:schemeClr>
+          </a:lnRef>
+          <a:fillRef idx="1">
+            <a:schemeClr val="accent1"/>
+          </a:fillRef>
+          <a:effectRef idx="0">
+            <a:schemeClr val="accent1"/>
+          </a:effectRef>
+          <a:fontRef idx="minor">
+            <a:schemeClr val="lt1"/>
+          </a:fontRef>
+        </p:style>
+        <p:txBody>
+          <a:bodyPr rtlCol="0" anchor="ctr"/>
+          <a:lstStyle/>
+          <a:p>
+            <a:pPr algn="ctr"/>
+            <a:endParaRPr lang="en-US" sz="1020"/>
+          </a:p>
+        </p:txBody>
+      </p:sp>
+      <p:cxnSp>
+        <p:nvCxnSpPr>
+          <p:cNvPr id="37" name="Rett pilkobling 36">
+            <a:extLst>
+              <a:ext uri="{FF2B5EF4-FFF2-40B4-BE49-F238E27FC236}">
+                <a16:creationId xmlns:a16="http://schemas.microsoft.com/office/drawing/2014/main" id="{6B3F0E78-5D8B-4B61-9B7B-E04094F7E7D0}"/>
+              </a:ext>
+            </a:extLst>
+          </p:cNvPr>
+          <p:cNvCxnSpPr>
+            <a:cxnSpLocks/>
+          </p:cNvCxnSpPr>
+          <p:nvPr/>
+        </p:nvCxnSpPr>
+        <p:spPr>
+          <a:xfrm flipV="1">
+            <a:off x="966159" y="4222750"/>
+            <a:ext cx="3525553" cy="1"/>
+          </a:xfrm>
+          <a:prstGeom prst="straightConnector1">
+            <a:avLst/>
+          </a:prstGeom>
+          <a:ln w="38100">
+            <a:solidFill>
+              <a:schemeClr val="accent1">
+                <a:lumMod val="75000"/>
+              </a:schemeClr>
+            </a:solidFill>
+            <a:tailEnd type="triangle"/>
+          </a:ln>
+        </p:spPr>
+        <p:style>
+          <a:lnRef idx="3">
+            <a:schemeClr val="accent1"/>
+          </a:lnRef>
+          <a:fillRef idx="0">
+            <a:schemeClr val="accent1"/>
+          </a:fillRef>
+          <a:effectRef idx="2">
+            <a:schemeClr val="accent1"/>
+          </a:effectRef>
+          <a:fontRef idx="minor">
+            <a:schemeClr val="tx1"/>
+          </a:fontRef>
+        </p:style>
+      </p:cxnSp>
+      <p:cxnSp>
+        <p:nvCxnSpPr>
+          <p:cNvPr id="50" name="Rett pilkobling 49">
+            <a:extLst>
+              <a:ext uri="{FF2B5EF4-FFF2-40B4-BE49-F238E27FC236}">
+                <a16:creationId xmlns:a16="http://schemas.microsoft.com/office/drawing/2014/main" id="{7AE5C92C-79F6-4555-B4E2-97B741496E6E}"/>
+              </a:ext>
+            </a:extLst>
+          </p:cNvPr>
+          <p:cNvCxnSpPr>
+            <a:cxnSpLocks/>
+          </p:cNvCxnSpPr>
+          <p:nvPr/>
+        </p:nvCxnSpPr>
+        <p:spPr>
+          <a:xfrm flipH="1" flipV="1">
+            <a:off x="940280" y="3833815"/>
+            <a:ext cx="3525553" cy="1"/>
+          </a:xfrm>
+          <a:prstGeom prst="straightConnector1">
+            <a:avLst/>
+          </a:prstGeom>
+          <a:ln w="38100">
+            <a:solidFill>
+              <a:schemeClr val="accent1">
+                <a:lumMod val="75000"/>
+              </a:schemeClr>
+            </a:solidFill>
+            <a:tailEnd type="triangle"/>
+          </a:ln>
+        </p:spPr>
+        <p:style>
+          <a:lnRef idx="3">
+            <a:schemeClr val="accent1"/>
+          </a:lnRef>
+          <a:fillRef idx="0">
+            <a:schemeClr val="accent1"/>
+          </a:fillRef>
+          <a:effectRef idx="2">
+            <a:schemeClr val="accent1"/>
+          </a:effectRef>
+          <a:fontRef idx="minor">
+            <a:schemeClr val="tx1"/>
+          </a:fontRef>
+        </p:style>
+      </p:cxnSp>
+      <p:cxnSp>
+        <p:nvCxnSpPr>
+          <p:cNvPr id="51" name="Rett pilkobling 50">
+            <a:extLst>
+              <a:ext uri="{FF2B5EF4-FFF2-40B4-BE49-F238E27FC236}">
+                <a16:creationId xmlns:a16="http://schemas.microsoft.com/office/drawing/2014/main" id="{44CAE399-BF5C-4E0E-9ED0-17226FD5DB6E}"/>
+              </a:ext>
+            </a:extLst>
+          </p:cNvPr>
+          <p:cNvCxnSpPr>
+            <a:cxnSpLocks/>
+          </p:cNvCxnSpPr>
+          <p:nvPr/>
+        </p:nvCxnSpPr>
+        <p:spPr>
+          <a:xfrm flipV="1">
+            <a:off x="937557" y="3462947"/>
+            <a:ext cx="3525553" cy="1"/>
+          </a:xfrm>
+          <a:prstGeom prst="straightConnector1">
+            <a:avLst/>
+          </a:prstGeom>
+          <a:ln w="38100">
+            <a:solidFill>
+              <a:schemeClr val="accent1">
+                <a:lumMod val="75000"/>
+              </a:schemeClr>
+            </a:solidFill>
+            <a:tailEnd type="triangle"/>
+          </a:ln>
+        </p:spPr>
+        <p:style>
+          <a:lnRef idx="3">
+            <a:schemeClr val="accent1"/>
+          </a:lnRef>
+          <a:fillRef idx="0">
+            <a:schemeClr val="accent1"/>
+          </a:fillRef>
+          <a:effectRef idx="2">
+            <a:schemeClr val="accent1"/>
+          </a:effectRef>
+          <a:fontRef idx="minor">
+            <a:schemeClr val="tx1"/>
+          </a:fontRef>
+        </p:style>
+      </p:cxnSp>
+      <p:cxnSp>
+        <p:nvCxnSpPr>
+          <p:cNvPr id="52" name="Rett pilkobling 51">
+            <a:extLst>
+              <a:ext uri="{FF2B5EF4-FFF2-40B4-BE49-F238E27FC236}">
+                <a16:creationId xmlns:a16="http://schemas.microsoft.com/office/drawing/2014/main" id="{34D785CD-E86F-4271-ABF5-8E81B30BFFAA}"/>
+              </a:ext>
+            </a:extLst>
+          </p:cNvPr>
+          <p:cNvCxnSpPr>
+            <a:cxnSpLocks/>
+          </p:cNvCxnSpPr>
+          <p:nvPr/>
+        </p:nvCxnSpPr>
+        <p:spPr>
+          <a:xfrm flipH="1" flipV="1">
+            <a:off x="937558" y="3089269"/>
+            <a:ext cx="3525553" cy="1"/>
+          </a:xfrm>
+          <a:prstGeom prst="straightConnector1">
+            <a:avLst/>
+          </a:prstGeom>
+          <a:ln w="38100">
+            <a:solidFill>
+              <a:schemeClr val="accent1">
+                <a:lumMod val="75000"/>
+              </a:schemeClr>
+            </a:solidFill>
+            <a:tailEnd type="triangle"/>
+          </a:ln>
+        </p:spPr>
+        <p:style>
+          <a:lnRef idx="3">
+            <a:schemeClr val="accent1"/>
+          </a:lnRef>
+          <a:fillRef idx="0">
+            <a:schemeClr val="accent1"/>
+          </a:fillRef>
+          <a:effectRef idx="2">
+            <a:schemeClr val="accent1"/>
+          </a:effectRef>
+          <a:fontRef idx="minor">
+            <a:schemeClr val="tx1"/>
+          </a:fontRef>
+        </p:style>
+      </p:cxnSp>
+      <p:cxnSp>
+        <p:nvCxnSpPr>
+          <p:cNvPr id="53" name="Rett pilkobling 52">
+            <a:extLst>
+              <a:ext uri="{FF2B5EF4-FFF2-40B4-BE49-F238E27FC236}">
+                <a16:creationId xmlns:a16="http://schemas.microsoft.com/office/drawing/2014/main" id="{53EBC4C0-56F4-4A58-8F4D-AAA805DFEC4E}"/>
+              </a:ext>
+            </a:extLst>
+          </p:cNvPr>
+          <p:cNvCxnSpPr>
+            <a:cxnSpLocks/>
+          </p:cNvCxnSpPr>
+          <p:nvPr/>
+        </p:nvCxnSpPr>
+        <p:spPr>
+          <a:xfrm flipV="1">
+            <a:off x="943467" y="2700335"/>
+            <a:ext cx="3525553" cy="1"/>
+          </a:xfrm>
+          <a:prstGeom prst="straightConnector1">
+            <a:avLst/>
+          </a:prstGeom>
+          <a:ln w="38100">
+            <a:solidFill>
+              <a:schemeClr val="accent1">
+                <a:lumMod val="75000"/>
+              </a:schemeClr>
+            </a:solidFill>
+            <a:tailEnd type="triangle"/>
+          </a:ln>
+        </p:spPr>
+        <p:style>
+          <a:lnRef idx="3">
+            <a:schemeClr val="accent1"/>
+          </a:lnRef>
+          <a:fillRef idx="0">
+            <a:schemeClr val="accent1"/>
+          </a:fillRef>
+          <a:effectRef idx="2">
+            <a:schemeClr val="accent1"/>
+          </a:effectRef>
+          <a:fontRef idx="minor">
+            <a:schemeClr val="tx1"/>
+          </a:fontRef>
+        </p:style>
+      </p:cxnSp>
+      <p:cxnSp>
+        <p:nvCxnSpPr>
+          <p:cNvPr id="54" name="Rett pilkobling 53">
+            <a:extLst>
+              <a:ext uri="{FF2B5EF4-FFF2-40B4-BE49-F238E27FC236}">
+                <a16:creationId xmlns:a16="http://schemas.microsoft.com/office/drawing/2014/main" id="{660CDB34-4874-4E3E-B9F2-D33C62290346}"/>
+              </a:ext>
+            </a:extLst>
+          </p:cNvPr>
+          <p:cNvCxnSpPr>
+            <a:cxnSpLocks/>
+          </p:cNvCxnSpPr>
+          <p:nvPr/>
+        </p:nvCxnSpPr>
+        <p:spPr>
+          <a:xfrm flipH="1" flipV="1">
+            <a:off x="948907" y="2311405"/>
+            <a:ext cx="3525553" cy="1"/>
+          </a:xfrm>
+          <a:prstGeom prst="straightConnector1">
+            <a:avLst/>
+          </a:prstGeom>
+          <a:ln w="38100">
+            <a:solidFill>
+              <a:schemeClr val="accent1">
+                <a:lumMod val="75000"/>
+              </a:schemeClr>
+            </a:solidFill>
+            <a:tailEnd type="triangle"/>
+          </a:ln>
+        </p:spPr>
+        <p:style>
+          <a:lnRef idx="3">
+            <a:schemeClr val="accent1"/>
+          </a:lnRef>
+          <a:fillRef idx="0">
+            <a:schemeClr val="accent1"/>
+          </a:fillRef>
+          <a:effectRef idx="2">
+            <a:schemeClr val="accent1"/>
+          </a:effectRef>
+          <a:fontRef idx="minor">
+            <a:schemeClr val="tx1"/>
+          </a:fontRef>
+        </p:style>
+      </p:cxnSp>
+      <p:cxnSp>
+        <p:nvCxnSpPr>
+          <p:cNvPr id="55" name="Rett pilkobling 54">
+            <a:extLst>
+              <a:ext uri="{FF2B5EF4-FFF2-40B4-BE49-F238E27FC236}">
+                <a16:creationId xmlns:a16="http://schemas.microsoft.com/office/drawing/2014/main" id="{ADCB5447-894E-4F8C-B157-DB301720AA5C}"/>
+              </a:ext>
+            </a:extLst>
+          </p:cNvPr>
+          <p:cNvCxnSpPr>
+            <a:cxnSpLocks/>
+          </p:cNvCxnSpPr>
+          <p:nvPr/>
+        </p:nvCxnSpPr>
+        <p:spPr>
+          <a:xfrm flipV="1">
+            <a:off x="974784" y="1922470"/>
+            <a:ext cx="3525553" cy="1"/>
+          </a:xfrm>
+          <a:prstGeom prst="straightConnector1">
+            <a:avLst/>
+          </a:prstGeom>
+          <a:ln w="38100">
+            <a:solidFill>
+              <a:schemeClr val="accent1">
+                <a:lumMod val="75000"/>
+              </a:schemeClr>
+            </a:solidFill>
+            <a:tailEnd type="triangle"/>
+          </a:ln>
+        </p:spPr>
+        <p:style>
+          <a:lnRef idx="3">
+            <a:schemeClr val="accent1"/>
+          </a:lnRef>
+          <a:fillRef idx="0">
+            <a:schemeClr val="accent1"/>
+          </a:fillRef>
+          <a:effectRef idx="2">
+            <a:schemeClr val="accent1"/>
+          </a:effectRef>
+          <a:fontRef idx="minor">
+            <a:schemeClr val="tx1"/>
+          </a:fontRef>
+        </p:style>
+      </p:cxnSp>
+      <p:cxnSp>
+        <p:nvCxnSpPr>
+          <p:cNvPr id="56" name="Rett pilkobling 55">
+            <a:extLst>
+              <a:ext uri="{FF2B5EF4-FFF2-40B4-BE49-F238E27FC236}">
+                <a16:creationId xmlns:a16="http://schemas.microsoft.com/office/drawing/2014/main" id="{97A62DFA-8A7A-469C-8C1A-CDEC727BCA53}"/>
+              </a:ext>
+            </a:extLst>
+          </p:cNvPr>
+          <p:cNvCxnSpPr>
+            <a:cxnSpLocks/>
+          </p:cNvCxnSpPr>
+          <p:nvPr/>
+        </p:nvCxnSpPr>
+        <p:spPr>
+          <a:xfrm flipH="1" flipV="1">
+            <a:off x="946183" y="1551602"/>
+            <a:ext cx="3525553" cy="1"/>
+          </a:xfrm>
+          <a:prstGeom prst="straightConnector1">
+            <a:avLst/>
+          </a:prstGeom>
+          <a:ln w="38100">
+            <a:solidFill>
+              <a:schemeClr val="accent1">
+                <a:lumMod val="75000"/>
+              </a:schemeClr>
+            </a:solidFill>
+            <a:tailEnd type="triangle"/>
+          </a:ln>
+        </p:spPr>
+        <p:style>
+          <a:lnRef idx="3">
+            <a:schemeClr val="accent1"/>
+          </a:lnRef>
+          <a:fillRef idx="0">
+            <a:schemeClr val="accent1"/>
+          </a:fillRef>
+          <a:effectRef idx="2">
+            <a:schemeClr val="accent1"/>
+          </a:effectRef>
+          <a:fontRef idx="minor">
+            <a:schemeClr val="tx1"/>
+          </a:fontRef>
+        </p:style>
+      </p:cxnSp>
+      <p:cxnSp>
+        <p:nvCxnSpPr>
+          <p:cNvPr id="57" name="Rett pilkobling 56">
+            <a:extLst>
+              <a:ext uri="{FF2B5EF4-FFF2-40B4-BE49-F238E27FC236}">
+                <a16:creationId xmlns:a16="http://schemas.microsoft.com/office/drawing/2014/main" id="{87EB438A-8452-4165-B34F-B8F48CA260FC}"/>
+              </a:ext>
+            </a:extLst>
+          </p:cNvPr>
+          <p:cNvCxnSpPr>
+            <a:cxnSpLocks/>
+          </p:cNvCxnSpPr>
+          <p:nvPr/>
+        </p:nvCxnSpPr>
+        <p:spPr>
+          <a:xfrm flipV="1">
+            <a:off x="946184" y="1177924"/>
+            <a:ext cx="3525553" cy="1"/>
+          </a:xfrm>
+          <a:prstGeom prst="straightConnector1">
+            <a:avLst/>
+          </a:prstGeom>
+          <a:ln w="38100">
+            <a:solidFill>
+              <a:schemeClr val="accent1">
+                <a:lumMod val="75000"/>
+              </a:schemeClr>
+            </a:solidFill>
+            <a:tailEnd type="triangle"/>
+          </a:ln>
+        </p:spPr>
+        <p:style>
+          <a:lnRef idx="3">
+            <a:schemeClr val="accent1"/>
+          </a:lnRef>
+          <a:fillRef idx="0">
+            <a:schemeClr val="accent1"/>
+          </a:fillRef>
+          <a:effectRef idx="2">
+            <a:schemeClr val="accent1"/>
+          </a:effectRef>
+          <a:fontRef idx="minor">
+            <a:schemeClr val="tx1"/>
+          </a:fontRef>
+        </p:style>
+      </p:cxnSp>
+    </p:spTree>
+    <p:extLst>
+      <p:ext uri="{BB962C8B-B14F-4D97-AF65-F5344CB8AC3E}">
+        <p14:creationId xmlns:p14="http://schemas.microsoft.com/office/powerpoint/2010/main" val="1514310404"/>
+      </p:ext>
+    </p:extLst>
+  </p:cSld>
+  <p:clrMapOvr>
+    <a:masterClrMapping/>
+  </p:clrMapOvr>
+</p:sld>
+</file>
+
+<file path=ppt/slides/slide4.xml><?xml version="1.0" encoding="utf-8"?>
+<p:sld xmlns:a="http://schemas.openxmlformats.org/drawingml/2006/main" xmlns:r="http://schemas.openxmlformats.org/officeDocument/2006/relationships" xmlns:p="http://schemas.openxmlformats.org/presentationml/2006/main">
+  <p:cSld>
+    <p:spTree>
+      <p:nvGrpSpPr>
+        <p:cNvPr id="1" name=""/>
+        <p:cNvGrpSpPr/>
+        <p:nvPr/>
+      </p:nvGrpSpPr>
+      <p:grpSpPr>
+        <a:xfrm>
+          <a:off x="0" y="0"/>
+          <a:ext cx="0" cy="0"/>
+          <a:chOff x="0" y="0"/>
+          <a:chExt cx="0" cy="0"/>
+        </a:xfrm>
+      </p:grpSpPr>
+      <p:sp>
+        <p:nvSpPr>
+          <p:cNvPr id="4" name="Rektangel 3">
+            <a:extLst>
+              <a:ext uri="{FF2B5EF4-FFF2-40B4-BE49-F238E27FC236}">
+                <a16:creationId xmlns:a16="http://schemas.microsoft.com/office/drawing/2014/main" id="{DC156D1D-B32D-47BD-9A85-952D514B7659}"/>
+              </a:ext>
+            </a:extLst>
+          </p:cNvPr>
+          <p:cNvSpPr/>
+          <p:nvPr/>
+        </p:nvSpPr>
+        <p:spPr>
+          <a:xfrm>
+            <a:off x="360336" y="360336"/>
+            <a:ext cx="4680001" cy="4680001"/>
+          </a:xfrm>
+          <a:prstGeom prst="rect">
+            <a:avLst/>
+          </a:prstGeom>
+          <a:noFill/>
+          <a:ln w="57150">
+            <a:solidFill>
+              <a:schemeClr val="tx1"/>
+            </a:solidFill>
+          </a:ln>
+        </p:spPr>
+        <p:style>
+          <a:lnRef idx="2">
+            <a:schemeClr val="accent1">
+              <a:shade val="50000"/>
+            </a:schemeClr>
+          </a:lnRef>
+          <a:fillRef idx="1">
+            <a:schemeClr val="accent1"/>
+          </a:fillRef>
+          <a:effectRef idx="0">
+            <a:schemeClr val="accent1"/>
+          </a:effectRef>
+          <a:fontRef idx="minor">
+            <a:schemeClr val="lt1"/>
+          </a:fontRef>
+        </p:style>
+        <p:txBody>
+          <a:bodyPr rtlCol="0" anchor="ctr"/>
+          <a:lstStyle/>
+          <a:p>
+            <a:pPr algn="ctr"/>
+            <a:endParaRPr lang="en-US" sz="1020"/>
+          </a:p>
+        </p:txBody>
+      </p:sp>
+      <p:sp>
+        <p:nvSpPr>
+          <p:cNvPr id="8" name="Rektangel 7">
+            <a:extLst>
+              <a:ext uri="{FF2B5EF4-FFF2-40B4-BE49-F238E27FC236}">
+                <a16:creationId xmlns:a16="http://schemas.microsoft.com/office/drawing/2014/main" id="{26A72A49-6B7A-4249-B21D-3D9C996D0306}"/>
+              </a:ext>
+            </a:extLst>
+          </p:cNvPr>
+          <p:cNvSpPr/>
+          <p:nvPr/>
+        </p:nvSpPr>
+        <p:spPr>
+          <a:xfrm>
+            <a:off x="365506" y="900336"/>
+            <a:ext cx="4674831" cy="3600001"/>
+          </a:xfrm>
+          <a:prstGeom prst="rect">
+            <a:avLst/>
+          </a:prstGeom>
+          <a:noFill/>
+          <a:ln w="57150">
+            <a:solidFill>
+              <a:schemeClr val="tx1"/>
+            </a:solidFill>
+            <a:prstDash val="dash"/>
+          </a:ln>
+        </p:spPr>
+        <p:style>
+          <a:lnRef idx="2">
+            <a:schemeClr val="accent1">
+              <a:shade val="50000"/>
+            </a:schemeClr>
+          </a:lnRef>
+          <a:fillRef idx="1">
+            <a:schemeClr val="accent1"/>
+          </a:fillRef>
+          <a:effectRef idx="0">
+            <a:schemeClr val="accent1"/>
+          </a:effectRef>
+          <a:fontRef idx="minor">
+            <a:schemeClr val="lt1"/>
+          </a:fontRef>
+        </p:style>
+        <p:txBody>
+          <a:bodyPr rtlCol="0" anchor="ctr"/>
+          <a:lstStyle/>
+          <a:p>
+            <a:pPr algn="ctr"/>
+            <a:endParaRPr lang="en-US" sz="1020"/>
+          </a:p>
+        </p:txBody>
+      </p:sp>
+      <p:cxnSp>
+        <p:nvCxnSpPr>
+          <p:cNvPr id="37" name="Rett pilkobling 36">
+            <a:extLst>
+              <a:ext uri="{FF2B5EF4-FFF2-40B4-BE49-F238E27FC236}">
+                <a16:creationId xmlns:a16="http://schemas.microsoft.com/office/drawing/2014/main" id="{6B3F0E78-5D8B-4B61-9B7B-E04094F7E7D0}"/>
+              </a:ext>
+            </a:extLst>
+          </p:cNvPr>
+          <p:cNvCxnSpPr>
+            <a:cxnSpLocks/>
+          </p:cNvCxnSpPr>
+          <p:nvPr/>
+        </p:nvCxnSpPr>
+        <p:spPr>
+          <a:xfrm flipV="1">
+            <a:off x="398137" y="4248630"/>
+            <a:ext cx="4604400" cy="1"/>
+          </a:xfrm>
+          <a:prstGeom prst="straightConnector1">
+            <a:avLst/>
+          </a:prstGeom>
+          <a:ln w="38100">
+            <a:solidFill>
+              <a:schemeClr val="accent1">
+                <a:lumMod val="75000"/>
+              </a:schemeClr>
+            </a:solidFill>
+            <a:tailEnd type="triangle"/>
+          </a:ln>
+        </p:spPr>
+        <p:style>
+          <a:lnRef idx="3">
+            <a:schemeClr val="accent1"/>
+          </a:lnRef>
+          <a:fillRef idx="0">
+            <a:schemeClr val="accent1"/>
+          </a:fillRef>
+          <a:effectRef idx="2">
+            <a:schemeClr val="accent1"/>
+          </a:effectRef>
+          <a:fontRef idx="minor">
+            <a:schemeClr val="tx1"/>
+          </a:fontRef>
+        </p:style>
+      </p:cxnSp>
+      <p:cxnSp>
+        <p:nvCxnSpPr>
+          <p:cNvPr id="50" name="Rett pilkobling 49">
+            <a:extLst>
+              <a:ext uri="{FF2B5EF4-FFF2-40B4-BE49-F238E27FC236}">
+                <a16:creationId xmlns:a16="http://schemas.microsoft.com/office/drawing/2014/main" id="{7AE5C92C-79F6-4555-B4E2-97B741496E6E}"/>
+              </a:ext>
+            </a:extLst>
+          </p:cNvPr>
+          <p:cNvCxnSpPr>
+            <a:cxnSpLocks/>
+          </p:cNvCxnSpPr>
+          <p:nvPr/>
+        </p:nvCxnSpPr>
+        <p:spPr>
+          <a:xfrm flipH="1" flipV="1">
+            <a:off x="398137" y="3859695"/>
+            <a:ext cx="4604400" cy="1"/>
+          </a:xfrm>
+          <a:prstGeom prst="straightConnector1">
+            <a:avLst/>
+          </a:prstGeom>
+          <a:ln w="38100">
+            <a:solidFill>
+              <a:schemeClr val="accent1">
+                <a:lumMod val="75000"/>
+              </a:schemeClr>
+            </a:solidFill>
+            <a:tailEnd type="triangle"/>
+          </a:ln>
+        </p:spPr>
+        <p:style>
+          <a:lnRef idx="3">
+            <a:schemeClr val="accent1"/>
+          </a:lnRef>
+          <a:fillRef idx="0">
+            <a:schemeClr val="accent1"/>
+          </a:fillRef>
+          <a:effectRef idx="2">
+            <a:schemeClr val="accent1"/>
+          </a:effectRef>
+          <a:fontRef idx="minor">
+            <a:schemeClr val="tx1"/>
+          </a:fontRef>
+        </p:style>
+      </p:cxnSp>
+      <p:cxnSp>
+        <p:nvCxnSpPr>
+          <p:cNvPr id="51" name="Rett pilkobling 50">
+            <a:extLst>
+              <a:ext uri="{FF2B5EF4-FFF2-40B4-BE49-F238E27FC236}">
+                <a16:creationId xmlns:a16="http://schemas.microsoft.com/office/drawing/2014/main" id="{44CAE399-BF5C-4E0E-9ED0-17226FD5DB6E}"/>
+              </a:ext>
+            </a:extLst>
+          </p:cNvPr>
+          <p:cNvCxnSpPr>
+            <a:cxnSpLocks/>
+          </p:cNvCxnSpPr>
+          <p:nvPr/>
+        </p:nvCxnSpPr>
+        <p:spPr>
+          <a:xfrm flipV="1">
+            <a:off x="398137" y="3488827"/>
+            <a:ext cx="4604400" cy="1"/>
+          </a:xfrm>
+          <a:prstGeom prst="straightConnector1">
+            <a:avLst/>
+          </a:prstGeom>
+          <a:ln w="38100">
+            <a:solidFill>
+              <a:schemeClr val="accent1">
+                <a:lumMod val="75000"/>
+              </a:schemeClr>
+            </a:solidFill>
+            <a:tailEnd type="triangle"/>
+          </a:ln>
+        </p:spPr>
+        <p:style>
+          <a:lnRef idx="3">
+            <a:schemeClr val="accent1"/>
+          </a:lnRef>
+          <a:fillRef idx="0">
+            <a:schemeClr val="accent1"/>
+          </a:fillRef>
+          <a:effectRef idx="2">
+            <a:schemeClr val="accent1"/>
+          </a:effectRef>
+          <a:fontRef idx="minor">
+            <a:schemeClr val="tx1"/>
+          </a:fontRef>
+        </p:style>
+      </p:cxnSp>
+      <p:cxnSp>
+        <p:nvCxnSpPr>
+          <p:cNvPr id="52" name="Rett pilkobling 51">
+            <a:extLst>
+              <a:ext uri="{FF2B5EF4-FFF2-40B4-BE49-F238E27FC236}">
+                <a16:creationId xmlns:a16="http://schemas.microsoft.com/office/drawing/2014/main" id="{34D785CD-E86F-4271-ABF5-8E81B30BFFAA}"/>
+              </a:ext>
+            </a:extLst>
+          </p:cNvPr>
+          <p:cNvCxnSpPr>
+            <a:cxnSpLocks/>
+          </p:cNvCxnSpPr>
+          <p:nvPr/>
+        </p:nvCxnSpPr>
+        <p:spPr>
+          <a:xfrm flipH="1" flipV="1">
+            <a:off x="398137" y="3115149"/>
+            <a:ext cx="4604400" cy="1"/>
+          </a:xfrm>
+          <a:prstGeom prst="straightConnector1">
+            <a:avLst/>
+          </a:prstGeom>
+          <a:ln w="38100">
+            <a:solidFill>
+              <a:schemeClr val="accent1">
+                <a:lumMod val="75000"/>
+              </a:schemeClr>
+            </a:solidFill>
+            <a:tailEnd type="triangle"/>
+          </a:ln>
+        </p:spPr>
+        <p:style>
+          <a:lnRef idx="3">
+            <a:schemeClr val="accent1"/>
+          </a:lnRef>
+          <a:fillRef idx="0">
+            <a:schemeClr val="accent1"/>
+          </a:fillRef>
+          <a:effectRef idx="2">
+            <a:schemeClr val="accent1"/>
+          </a:effectRef>
+          <a:fontRef idx="minor">
+            <a:schemeClr val="tx1"/>
+          </a:fontRef>
+        </p:style>
+      </p:cxnSp>
+      <p:cxnSp>
+        <p:nvCxnSpPr>
+          <p:cNvPr id="53" name="Rett pilkobling 52">
+            <a:extLst>
+              <a:ext uri="{FF2B5EF4-FFF2-40B4-BE49-F238E27FC236}">
+                <a16:creationId xmlns:a16="http://schemas.microsoft.com/office/drawing/2014/main" id="{53EBC4C0-56F4-4A58-8F4D-AAA805DFEC4E}"/>
+              </a:ext>
+            </a:extLst>
+          </p:cNvPr>
+          <p:cNvCxnSpPr>
+            <a:cxnSpLocks/>
+          </p:cNvCxnSpPr>
+          <p:nvPr/>
+        </p:nvCxnSpPr>
+        <p:spPr>
+          <a:xfrm flipV="1">
+            <a:off x="398137" y="2726215"/>
+            <a:ext cx="4604400" cy="1"/>
+          </a:xfrm>
+          <a:prstGeom prst="straightConnector1">
+            <a:avLst/>
+          </a:prstGeom>
+          <a:ln w="38100">
+            <a:solidFill>
+              <a:schemeClr val="accent1">
+                <a:lumMod val="75000"/>
+              </a:schemeClr>
+            </a:solidFill>
+            <a:tailEnd type="triangle"/>
+          </a:ln>
+        </p:spPr>
+        <p:style>
+          <a:lnRef idx="3">
+            <a:schemeClr val="accent1"/>
+          </a:lnRef>
+          <a:fillRef idx="0">
+            <a:schemeClr val="accent1"/>
+          </a:fillRef>
+          <a:effectRef idx="2">
+            <a:schemeClr val="accent1"/>
+          </a:effectRef>
+          <a:fontRef idx="minor">
+            <a:schemeClr val="tx1"/>
+          </a:fontRef>
+        </p:style>
+      </p:cxnSp>
+      <p:cxnSp>
+        <p:nvCxnSpPr>
+          <p:cNvPr id="54" name="Rett pilkobling 53">
+            <a:extLst>
+              <a:ext uri="{FF2B5EF4-FFF2-40B4-BE49-F238E27FC236}">
+                <a16:creationId xmlns:a16="http://schemas.microsoft.com/office/drawing/2014/main" id="{660CDB34-4874-4E3E-B9F2-D33C62290346}"/>
+              </a:ext>
+            </a:extLst>
+          </p:cNvPr>
+          <p:cNvCxnSpPr>
+            <a:cxnSpLocks/>
+          </p:cNvCxnSpPr>
+          <p:nvPr/>
+        </p:nvCxnSpPr>
+        <p:spPr>
+          <a:xfrm flipH="1" flipV="1">
+            <a:off x="398137" y="2337285"/>
+            <a:ext cx="4604400" cy="1"/>
+          </a:xfrm>
+          <a:prstGeom prst="straightConnector1">
+            <a:avLst/>
+          </a:prstGeom>
+          <a:ln w="38100">
+            <a:solidFill>
+              <a:schemeClr val="accent1">
+                <a:lumMod val="75000"/>
+              </a:schemeClr>
+            </a:solidFill>
+            <a:tailEnd type="triangle"/>
+          </a:ln>
+        </p:spPr>
+        <p:style>
+          <a:lnRef idx="3">
+            <a:schemeClr val="accent1"/>
+          </a:lnRef>
+          <a:fillRef idx="0">
+            <a:schemeClr val="accent1"/>
+          </a:fillRef>
+          <a:effectRef idx="2">
+            <a:schemeClr val="accent1"/>
+          </a:effectRef>
+          <a:fontRef idx="minor">
+            <a:schemeClr val="tx1"/>
+          </a:fontRef>
+        </p:style>
+      </p:cxnSp>
+      <p:cxnSp>
+        <p:nvCxnSpPr>
+          <p:cNvPr id="55" name="Rett pilkobling 54">
+            <a:extLst>
+              <a:ext uri="{FF2B5EF4-FFF2-40B4-BE49-F238E27FC236}">
+                <a16:creationId xmlns:a16="http://schemas.microsoft.com/office/drawing/2014/main" id="{ADCB5447-894E-4F8C-B157-DB301720AA5C}"/>
+              </a:ext>
+            </a:extLst>
+          </p:cNvPr>
+          <p:cNvCxnSpPr>
+            <a:cxnSpLocks/>
+          </p:cNvCxnSpPr>
+          <p:nvPr/>
+        </p:nvCxnSpPr>
+        <p:spPr>
+          <a:xfrm flipV="1">
+            <a:off x="398137" y="1948350"/>
+            <a:ext cx="4604400" cy="1"/>
+          </a:xfrm>
+          <a:prstGeom prst="straightConnector1">
+            <a:avLst/>
+          </a:prstGeom>
+          <a:ln w="38100">
+            <a:solidFill>
+              <a:schemeClr val="accent1">
+                <a:lumMod val="75000"/>
+              </a:schemeClr>
+            </a:solidFill>
+            <a:tailEnd type="triangle"/>
+          </a:ln>
+        </p:spPr>
+        <p:style>
+          <a:lnRef idx="3">
+            <a:schemeClr val="accent1"/>
+          </a:lnRef>
+          <a:fillRef idx="0">
+            <a:schemeClr val="accent1"/>
+          </a:fillRef>
+          <a:effectRef idx="2">
+            <a:schemeClr val="accent1"/>
+          </a:effectRef>
+          <a:fontRef idx="minor">
+            <a:schemeClr val="tx1"/>
+          </a:fontRef>
+        </p:style>
+      </p:cxnSp>
+      <p:cxnSp>
+        <p:nvCxnSpPr>
+          <p:cNvPr id="56" name="Rett pilkobling 55">
+            <a:extLst>
+              <a:ext uri="{FF2B5EF4-FFF2-40B4-BE49-F238E27FC236}">
+                <a16:creationId xmlns:a16="http://schemas.microsoft.com/office/drawing/2014/main" id="{97A62DFA-8A7A-469C-8C1A-CDEC727BCA53}"/>
+              </a:ext>
+            </a:extLst>
+          </p:cNvPr>
+          <p:cNvCxnSpPr>
+            <a:cxnSpLocks/>
+          </p:cNvCxnSpPr>
+          <p:nvPr/>
+        </p:nvCxnSpPr>
+        <p:spPr>
+          <a:xfrm flipH="1" flipV="1">
+            <a:off x="398137" y="1577482"/>
+            <a:ext cx="4604400" cy="1"/>
+          </a:xfrm>
+          <a:prstGeom prst="straightConnector1">
+            <a:avLst/>
+          </a:prstGeom>
+          <a:ln w="38100">
+            <a:solidFill>
+              <a:schemeClr val="accent1">
+                <a:lumMod val="75000"/>
+              </a:schemeClr>
+            </a:solidFill>
+            <a:tailEnd type="triangle"/>
+          </a:ln>
+        </p:spPr>
+        <p:style>
+          <a:lnRef idx="3">
+            <a:schemeClr val="accent1"/>
+          </a:lnRef>
+          <a:fillRef idx="0">
+            <a:schemeClr val="accent1"/>
+          </a:fillRef>
+          <a:effectRef idx="2">
+            <a:schemeClr val="accent1"/>
+          </a:effectRef>
+          <a:fontRef idx="minor">
+            <a:schemeClr val="tx1"/>
+          </a:fontRef>
+        </p:style>
+      </p:cxnSp>
+      <p:cxnSp>
+        <p:nvCxnSpPr>
+          <p:cNvPr id="57" name="Rett pilkobling 56">
+            <a:extLst>
+              <a:ext uri="{FF2B5EF4-FFF2-40B4-BE49-F238E27FC236}">
+                <a16:creationId xmlns:a16="http://schemas.microsoft.com/office/drawing/2014/main" id="{87EB438A-8452-4165-B34F-B8F48CA260FC}"/>
+              </a:ext>
+            </a:extLst>
+          </p:cNvPr>
+          <p:cNvCxnSpPr>
+            <a:cxnSpLocks/>
+          </p:cNvCxnSpPr>
+          <p:nvPr/>
+        </p:nvCxnSpPr>
+        <p:spPr>
+          <a:xfrm flipV="1">
+            <a:off x="398137" y="1203804"/>
+            <a:ext cx="4604400" cy="1"/>
+          </a:xfrm>
+          <a:prstGeom prst="straightConnector1">
+            <a:avLst/>
+          </a:prstGeom>
+          <a:ln w="38100">
+            <a:solidFill>
+              <a:schemeClr val="accent1">
+                <a:lumMod val="75000"/>
+              </a:schemeClr>
+            </a:solidFill>
+            <a:tailEnd type="triangle"/>
+          </a:ln>
+        </p:spPr>
+        <p:style>
+          <a:lnRef idx="3">
+            <a:schemeClr val="accent1"/>
+          </a:lnRef>
+          <a:fillRef idx="0">
+            <a:schemeClr val="accent1"/>
+          </a:fillRef>
+          <a:effectRef idx="2">
+            <a:schemeClr val="accent1"/>
+          </a:effectRef>
+          <a:fontRef idx="minor">
+            <a:schemeClr val="tx1"/>
+          </a:fontRef>
+        </p:style>
+      </p:cxnSp>
+    </p:spTree>
+    <p:extLst>
+      <p:ext uri="{BB962C8B-B14F-4D97-AF65-F5344CB8AC3E}">
+        <p14:creationId xmlns:p14="http://schemas.microsoft.com/office/powerpoint/2010/main" val="2261358215"/>
+      </p:ext>
+    </p:extLst>
+  </p:cSld>
+  <p:clrMapOvr>
+    <a:masterClrMapping/>
+  </p:clrMapOvr>
+</p:sld>
+</file>
+
+<file path=ppt/slides/slide5.xml><?xml version="1.0" encoding="utf-8"?>
+<p:sld xmlns:a="http://schemas.openxmlformats.org/drawingml/2006/main" xmlns:r="http://schemas.openxmlformats.org/officeDocument/2006/relationships" xmlns:p="http://schemas.openxmlformats.org/presentationml/2006/main">
+  <p:cSld>
+    <p:spTree>
+      <p:nvGrpSpPr>
+        <p:cNvPr id="1" name=""/>
+        <p:cNvGrpSpPr/>
+        <p:nvPr/>
+      </p:nvGrpSpPr>
+      <p:grpSpPr>
+        <a:xfrm>
+          <a:off x="0" y="0"/>
+          <a:ext cx="0" cy="0"/>
+          <a:chOff x="0" y="0"/>
+          <a:chExt cx="0" cy="0"/>
+        </a:xfrm>
+      </p:grpSpPr>
+      <p:sp>
+        <p:nvSpPr>
+          <p:cNvPr id="4" name="Rektangel 3">
+            <a:extLst>
+              <a:ext uri="{FF2B5EF4-FFF2-40B4-BE49-F238E27FC236}">
+                <a16:creationId xmlns:a16="http://schemas.microsoft.com/office/drawing/2014/main" id="{DC156D1D-B32D-47BD-9A85-952D514B7659}"/>
+              </a:ext>
+            </a:extLst>
+          </p:cNvPr>
+          <p:cNvSpPr/>
+          <p:nvPr/>
+        </p:nvSpPr>
+        <p:spPr>
+          <a:xfrm>
+            <a:off x="360336" y="360336"/>
+            <a:ext cx="4680001" cy="4680001"/>
+          </a:xfrm>
+          <a:prstGeom prst="rect">
+            <a:avLst/>
+          </a:prstGeom>
+          <a:noFill/>
+          <a:ln w="57150">
+            <a:solidFill>
+              <a:schemeClr val="tx1"/>
+            </a:solidFill>
+          </a:ln>
+        </p:spPr>
+        <p:style>
+          <a:lnRef idx="2">
+            <a:schemeClr val="accent1">
+              <a:shade val="50000"/>
+            </a:schemeClr>
+          </a:lnRef>
+          <a:fillRef idx="1">
+            <a:schemeClr val="accent1"/>
+          </a:fillRef>
+          <a:effectRef idx="0">
+            <a:schemeClr val="accent1"/>
+          </a:effectRef>
+          <a:fontRef idx="minor">
+            <a:schemeClr val="lt1"/>
+          </a:fontRef>
+        </p:style>
+        <p:txBody>
+          <a:bodyPr rtlCol="0" anchor="ctr"/>
+          <a:lstStyle/>
+          <a:p>
+            <a:pPr algn="ctr"/>
+            <a:endParaRPr lang="en-US" sz="1020"/>
+          </a:p>
+        </p:txBody>
+      </p:sp>
+      <p:sp>
+        <p:nvSpPr>
+          <p:cNvPr id="8" name="Rektangel 7">
+            <a:extLst>
+              <a:ext uri="{FF2B5EF4-FFF2-40B4-BE49-F238E27FC236}">
+                <a16:creationId xmlns:a16="http://schemas.microsoft.com/office/drawing/2014/main" id="{26A72A49-6B7A-4249-B21D-3D9C996D0306}"/>
+              </a:ext>
+            </a:extLst>
+          </p:cNvPr>
+          <p:cNvSpPr/>
+          <p:nvPr/>
+        </p:nvSpPr>
+        <p:spPr>
+          <a:xfrm>
+            <a:off x="1620336" y="1620336"/>
+            <a:ext cx="2160000" cy="2160000"/>
+          </a:xfrm>
+          <a:prstGeom prst="rect">
+            <a:avLst/>
+          </a:prstGeom>
+          <a:noFill/>
+          <a:ln w="57150">
+            <a:solidFill>
+              <a:schemeClr val="tx1"/>
+            </a:solidFill>
+            <a:prstDash val="dash"/>
+          </a:ln>
+        </p:spPr>
+        <p:style>
+          <a:lnRef idx="2">
+            <a:schemeClr val="accent1">
+              <a:shade val="50000"/>
+            </a:schemeClr>
+          </a:lnRef>
+          <a:fillRef idx="1">
+            <a:schemeClr val="accent1"/>
+          </a:fillRef>
+          <a:effectRef idx="0">
+            <a:schemeClr val="accent1"/>
+          </a:effectRef>
+          <a:fontRef idx="minor">
+            <a:schemeClr val="lt1"/>
+          </a:fontRef>
+        </p:style>
+        <p:txBody>
+          <a:bodyPr rtlCol="0" anchor="ctr"/>
+          <a:lstStyle/>
+          <a:p>
+            <a:pPr algn="ctr"/>
+            <a:endParaRPr lang="en-US" sz="1020"/>
+          </a:p>
+        </p:txBody>
+      </p:sp>
+      <p:cxnSp>
+        <p:nvCxnSpPr>
+          <p:cNvPr id="51" name="Rett pilkobling 50">
+            <a:extLst>
+              <a:ext uri="{FF2B5EF4-FFF2-40B4-BE49-F238E27FC236}">
+                <a16:creationId xmlns:a16="http://schemas.microsoft.com/office/drawing/2014/main" id="{44CAE399-BF5C-4E0E-9ED0-17226FD5DB6E}"/>
+              </a:ext>
+            </a:extLst>
+          </p:cNvPr>
+          <p:cNvCxnSpPr>
+            <a:cxnSpLocks/>
+          </p:cNvCxnSpPr>
+          <p:nvPr/>
+        </p:nvCxnSpPr>
+        <p:spPr>
+          <a:xfrm flipH="1">
+            <a:off x="1673832" y="1800338"/>
+            <a:ext cx="2084400" cy="1"/>
+          </a:xfrm>
+          <a:prstGeom prst="straightConnector1">
+            <a:avLst/>
+          </a:prstGeom>
+          <a:ln w="38100">
+            <a:solidFill>
+              <a:schemeClr val="accent1">
+                <a:lumMod val="75000"/>
+              </a:schemeClr>
+            </a:solidFill>
+            <a:tailEnd type="triangle"/>
+          </a:ln>
+        </p:spPr>
+        <p:style>
+          <a:lnRef idx="3">
+            <a:schemeClr val="accent1"/>
+          </a:lnRef>
+          <a:fillRef idx="0">
+            <a:schemeClr val="accent1"/>
+          </a:fillRef>
+          <a:effectRef idx="2">
+            <a:schemeClr val="accent1"/>
+          </a:effectRef>
+          <a:fontRef idx="minor">
+            <a:schemeClr val="tx1"/>
+          </a:fontRef>
+        </p:style>
+      </p:cxnSp>
+      <p:cxnSp>
+        <p:nvCxnSpPr>
+          <p:cNvPr id="15" name="Rett pilkobling 14">
+            <a:extLst>
+              <a:ext uri="{FF2B5EF4-FFF2-40B4-BE49-F238E27FC236}">
+                <a16:creationId xmlns:a16="http://schemas.microsoft.com/office/drawing/2014/main" id="{CE81BC63-67AB-4BBB-9ED1-8CB7DBF4F8EA}"/>
+              </a:ext>
+            </a:extLst>
+          </p:cNvPr>
+          <p:cNvCxnSpPr>
+            <a:cxnSpLocks/>
+          </p:cNvCxnSpPr>
+          <p:nvPr/>
+        </p:nvCxnSpPr>
+        <p:spPr>
+          <a:xfrm flipH="1">
+            <a:off x="1653694" y="3600338"/>
+            <a:ext cx="2084400" cy="1"/>
+          </a:xfrm>
+          <a:prstGeom prst="straightConnector1">
+            <a:avLst/>
+          </a:prstGeom>
+          <a:ln w="38100">
+            <a:solidFill>
+              <a:schemeClr val="accent1">
+                <a:lumMod val="75000"/>
+              </a:schemeClr>
+            </a:solidFill>
+            <a:tailEnd type="triangle"/>
+          </a:ln>
+        </p:spPr>
+        <p:style>
+          <a:lnRef idx="3">
+            <a:schemeClr val="accent1"/>
+          </a:lnRef>
+          <a:fillRef idx="0">
+            <a:schemeClr val="accent1"/>
+          </a:fillRef>
+          <a:effectRef idx="2">
+            <a:schemeClr val="accent1"/>
+          </a:effectRef>
+          <a:fontRef idx="minor">
+            <a:schemeClr val="tx1"/>
+          </a:fontRef>
+        </p:style>
+      </p:cxnSp>
+      <p:cxnSp>
+        <p:nvCxnSpPr>
+          <p:cNvPr id="16" name="Rett pilkobling 15">
+            <a:extLst>
+              <a:ext uri="{FF2B5EF4-FFF2-40B4-BE49-F238E27FC236}">
+                <a16:creationId xmlns:a16="http://schemas.microsoft.com/office/drawing/2014/main" id="{61CDB244-0AEA-46D5-91A8-A34E0C465186}"/>
+              </a:ext>
+            </a:extLst>
+          </p:cNvPr>
+          <p:cNvCxnSpPr>
+            <a:cxnSpLocks/>
+          </p:cNvCxnSpPr>
+          <p:nvPr/>
+        </p:nvCxnSpPr>
+        <p:spPr>
+          <a:xfrm>
+            <a:off x="1673832" y="3240338"/>
+            <a:ext cx="2084400" cy="1"/>
+          </a:xfrm>
+          <a:prstGeom prst="straightConnector1">
+            <a:avLst/>
+          </a:prstGeom>
+          <a:ln w="38100">
+            <a:solidFill>
+              <a:schemeClr val="accent1">
+                <a:lumMod val="75000"/>
+              </a:schemeClr>
+            </a:solidFill>
+            <a:tailEnd type="triangle"/>
+          </a:ln>
+        </p:spPr>
+        <p:style>
+          <a:lnRef idx="3">
+            <a:schemeClr val="accent1"/>
+          </a:lnRef>
+          <a:fillRef idx="0">
+            <a:schemeClr val="accent1"/>
+          </a:fillRef>
+          <a:effectRef idx="2">
+            <a:schemeClr val="accent1"/>
+          </a:effectRef>
+          <a:fontRef idx="minor">
+            <a:schemeClr val="tx1"/>
+          </a:fontRef>
+        </p:style>
+      </p:cxnSp>
+      <p:cxnSp>
+        <p:nvCxnSpPr>
+          <p:cNvPr id="17" name="Rett pilkobling 16">
+            <a:extLst>
+              <a:ext uri="{FF2B5EF4-FFF2-40B4-BE49-F238E27FC236}">
+                <a16:creationId xmlns:a16="http://schemas.microsoft.com/office/drawing/2014/main" id="{870D8AEB-64C4-497C-9DC9-A661FC3660CB}"/>
+              </a:ext>
+            </a:extLst>
+          </p:cNvPr>
+          <p:cNvCxnSpPr>
+            <a:cxnSpLocks/>
+          </p:cNvCxnSpPr>
+          <p:nvPr/>
+        </p:nvCxnSpPr>
+        <p:spPr>
+          <a:xfrm flipV="1">
+            <a:off x="1652510" y="2520338"/>
+            <a:ext cx="2084400" cy="1"/>
+          </a:xfrm>
+          <a:prstGeom prst="straightConnector1">
+            <a:avLst/>
+          </a:prstGeom>
+          <a:ln w="38100">
+            <a:solidFill>
+              <a:schemeClr val="accent1">
+                <a:lumMod val="75000"/>
+              </a:schemeClr>
+            </a:solidFill>
+            <a:tailEnd type="triangle"/>
+          </a:ln>
+        </p:spPr>
+        <p:style>
+          <a:lnRef idx="3">
+            <a:schemeClr val="accent1"/>
+          </a:lnRef>
+          <a:fillRef idx="0">
+            <a:schemeClr val="accent1"/>
+          </a:fillRef>
+          <a:effectRef idx="2">
+            <a:schemeClr val="accent1"/>
+          </a:effectRef>
+          <a:fontRef idx="minor">
+            <a:schemeClr val="tx1"/>
+          </a:fontRef>
+        </p:style>
+      </p:cxnSp>
+      <p:cxnSp>
+        <p:nvCxnSpPr>
+          <p:cNvPr id="18" name="Rett pilkobling 17">
+            <a:extLst>
+              <a:ext uri="{FF2B5EF4-FFF2-40B4-BE49-F238E27FC236}">
+                <a16:creationId xmlns:a16="http://schemas.microsoft.com/office/drawing/2014/main" id="{E7A4FD28-01B1-4EF4-9A86-2C5D5CF469E0}"/>
+              </a:ext>
+            </a:extLst>
+          </p:cNvPr>
+          <p:cNvCxnSpPr>
+            <a:cxnSpLocks/>
+          </p:cNvCxnSpPr>
+          <p:nvPr/>
+        </p:nvCxnSpPr>
+        <p:spPr>
+          <a:xfrm>
+            <a:off x="1673832" y="2160338"/>
+            <a:ext cx="2084400" cy="1"/>
+          </a:xfrm>
+          <a:prstGeom prst="straightConnector1">
+            <a:avLst/>
+          </a:prstGeom>
+          <a:ln w="38100">
+            <a:solidFill>
+              <a:schemeClr val="accent1">
+                <a:lumMod val="75000"/>
+              </a:schemeClr>
+            </a:solidFill>
+            <a:tailEnd type="triangle"/>
+          </a:ln>
+        </p:spPr>
+        <p:style>
+          <a:lnRef idx="3">
+            <a:schemeClr val="accent1"/>
+          </a:lnRef>
+          <a:fillRef idx="0">
+            <a:schemeClr val="accent1"/>
+          </a:fillRef>
+          <a:effectRef idx="2">
+            <a:schemeClr val="accent1"/>
+          </a:effectRef>
+          <a:fontRef idx="minor">
+            <a:schemeClr val="tx1"/>
+          </a:fontRef>
+        </p:style>
+      </p:cxnSp>
+      <p:cxnSp>
+        <p:nvCxnSpPr>
+          <p:cNvPr id="19" name="Rett pilkobling 18">
+            <a:extLst>
+              <a:ext uri="{FF2B5EF4-FFF2-40B4-BE49-F238E27FC236}">
+                <a16:creationId xmlns:a16="http://schemas.microsoft.com/office/drawing/2014/main" id="{9E40CDCC-DC09-4ED7-9B41-DE5BE48DDCB7}"/>
+              </a:ext>
+            </a:extLst>
+          </p:cNvPr>
+          <p:cNvCxnSpPr>
+            <a:cxnSpLocks/>
+          </p:cNvCxnSpPr>
+          <p:nvPr/>
+        </p:nvCxnSpPr>
+        <p:spPr>
+          <a:xfrm flipH="1">
+            <a:off x="1652510" y="2880338"/>
+            <a:ext cx="2084400" cy="0"/>
+          </a:xfrm>
+          <a:prstGeom prst="straightConnector1">
+            <a:avLst/>
+          </a:prstGeom>
+          <a:ln w="38100">
+            <a:solidFill>
+              <a:schemeClr val="accent1">
+                <a:lumMod val="75000"/>
+              </a:schemeClr>
+            </a:solidFill>
+            <a:tailEnd type="triangle"/>
+          </a:ln>
+        </p:spPr>
+        <p:style>
+          <a:lnRef idx="3">
+            <a:schemeClr val="accent1"/>
+          </a:lnRef>
+          <a:fillRef idx="0">
+            <a:schemeClr val="accent1"/>
+          </a:fillRef>
+          <a:effectRef idx="2">
+            <a:schemeClr val="accent1"/>
+          </a:effectRef>
+          <a:fontRef idx="minor">
+            <a:schemeClr val="tx1"/>
+          </a:fontRef>
+        </p:style>
+      </p:cxnSp>
+    </p:spTree>
+    <p:extLst>
+      <p:ext uri="{BB962C8B-B14F-4D97-AF65-F5344CB8AC3E}">
+        <p14:creationId xmlns:p14="http://schemas.microsoft.com/office/powerpoint/2010/main" val="3942105716"/>
+      </p:ext>
+    </p:extLst>
+  </p:cSld>
+  <p:clrMapOvr>
+    <a:masterClrMapping/>
+  </p:clrMapOvr>
+</p:sld>
+</file>
+
+<file path=ppt/slides/slide6.xml><?xml version="1.0" encoding="utf-8"?>
+<p:sld xmlns:a="http://schemas.openxmlformats.org/drawingml/2006/main" xmlns:r="http://schemas.openxmlformats.org/officeDocument/2006/relationships" xmlns:p="http://schemas.openxmlformats.org/presentationml/2006/main">
+  <p:cSld>
+    <p:spTree>
+      <p:nvGrpSpPr>
+        <p:cNvPr id="1" name=""/>
+        <p:cNvGrpSpPr/>
+        <p:nvPr/>
+      </p:nvGrpSpPr>
+      <p:grpSpPr>
+        <a:xfrm>
+          <a:off x="0" y="0"/>
+          <a:ext cx="0" cy="0"/>
+          <a:chOff x="0" y="0"/>
+          <a:chExt cx="0" cy="0"/>
+        </a:xfrm>
+      </p:grpSpPr>
+      <p:sp>
+        <p:nvSpPr>
+          <p:cNvPr id="2" name="Ellipse 1">
+            <a:extLst>
+              <a:ext uri="{FF2B5EF4-FFF2-40B4-BE49-F238E27FC236}">
+                <a16:creationId xmlns:a16="http://schemas.microsoft.com/office/drawing/2014/main" id="{D29B88E6-D6D3-4CE1-BEBD-7D608183B8D8}"/>
+              </a:ext>
+            </a:extLst>
+          </p:cNvPr>
+          <p:cNvSpPr/>
+          <p:nvPr/>
+        </p:nvSpPr>
+        <p:spPr>
+          <a:xfrm>
+            <a:off x="900335" y="926484"/>
+            <a:ext cx="3600000" cy="3600000"/>
+          </a:xfrm>
+          <a:prstGeom prst="ellipse">
+            <a:avLst/>
+          </a:prstGeom>
+          <a:noFill/>
+          <a:ln w="57150">
+            <a:prstDash val="dash"/>
+          </a:ln>
+        </p:spPr>
+        <p:style>
+          <a:lnRef idx="2">
+            <a:schemeClr val="dk1"/>
+          </a:lnRef>
+          <a:fillRef idx="1">
+            <a:schemeClr val="lt1"/>
+          </a:fillRef>
+          <a:effectRef idx="0">
+            <a:schemeClr val="dk1"/>
+          </a:effectRef>
+          <a:fontRef idx="minor">
+            <a:schemeClr val="dk1"/>
+          </a:fontRef>
+        </p:style>
+        <p:txBody>
+          <a:bodyPr rtlCol="0" anchor="ctr"/>
+          <a:lstStyle/>
+          <a:p>
+            <a:pPr algn="ctr"/>
+            <a:endParaRPr lang="nb-NO"/>
+          </a:p>
+        </p:txBody>
+      </p:sp>
+      <p:sp>
+        <p:nvSpPr>
+          <p:cNvPr id="4" name="Rektangel 3">
+            <a:extLst>
+              <a:ext uri="{FF2B5EF4-FFF2-40B4-BE49-F238E27FC236}">
+                <a16:creationId xmlns:a16="http://schemas.microsoft.com/office/drawing/2014/main" id="{DC156D1D-B32D-47BD-9A85-952D514B7659}"/>
+              </a:ext>
+            </a:extLst>
+          </p:cNvPr>
+          <p:cNvSpPr/>
+          <p:nvPr/>
+        </p:nvSpPr>
+        <p:spPr>
+          <a:xfrm>
+            <a:off x="360336" y="360336"/>
+            <a:ext cx="4680001" cy="4680001"/>
+          </a:xfrm>
+          <a:prstGeom prst="rect">
+            <a:avLst/>
+          </a:prstGeom>
+          <a:noFill/>
+          <a:ln w="57150">
+            <a:solidFill>
+              <a:schemeClr val="tx1"/>
+            </a:solidFill>
+          </a:ln>
+        </p:spPr>
+        <p:style>
+          <a:lnRef idx="2">
+            <a:schemeClr val="accent1">
+              <a:shade val="50000"/>
+            </a:schemeClr>
+          </a:lnRef>
+          <a:fillRef idx="1">
+            <a:schemeClr val="accent1"/>
+          </a:fillRef>
+          <a:effectRef idx="0">
+            <a:schemeClr val="accent1"/>
+          </a:effectRef>
+          <a:fontRef idx="minor">
+            <a:schemeClr val="lt1"/>
+          </a:fontRef>
+        </p:style>
+        <p:txBody>
+          <a:bodyPr rtlCol="0" anchor="ctr"/>
+          <a:lstStyle/>
+          <a:p>
+            <a:pPr algn="ctr"/>
+            <a:endParaRPr lang="en-US" sz="1020"/>
+          </a:p>
+        </p:txBody>
+      </p:sp>
+      <p:sp>
+        <p:nvSpPr>
+          <p:cNvPr id="14" name="Ellipse 13">
+            <a:extLst>
+              <a:ext uri="{FF2B5EF4-FFF2-40B4-BE49-F238E27FC236}">
+                <a16:creationId xmlns:a16="http://schemas.microsoft.com/office/drawing/2014/main" id="{2B29DCF7-976D-4A49-B101-DF5E1C9D93E4}"/>
+              </a:ext>
+            </a:extLst>
+          </p:cNvPr>
+          <p:cNvSpPr/>
+          <p:nvPr/>
+        </p:nvSpPr>
+        <p:spPr>
+          <a:xfrm>
+            <a:off x="2340336" y="2340336"/>
+            <a:ext cx="720000" cy="720000"/>
+          </a:xfrm>
+          <a:prstGeom prst="ellipse">
+            <a:avLst/>
+          </a:prstGeom>
+          <a:noFill/>
+          <a:ln w="57150">
+            <a:prstDash val="dash"/>
+          </a:ln>
+        </p:spPr>
+        <p:style>
+          <a:lnRef idx="2">
+            <a:schemeClr val="dk1"/>
+          </a:lnRef>
+          <a:fillRef idx="1">
+            <a:schemeClr val="lt1"/>
+          </a:fillRef>
+          <a:effectRef idx="0">
+            <a:schemeClr val="dk1"/>
+          </a:effectRef>
+          <a:fontRef idx="minor">
+            <a:schemeClr val="dk1"/>
+          </a:fontRef>
+        </p:style>
+        <p:txBody>
+          <a:bodyPr rtlCol="0" anchor="ctr"/>
+          <a:lstStyle/>
+          <a:p>
+            <a:pPr algn="ctr"/>
+            <a:endParaRPr lang="nb-NO"/>
+          </a:p>
+        </p:txBody>
+      </p:sp>
+      <p:sp>
+        <p:nvSpPr>
+          <p:cNvPr id="15" name="Ellipse 14">
+            <a:extLst>
+              <a:ext uri="{FF2B5EF4-FFF2-40B4-BE49-F238E27FC236}">
+                <a16:creationId xmlns:a16="http://schemas.microsoft.com/office/drawing/2014/main" id="{7C88A749-5F90-4691-9564-2074458853D0}"/>
+              </a:ext>
+            </a:extLst>
+          </p:cNvPr>
+          <p:cNvSpPr/>
+          <p:nvPr/>
+        </p:nvSpPr>
+        <p:spPr>
+          <a:xfrm>
+            <a:off x="1980336" y="1980336"/>
+            <a:ext cx="1440000" cy="1440000"/>
+          </a:xfrm>
+          <a:prstGeom prst="ellipse">
+            <a:avLst/>
+          </a:prstGeom>
+          <a:noFill/>
+          <a:ln w="38100">
+            <a:solidFill>
+              <a:schemeClr val="accent1">
+                <a:lumMod val="75000"/>
+              </a:schemeClr>
+            </a:solidFill>
+            <a:prstDash val="solid"/>
+          </a:ln>
+        </p:spPr>
+        <p:style>
+          <a:lnRef idx="2">
+            <a:schemeClr val="dk1"/>
+          </a:lnRef>
+          <a:fillRef idx="1">
+            <a:schemeClr val="lt1"/>
+          </a:fillRef>
+          <a:effectRef idx="0">
+            <a:schemeClr val="dk1"/>
+          </a:effectRef>
+          <a:fontRef idx="minor">
+            <a:schemeClr val="dk1"/>
+          </a:fontRef>
+        </p:style>
+        <p:txBody>
+          <a:bodyPr rtlCol="0" anchor="ctr"/>
+          <a:lstStyle/>
+          <a:p>
+            <a:pPr algn="ctr"/>
+            <a:endParaRPr lang="nb-NO"/>
+          </a:p>
+        </p:txBody>
+      </p:sp>
+      <p:cxnSp>
+        <p:nvCxnSpPr>
+          <p:cNvPr id="18" name="Rett pilkobling 17">
+            <a:extLst>
+              <a:ext uri="{FF2B5EF4-FFF2-40B4-BE49-F238E27FC236}">
+                <a16:creationId xmlns:a16="http://schemas.microsoft.com/office/drawing/2014/main" id="{C7C4BF27-AE55-404E-ACC2-D0206E6E5E4D}"/>
+              </a:ext>
+            </a:extLst>
+          </p:cNvPr>
+          <p:cNvCxnSpPr>
+            <a:cxnSpLocks/>
+          </p:cNvCxnSpPr>
+          <p:nvPr/>
+        </p:nvCxnSpPr>
+        <p:spPr>
+          <a:xfrm flipV="1">
+            <a:off x="3420336" y="2605982"/>
+            <a:ext cx="0" cy="120502"/>
+          </a:xfrm>
+          <a:prstGeom prst="straightConnector1">
+            <a:avLst/>
+          </a:prstGeom>
+          <a:ln w="38100">
+            <a:solidFill>
+              <a:schemeClr val="accent1">
+                <a:lumMod val="75000"/>
+              </a:schemeClr>
+            </a:solidFill>
+            <a:tailEnd type="triangle"/>
+          </a:ln>
+        </p:spPr>
+        <p:style>
+          <a:lnRef idx="3">
+            <a:schemeClr val="accent1"/>
+          </a:lnRef>
+          <a:fillRef idx="0">
+            <a:schemeClr val="accent1"/>
+          </a:fillRef>
+          <a:effectRef idx="2">
+            <a:schemeClr val="accent1"/>
+          </a:effectRef>
+          <a:fontRef idx="minor">
+            <a:schemeClr val="tx1"/>
+          </a:fontRef>
+        </p:style>
+      </p:cxnSp>
+      <p:sp>
+        <p:nvSpPr>
+          <p:cNvPr id="20" name="Ellipse 19">
+            <a:extLst>
+              <a:ext uri="{FF2B5EF4-FFF2-40B4-BE49-F238E27FC236}">
+                <a16:creationId xmlns:a16="http://schemas.microsoft.com/office/drawing/2014/main" id="{F296E07F-7DCF-4641-A246-F636E7686A19}"/>
+              </a:ext>
+            </a:extLst>
+          </p:cNvPr>
+          <p:cNvSpPr/>
+          <p:nvPr/>
+        </p:nvSpPr>
+        <p:spPr>
+          <a:xfrm>
+            <a:off x="1620336" y="1626554"/>
+            <a:ext cx="2160000" cy="2160000"/>
+          </a:xfrm>
+          <a:prstGeom prst="ellipse">
+            <a:avLst/>
+          </a:prstGeom>
+          <a:noFill/>
+          <a:ln w="38100">
+            <a:solidFill>
+              <a:schemeClr val="accent1">
+                <a:lumMod val="75000"/>
+              </a:schemeClr>
+            </a:solidFill>
+            <a:prstDash val="solid"/>
+          </a:ln>
+        </p:spPr>
+        <p:style>
+          <a:lnRef idx="2">
+            <a:schemeClr val="dk1"/>
+          </a:lnRef>
+          <a:fillRef idx="1">
+            <a:schemeClr val="lt1"/>
+          </a:fillRef>
+          <a:effectRef idx="0">
+            <a:schemeClr val="dk1"/>
+          </a:effectRef>
+          <a:fontRef idx="minor">
+            <a:schemeClr val="dk1"/>
+          </a:fontRef>
+        </p:style>
+        <p:txBody>
+          <a:bodyPr rtlCol="0" anchor="ctr"/>
+          <a:lstStyle/>
+          <a:p>
+            <a:pPr algn="ctr"/>
+            <a:endParaRPr lang="nb-NO"/>
+          </a:p>
+        </p:txBody>
+      </p:sp>
+      <p:cxnSp>
+        <p:nvCxnSpPr>
+          <p:cNvPr id="21" name="Rett pilkobling 20">
+            <a:extLst>
+              <a:ext uri="{FF2B5EF4-FFF2-40B4-BE49-F238E27FC236}">
+                <a16:creationId xmlns:a16="http://schemas.microsoft.com/office/drawing/2014/main" id="{167FC220-3CD5-4194-8965-A37855CEF48E}"/>
+              </a:ext>
+            </a:extLst>
+          </p:cNvPr>
+          <p:cNvCxnSpPr>
+            <a:cxnSpLocks/>
+          </p:cNvCxnSpPr>
+          <p:nvPr/>
+        </p:nvCxnSpPr>
+        <p:spPr>
+          <a:xfrm flipV="1">
+            <a:off x="4140336" y="2605982"/>
+            <a:ext cx="0" cy="120502"/>
+          </a:xfrm>
+          <a:prstGeom prst="straightConnector1">
+            <a:avLst/>
+          </a:prstGeom>
+          <a:ln w="38100">
+            <a:solidFill>
+              <a:schemeClr val="accent1">
+                <a:lumMod val="75000"/>
+              </a:schemeClr>
+            </a:solidFill>
+            <a:tailEnd type="triangle"/>
+          </a:ln>
+        </p:spPr>
+        <p:style>
+          <a:lnRef idx="3">
+            <a:schemeClr val="accent1"/>
+          </a:lnRef>
+          <a:fillRef idx="0">
+            <a:schemeClr val="accent1"/>
+          </a:fillRef>
+          <a:effectRef idx="2">
+            <a:schemeClr val="accent1"/>
+          </a:effectRef>
+          <a:fontRef idx="minor">
+            <a:schemeClr val="tx1"/>
+          </a:fontRef>
+        </p:style>
+      </p:cxnSp>
+      <p:cxnSp>
+        <p:nvCxnSpPr>
+          <p:cNvPr id="22" name="Rett pilkobling 21">
+            <a:extLst>
+              <a:ext uri="{FF2B5EF4-FFF2-40B4-BE49-F238E27FC236}">
+                <a16:creationId xmlns:a16="http://schemas.microsoft.com/office/drawing/2014/main" id="{84B69EA0-1CCA-4F71-9B83-693FA097B6C3}"/>
+              </a:ext>
+            </a:extLst>
+          </p:cNvPr>
+          <p:cNvCxnSpPr>
+            <a:cxnSpLocks/>
+          </p:cNvCxnSpPr>
+          <p:nvPr/>
+        </p:nvCxnSpPr>
+        <p:spPr>
+          <a:xfrm flipV="1">
+            <a:off x="3780336" y="2605982"/>
+            <a:ext cx="0" cy="120502"/>
+          </a:xfrm>
+          <a:prstGeom prst="straightConnector1">
+            <a:avLst/>
+          </a:prstGeom>
+          <a:ln w="38100">
+            <a:solidFill>
+              <a:schemeClr val="accent1">
+                <a:lumMod val="75000"/>
+              </a:schemeClr>
+            </a:solidFill>
+            <a:tailEnd type="triangle"/>
+          </a:ln>
+        </p:spPr>
+        <p:style>
+          <a:lnRef idx="3">
+            <a:schemeClr val="accent1"/>
+          </a:lnRef>
+          <a:fillRef idx="0">
+            <a:schemeClr val="accent1"/>
+          </a:fillRef>
+          <a:effectRef idx="2">
+            <a:schemeClr val="accent1"/>
+          </a:effectRef>
+          <a:fontRef idx="minor">
+            <a:schemeClr val="tx1"/>
+          </a:fontRef>
+        </p:style>
+      </p:cxnSp>
+      <p:sp>
+        <p:nvSpPr>
+          <p:cNvPr id="23" name="Ellipse 22">
+            <a:extLst>
+              <a:ext uri="{FF2B5EF4-FFF2-40B4-BE49-F238E27FC236}">
+                <a16:creationId xmlns:a16="http://schemas.microsoft.com/office/drawing/2014/main" id="{DF813C68-C339-4E03-9654-C58D52F45F9F}"/>
+              </a:ext>
+            </a:extLst>
+          </p:cNvPr>
+          <p:cNvSpPr/>
+          <p:nvPr/>
+        </p:nvSpPr>
+        <p:spPr>
+          <a:xfrm>
+            <a:off x="1260336" y="1286484"/>
+            <a:ext cx="2880000" cy="2880000"/>
+          </a:xfrm>
+          <a:prstGeom prst="ellipse">
+            <a:avLst/>
+          </a:prstGeom>
+          <a:noFill/>
+          <a:ln w="38100">
+            <a:solidFill>
+              <a:schemeClr val="accent1">
+                <a:lumMod val="75000"/>
+              </a:schemeClr>
+            </a:solidFill>
+            <a:prstDash val="solid"/>
+          </a:ln>
+        </p:spPr>
+        <p:style>
+          <a:lnRef idx="2">
+            <a:schemeClr val="dk1"/>
+          </a:lnRef>
+          <a:fillRef idx="1">
+            <a:schemeClr val="lt1"/>
+          </a:fillRef>
+          <a:effectRef idx="0">
+            <a:schemeClr val="dk1"/>
+          </a:effectRef>
+          <a:fontRef idx="minor">
+            <a:schemeClr val="dk1"/>
+          </a:fontRef>
+        </p:style>
+        <p:txBody>
+          <a:bodyPr rtlCol="0" anchor="ctr"/>
+          <a:lstStyle/>
+          <a:p>
+            <a:pPr algn="ctr"/>
+            <a:endParaRPr lang="nb-NO"/>
+          </a:p>
+        </p:txBody>
+      </p:sp>
+    </p:spTree>
+    <p:extLst>
+      <p:ext uri="{BB962C8B-B14F-4D97-AF65-F5344CB8AC3E}">
+        <p14:creationId xmlns:p14="http://schemas.microsoft.com/office/powerpoint/2010/main" val="3454364044"/>
+      </p:ext>
+    </p:extLst>
+  </p:cSld>
+  <p:clrMapOvr>
+    <a:masterClrMapping/>
+  </p:clrMapOvr>
+</p:sld>
+</file>
+
 <file path=ppt/theme/theme1.xml><?xml version="1.0" encoding="utf-8"?>
 <a:theme xmlns:a="http://schemas.openxmlformats.org/drawingml/2006/main" name="Office-tema">
   <a:themeElements>
-    <a:clrScheme name="Office">
+    <a:clrScheme name="Office-tema">
       <a:dk1>
         <a:sysClr val="windowText" lastClr="000000"/>
       </a:dk1>
@@ -4328,7 +6490,7 @@
         <a:srgbClr val="954F72"/>
       </a:folHlink>
     </a:clrScheme>
-    <a:fontScheme name="Office">
+    <a:fontScheme name="Office-tema">
       <a:majorFont>
         <a:latin typeface="Calibri Light" panose="020F0302020204030204"/>
         <a:ea typeface=""/>
@@ -4363,23 +6525,6 @@
         <a:font script="Viet" typeface="Times New Roman"/>
         <a:font script="Uigh" typeface="Microsoft Uighur"/>
         <a:font script="Geor" typeface="Sylfaen"/>
-        <a:font script="Armn" typeface="Arial"/>
-        <a:font script="Bugi" typeface="Leelawadee UI"/>
-        <a:font script="Bopo" typeface="Microsoft JhengHei"/>
-        <a:font script="Java" typeface="Javanese Text"/>
-        <a:font script="Lisu" typeface="Segoe UI"/>
-        <a:font script="Mymr" typeface="Myanmar Text"/>
-        <a:font script="Nkoo" typeface="Ebrima"/>
-        <a:font script="Olck" typeface="Nirmala UI"/>
-        <a:font script="Osma" typeface="Ebrima"/>
-        <a:font script="Phag" typeface="Phagspa"/>
-        <a:font script="Syrn" typeface="Estrangelo Edessa"/>
-        <a:font script="Syrj" typeface="Estrangelo Edessa"/>
-        <a:font script="Syre" typeface="Estrangelo Edessa"/>
-        <a:font script="Sora" typeface="Nirmala UI"/>
-        <a:font script="Tale" typeface="Microsoft Tai Le"/>
-        <a:font script="Talu" typeface="Microsoft New Tai Lue"/>
-        <a:font script="Tfng" typeface="Ebrima"/>
       </a:majorFont>
       <a:minorFont>
         <a:latin typeface="Calibri" panose="020F0502020204030204"/>
@@ -4415,26 +6560,9 @@
         <a:font script="Viet" typeface="Arial"/>
         <a:font script="Uigh" typeface="Microsoft Uighur"/>
         <a:font script="Geor" typeface="Sylfaen"/>
-        <a:font script="Armn" typeface="Arial"/>
-        <a:font script="Bugi" typeface="Leelawadee UI"/>
-        <a:font script="Bopo" typeface="Microsoft JhengHei"/>
-        <a:font script="Java" typeface="Javanese Text"/>
-        <a:font script="Lisu" typeface="Segoe UI"/>
-        <a:font script="Mymr" typeface="Myanmar Text"/>
-        <a:font script="Nkoo" typeface="Ebrima"/>
-        <a:font script="Olck" typeface="Nirmala UI"/>
-        <a:font script="Osma" typeface="Ebrima"/>
-        <a:font script="Phag" typeface="Phagspa"/>
-        <a:font script="Syrn" typeface="Estrangelo Edessa"/>
-        <a:font script="Syrj" typeface="Estrangelo Edessa"/>
-        <a:font script="Syre" typeface="Estrangelo Edessa"/>
-        <a:font script="Sora" typeface="Nirmala UI"/>
-        <a:font script="Tale" typeface="Microsoft Tai Le"/>
-        <a:font script="Talu" typeface="Microsoft New Tai Lue"/>
-        <a:font script="Tfng" typeface="Ebrima"/>
       </a:minorFont>
     </a:fontScheme>
-    <a:fmtScheme name="Office">
+    <a:fmtScheme name="Office-tema">
       <a:fillStyleLst>
         <a:solidFill>
           <a:schemeClr val="phClr"/>

--- a/Figurer/S.pptx
+++ b/Figurer/S.pptx
@@ -7,10 +7,12 @@
   <p:sldIdLst>
     <p:sldId id="256" r:id="rId2"/>
     <p:sldId id="257" r:id="rId3"/>
-    <p:sldId id="258" r:id="rId4"/>
-    <p:sldId id="261" r:id="rId5"/>
-    <p:sldId id="260" r:id="rId6"/>
-    <p:sldId id="259" r:id="rId7"/>
+    <p:sldId id="263" r:id="rId4"/>
+    <p:sldId id="258" r:id="rId5"/>
+    <p:sldId id="261" r:id="rId6"/>
+    <p:sldId id="262" r:id="rId7"/>
+    <p:sldId id="260" r:id="rId8"/>
+    <p:sldId id="259" r:id="rId9"/>
   </p:sldIdLst>
   <p:sldSz cx="5400675" cy="5400675"/>
   <p:notesSz cx="6858000" cy="9144000"/>
@@ -248,7 +250,7 @@
           <a:p>
             <a:fld id="{91C36D36-47D8-48BF-81DD-A80DFD03B316}" type="datetimeFigureOut">
               <a:rPr lang="en-US" smtClean="0"/>
-              <a:t>5/14/2021</a:t>
+              <a:t>5/18/2021</a:t>
             </a:fld>
             <a:endParaRPr lang="en-US"/>
           </a:p>
@@ -418,7 +420,7 @@
           <a:p>
             <a:fld id="{91C36D36-47D8-48BF-81DD-A80DFD03B316}" type="datetimeFigureOut">
               <a:rPr lang="en-US" smtClean="0"/>
-              <a:t>5/14/2021</a:t>
+              <a:t>5/18/2021</a:t>
             </a:fld>
             <a:endParaRPr lang="en-US"/>
           </a:p>
@@ -598,7 +600,7 @@
           <a:p>
             <a:fld id="{91C36D36-47D8-48BF-81DD-A80DFD03B316}" type="datetimeFigureOut">
               <a:rPr lang="en-US" smtClean="0"/>
-              <a:t>5/14/2021</a:t>
+              <a:t>5/18/2021</a:t>
             </a:fld>
             <a:endParaRPr lang="en-US"/>
           </a:p>
@@ -768,7 +770,7 @@
           <a:p>
             <a:fld id="{91C36D36-47D8-48BF-81DD-A80DFD03B316}" type="datetimeFigureOut">
               <a:rPr lang="en-US" smtClean="0"/>
-              <a:t>5/14/2021</a:t>
+              <a:t>5/18/2021</a:t>
             </a:fld>
             <a:endParaRPr lang="en-US"/>
           </a:p>
@@ -1012,7 +1014,7 @@
           <a:p>
             <a:fld id="{91C36D36-47D8-48BF-81DD-A80DFD03B316}" type="datetimeFigureOut">
               <a:rPr lang="en-US" smtClean="0"/>
-              <a:t>5/14/2021</a:t>
+              <a:t>5/18/2021</a:t>
             </a:fld>
             <a:endParaRPr lang="en-US"/>
           </a:p>
@@ -1244,7 +1246,7 @@
           <a:p>
             <a:fld id="{91C36D36-47D8-48BF-81DD-A80DFD03B316}" type="datetimeFigureOut">
               <a:rPr lang="en-US" smtClean="0"/>
-              <a:t>5/14/2021</a:t>
+              <a:t>5/18/2021</a:t>
             </a:fld>
             <a:endParaRPr lang="en-US"/>
           </a:p>
@@ -1611,7 +1613,7 @@
           <a:p>
             <a:fld id="{91C36D36-47D8-48BF-81DD-A80DFD03B316}" type="datetimeFigureOut">
               <a:rPr lang="en-US" smtClean="0"/>
-              <a:t>5/14/2021</a:t>
+              <a:t>5/18/2021</a:t>
             </a:fld>
             <a:endParaRPr lang="en-US"/>
           </a:p>
@@ -1729,7 +1731,7 @@
           <a:p>
             <a:fld id="{91C36D36-47D8-48BF-81DD-A80DFD03B316}" type="datetimeFigureOut">
               <a:rPr lang="en-US" smtClean="0"/>
-              <a:t>5/14/2021</a:t>
+              <a:t>5/18/2021</a:t>
             </a:fld>
             <a:endParaRPr lang="en-US"/>
           </a:p>
@@ -1824,7 +1826,7 @@
           <a:p>
             <a:fld id="{91C36D36-47D8-48BF-81DD-A80DFD03B316}" type="datetimeFigureOut">
               <a:rPr lang="en-US" smtClean="0"/>
-              <a:t>5/14/2021</a:t>
+              <a:t>5/18/2021</a:t>
             </a:fld>
             <a:endParaRPr lang="en-US"/>
           </a:p>
@@ -2101,7 +2103,7 @@
           <a:p>
             <a:fld id="{91C36D36-47D8-48BF-81DD-A80DFD03B316}" type="datetimeFigureOut">
               <a:rPr lang="en-US" smtClean="0"/>
-              <a:t>5/14/2021</a:t>
+              <a:t>5/18/2021</a:t>
             </a:fld>
             <a:endParaRPr lang="en-US"/>
           </a:p>
@@ -2358,7 +2360,7 @@
           <a:p>
             <a:fld id="{91C36D36-47D8-48BF-81DD-A80DFD03B316}" type="datetimeFigureOut">
               <a:rPr lang="en-US" smtClean="0"/>
-              <a:t>5/14/2021</a:t>
+              <a:t>5/18/2021</a:t>
             </a:fld>
             <a:endParaRPr lang="en-US"/>
           </a:p>
@@ -2571,7 +2573,7 @@
           <a:p>
             <a:fld id="{91C36D36-47D8-48BF-81DD-A80DFD03B316}" type="datetimeFigureOut">
               <a:rPr lang="en-US" smtClean="0"/>
-              <a:t>5/14/2021</a:t>
+              <a:t>5/18/2021</a:t>
             </a:fld>
             <a:endParaRPr lang="en-US"/>
           </a:p>
@@ -4587,12 +4589,67 @@
           </a:p>
         </p:txBody>
       </p:sp>
+      <p:sp>
+        <p:nvSpPr>
+          <p:cNvPr id="13" name="Rektangel 12">
+            <a:extLst>
+              <a:ext uri="{FF2B5EF4-FFF2-40B4-BE49-F238E27FC236}">
+                <a16:creationId xmlns:a16="http://schemas.microsoft.com/office/drawing/2014/main" id="{D9D4008A-7DD6-4120-B212-2A57BE96B82F}"/>
+              </a:ext>
+            </a:extLst>
+          </p:cNvPr>
+          <p:cNvSpPr/>
+          <p:nvPr/>
+        </p:nvSpPr>
+        <p:spPr>
+          <a:xfrm>
+            <a:off x="2417141" y="2417141"/>
+            <a:ext cx="566392" cy="566392"/>
+          </a:xfrm>
+          <a:prstGeom prst="rect">
+            <a:avLst/>
+          </a:prstGeom>
+          <a:noFill/>
+          <a:ln w="38100">
+            <a:solidFill>
+              <a:schemeClr val="accent1">
+                <a:lumMod val="75000"/>
+              </a:schemeClr>
+            </a:solidFill>
+            <a:prstDash val="solid"/>
+          </a:ln>
+        </p:spPr>
+        <p:style>
+          <a:lnRef idx="2">
+            <a:schemeClr val="accent1">
+              <a:shade val="50000"/>
+            </a:schemeClr>
+          </a:lnRef>
+          <a:fillRef idx="1">
+            <a:schemeClr val="accent1"/>
+          </a:fillRef>
+          <a:effectRef idx="0">
+            <a:schemeClr val="accent1"/>
+          </a:effectRef>
+          <a:fontRef idx="minor">
+            <a:schemeClr val="lt1"/>
+          </a:fontRef>
+        </p:style>
+        <p:txBody>
+          <a:bodyPr rtlCol="0" anchor="ctr"/>
+          <a:lstStyle/>
+          <a:p>
+            <a:pPr algn="ctr"/>
+            <a:endParaRPr lang="en-US" sz="1020"/>
+          </a:p>
+        </p:txBody>
+      </p:sp>
       <p:cxnSp>
         <p:nvCxnSpPr>
-          <p:cNvPr id="37" name="Rett pilkobling 36">
-            <a:extLst>
-              <a:ext uri="{FF2B5EF4-FFF2-40B4-BE49-F238E27FC236}">
-                <a16:creationId xmlns:a16="http://schemas.microsoft.com/office/drawing/2014/main" id="{6B3F0E78-5D8B-4B61-9B7B-E04094F7E7D0}"/>
+          <p:cNvPr id="14" name="Rett pilkobling 13">
+            <a:extLst>
+              <a:ext uri="{FF2B5EF4-FFF2-40B4-BE49-F238E27FC236}">
+                <a16:creationId xmlns:a16="http://schemas.microsoft.com/office/drawing/2014/main" id="{7167691F-7E02-4255-8587-269EA711EE39}"/>
               </a:ext>
             </a:extLst>
           </p:cNvPr>
@@ -4603,8 +4660,164 @@
         </p:nvCxnSpPr>
         <p:spPr>
           <a:xfrm flipV="1">
-            <a:off x="966159" y="4222750"/>
-            <a:ext cx="3525553" cy="1"/>
+            <a:off x="2983533" y="2579835"/>
+            <a:ext cx="0" cy="120502"/>
+          </a:xfrm>
+          <a:prstGeom prst="straightConnector1">
+            <a:avLst/>
+          </a:prstGeom>
+          <a:ln w="38100">
+            <a:solidFill>
+              <a:schemeClr val="accent1">
+                <a:lumMod val="75000"/>
+              </a:schemeClr>
+            </a:solidFill>
+            <a:tailEnd type="triangle"/>
+          </a:ln>
+        </p:spPr>
+        <p:style>
+          <a:lnRef idx="3">
+            <a:schemeClr val="accent1"/>
+          </a:lnRef>
+          <a:fillRef idx="0">
+            <a:schemeClr val="accent1"/>
+          </a:fillRef>
+          <a:effectRef idx="2">
+            <a:schemeClr val="accent1"/>
+          </a:effectRef>
+          <a:fontRef idx="minor">
+            <a:schemeClr val="tx1"/>
+          </a:fontRef>
+        </p:style>
+      </p:cxnSp>
+      <p:sp>
+        <p:nvSpPr>
+          <p:cNvPr id="15" name="Rektangel 14">
+            <a:extLst>
+              <a:ext uri="{FF2B5EF4-FFF2-40B4-BE49-F238E27FC236}">
+                <a16:creationId xmlns:a16="http://schemas.microsoft.com/office/drawing/2014/main" id="{FC701087-8195-45C8-89B8-5952FB566134}"/>
+              </a:ext>
+            </a:extLst>
+          </p:cNvPr>
+          <p:cNvSpPr/>
+          <p:nvPr/>
+        </p:nvSpPr>
+        <p:spPr>
+          <a:xfrm>
+            <a:off x="2147049" y="2136683"/>
+            <a:ext cx="1106575" cy="1106575"/>
+          </a:xfrm>
+          <a:prstGeom prst="rect">
+            <a:avLst/>
+          </a:prstGeom>
+          <a:noFill/>
+          <a:ln w="38100">
+            <a:solidFill>
+              <a:schemeClr val="accent1">
+                <a:lumMod val="75000"/>
+              </a:schemeClr>
+            </a:solidFill>
+            <a:prstDash val="solid"/>
+          </a:ln>
+        </p:spPr>
+        <p:style>
+          <a:lnRef idx="2">
+            <a:schemeClr val="accent1">
+              <a:shade val="50000"/>
+            </a:schemeClr>
+          </a:lnRef>
+          <a:fillRef idx="1">
+            <a:schemeClr val="accent1"/>
+          </a:fillRef>
+          <a:effectRef idx="0">
+            <a:schemeClr val="accent1"/>
+          </a:effectRef>
+          <a:fontRef idx="minor">
+            <a:schemeClr val="lt1"/>
+          </a:fontRef>
+        </p:style>
+        <p:txBody>
+          <a:bodyPr rtlCol="0" anchor="ctr"/>
+          <a:lstStyle/>
+          <a:p>
+            <a:pPr algn="ctr"/>
+            <a:endParaRPr lang="en-US" sz="1020"/>
+          </a:p>
+        </p:txBody>
+      </p:sp>
+      <p:sp>
+        <p:nvSpPr>
+          <p:cNvPr id="16" name="Rektangel 15">
+            <a:extLst>
+              <a:ext uri="{FF2B5EF4-FFF2-40B4-BE49-F238E27FC236}">
+                <a16:creationId xmlns:a16="http://schemas.microsoft.com/office/drawing/2014/main" id="{742CA17B-10EE-4872-B2D5-B43D05246398}"/>
+              </a:ext>
+            </a:extLst>
+          </p:cNvPr>
+          <p:cNvSpPr/>
+          <p:nvPr/>
+        </p:nvSpPr>
+        <p:spPr>
+          <a:xfrm>
+            <a:off x="1894121" y="1876473"/>
+            <a:ext cx="1626993" cy="1626993"/>
+          </a:xfrm>
+          <a:prstGeom prst="rect">
+            <a:avLst/>
+          </a:prstGeom>
+          <a:noFill/>
+          <a:ln w="38100">
+            <a:solidFill>
+              <a:schemeClr val="accent1">
+                <a:lumMod val="75000"/>
+              </a:schemeClr>
+            </a:solidFill>
+            <a:prstDash val="solid"/>
+          </a:ln>
+        </p:spPr>
+        <p:style>
+          <a:lnRef idx="2">
+            <a:schemeClr val="accent1">
+              <a:shade val="50000"/>
+            </a:schemeClr>
+          </a:lnRef>
+          <a:fillRef idx="1">
+            <a:schemeClr val="accent1"/>
+          </a:fillRef>
+          <a:effectRef idx="0">
+            <a:schemeClr val="accent1"/>
+          </a:effectRef>
+          <a:fontRef idx="minor">
+            <a:schemeClr val="lt1"/>
+          </a:fontRef>
+        </p:style>
+        <p:txBody>
+          <a:bodyPr rtlCol="0" anchor="ctr"/>
+          <a:lstStyle/>
+          <a:p>
+            <a:pPr algn="ctr"/>
+            <a:endParaRPr lang="en-US" sz="1020"/>
+          </a:p>
+        </p:txBody>
+      </p:sp>
+      <p:cxnSp>
+        <p:nvCxnSpPr>
+          <p:cNvPr id="17" name="Rett pilkobling 16">
+            <a:extLst>
+              <a:ext uri="{FF2B5EF4-FFF2-40B4-BE49-F238E27FC236}">
+                <a16:creationId xmlns:a16="http://schemas.microsoft.com/office/drawing/2014/main" id="{15734476-865A-445A-9A3C-7321D82DE948}"/>
+              </a:ext>
+            </a:extLst>
+          </p:cNvPr>
+          <p:cNvCxnSpPr>
+            <a:cxnSpLocks/>
+          </p:cNvCxnSpPr>
+          <p:nvPr/>
+        </p:nvCxnSpPr>
+        <p:spPr>
+          <a:xfrm flipV="1">
+            <a:off x="3253624" y="2579835"/>
+            <a:ext cx="0" cy="120502"/>
           </a:xfrm>
           <a:prstGeom prst="straightConnector1">
             <a:avLst/>
@@ -4635,10 +4848,10 @@
       </p:cxnSp>
       <p:cxnSp>
         <p:nvCxnSpPr>
-          <p:cNvPr id="50" name="Rett pilkobling 49">
-            <a:extLst>
-              <a:ext uri="{FF2B5EF4-FFF2-40B4-BE49-F238E27FC236}">
-                <a16:creationId xmlns:a16="http://schemas.microsoft.com/office/drawing/2014/main" id="{7AE5C92C-79F6-4555-B4E2-97B741496E6E}"/>
+          <p:cNvPr id="18" name="Rett pilkobling 17">
+            <a:extLst>
+              <a:ext uri="{FF2B5EF4-FFF2-40B4-BE49-F238E27FC236}">
+                <a16:creationId xmlns:a16="http://schemas.microsoft.com/office/drawing/2014/main" id="{67403FF7-D46F-479C-A829-4D8430F6FDC1}"/>
               </a:ext>
             </a:extLst>
           </p:cNvPr>
@@ -4648,9 +4861,9 @@
           <p:nvPr/>
         </p:nvCxnSpPr>
         <p:spPr>
-          <a:xfrm flipH="1" flipV="1">
-            <a:off x="940280" y="3833815"/>
-            <a:ext cx="3525553" cy="1"/>
+          <a:xfrm flipV="1">
+            <a:off x="3521114" y="2579835"/>
+            <a:ext cx="0" cy="120502"/>
           </a:xfrm>
           <a:prstGeom prst="straightConnector1">
             <a:avLst/>
@@ -4679,12 +4892,67 @@
           </a:fontRef>
         </p:style>
       </p:cxnSp>
+      <p:sp>
+        <p:nvSpPr>
+          <p:cNvPr id="19" name="Rektangel 18">
+            <a:extLst>
+              <a:ext uri="{FF2B5EF4-FFF2-40B4-BE49-F238E27FC236}">
+                <a16:creationId xmlns:a16="http://schemas.microsoft.com/office/drawing/2014/main" id="{3DD3BAED-3755-4169-80EC-52F57935CE7D}"/>
+              </a:ext>
+            </a:extLst>
+          </p:cNvPr>
+          <p:cNvSpPr/>
+          <p:nvPr/>
+        </p:nvSpPr>
+        <p:spPr>
+          <a:xfrm>
+            <a:off x="1645952" y="1644842"/>
+            <a:ext cx="2107637" cy="2107637"/>
+          </a:xfrm>
+          <a:prstGeom prst="rect">
+            <a:avLst/>
+          </a:prstGeom>
+          <a:noFill/>
+          <a:ln w="38100">
+            <a:solidFill>
+              <a:schemeClr val="accent1">
+                <a:lumMod val="75000"/>
+              </a:schemeClr>
+            </a:solidFill>
+            <a:prstDash val="solid"/>
+          </a:ln>
+        </p:spPr>
+        <p:style>
+          <a:lnRef idx="2">
+            <a:schemeClr val="accent1">
+              <a:shade val="50000"/>
+            </a:schemeClr>
+          </a:lnRef>
+          <a:fillRef idx="1">
+            <a:schemeClr val="accent1"/>
+          </a:fillRef>
+          <a:effectRef idx="0">
+            <a:schemeClr val="accent1"/>
+          </a:effectRef>
+          <a:fontRef idx="minor">
+            <a:schemeClr val="lt1"/>
+          </a:fontRef>
+        </p:style>
+        <p:txBody>
+          <a:bodyPr rtlCol="0" anchor="ctr"/>
+          <a:lstStyle/>
+          <a:p>
+            <a:pPr algn="ctr"/>
+            <a:endParaRPr lang="en-US" sz="1020"/>
+          </a:p>
+        </p:txBody>
+      </p:sp>
       <p:cxnSp>
         <p:nvCxnSpPr>
-          <p:cNvPr id="51" name="Rett pilkobling 50">
-            <a:extLst>
-              <a:ext uri="{FF2B5EF4-FFF2-40B4-BE49-F238E27FC236}">
-                <a16:creationId xmlns:a16="http://schemas.microsoft.com/office/drawing/2014/main" id="{44CAE399-BF5C-4E0E-9ED0-17226FD5DB6E}"/>
+          <p:cNvPr id="20" name="Rett pilkobling 19">
+            <a:extLst>
+              <a:ext uri="{FF2B5EF4-FFF2-40B4-BE49-F238E27FC236}">
+                <a16:creationId xmlns:a16="http://schemas.microsoft.com/office/drawing/2014/main" id="{2B15F7E0-7CA6-4DDB-853E-14CF90064FBC}"/>
               </a:ext>
             </a:extLst>
           </p:cNvPr>
@@ -4695,8 +4963,8 @@
         </p:nvCxnSpPr>
         <p:spPr>
           <a:xfrm flipV="1">
-            <a:off x="937557" y="3462947"/>
-            <a:ext cx="3525553" cy="1"/>
+            <a:off x="3753589" y="2579835"/>
+            <a:ext cx="0" cy="120502"/>
           </a:xfrm>
           <a:prstGeom prst="straightConnector1">
             <a:avLst/>
@@ -4725,12 +4993,67 @@
           </a:fontRef>
         </p:style>
       </p:cxnSp>
+      <p:sp>
+        <p:nvSpPr>
+          <p:cNvPr id="21" name="Rektangel 20">
+            <a:extLst>
+              <a:ext uri="{FF2B5EF4-FFF2-40B4-BE49-F238E27FC236}">
+                <a16:creationId xmlns:a16="http://schemas.microsoft.com/office/drawing/2014/main" id="{A7893DE2-33ED-4FA0-B798-2D00F2A7F675}"/>
+              </a:ext>
+            </a:extLst>
+          </p:cNvPr>
+          <p:cNvSpPr/>
+          <p:nvPr/>
+        </p:nvSpPr>
+        <p:spPr>
+          <a:xfrm>
+            <a:off x="1408854" y="1413599"/>
+            <a:ext cx="2570122" cy="2570122"/>
+          </a:xfrm>
+          <a:prstGeom prst="rect">
+            <a:avLst/>
+          </a:prstGeom>
+          <a:noFill/>
+          <a:ln w="38100">
+            <a:solidFill>
+              <a:schemeClr val="accent1">
+                <a:lumMod val="75000"/>
+              </a:schemeClr>
+            </a:solidFill>
+            <a:prstDash val="solid"/>
+          </a:ln>
+        </p:spPr>
+        <p:style>
+          <a:lnRef idx="2">
+            <a:schemeClr val="accent1">
+              <a:shade val="50000"/>
+            </a:schemeClr>
+          </a:lnRef>
+          <a:fillRef idx="1">
+            <a:schemeClr val="accent1"/>
+          </a:fillRef>
+          <a:effectRef idx="0">
+            <a:schemeClr val="accent1"/>
+          </a:effectRef>
+          <a:fontRef idx="minor">
+            <a:schemeClr val="lt1"/>
+          </a:fontRef>
+        </p:style>
+        <p:txBody>
+          <a:bodyPr rtlCol="0" anchor="ctr"/>
+          <a:lstStyle/>
+          <a:p>
+            <a:pPr algn="ctr"/>
+            <a:endParaRPr lang="en-US" sz="1020"/>
+          </a:p>
+        </p:txBody>
+      </p:sp>
       <p:cxnSp>
         <p:nvCxnSpPr>
-          <p:cNvPr id="52" name="Rett pilkobling 51">
-            <a:extLst>
-              <a:ext uri="{FF2B5EF4-FFF2-40B4-BE49-F238E27FC236}">
-                <a16:creationId xmlns:a16="http://schemas.microsoft.com/office/drawing/2014/main" id="{34D785CD-E86F-4271-ABF5-8E81B30BFFAA}"/>
+          <p:cNvPr id="22" name="Rett pilkobling 21">
+            <a:extLst>
+              <a:ext uri="{FF2B5EF4-FFF2-40B4-BE49-F238E27FC236}">
+                <a16:creationId xmlns:a16="http://schemas.microsoft.com/office/drawing/2014/main" id="{687BE8B7-41DD-4D09-835F-D2F30328071A}"/>
               </a:ext>
             </a:extLst>
           </p:cNvPr>
@@ -4740,9 +5063,9 @@
           <p:nvPr/>
         </p:nvCxnSpPr>
         <p:spPr>
-          <a:xfrm flipH="1" flipV="1">
-            <a:off x="937558" y="3089269"/>
-            <a:ext cx="3525553" cy="1"/>
+          <a:xfrm flipV="1">
+            <a:off x="3978975" y="2579835"/>
+            <a:ext cx="0" cy="120502"/>
           </a:xfrm>
           <a:prstGeom prst="straightConnector1">
             <a:avLst/>
@@ -4771,12 +5094,67 @@
           </a:fontRef>
         </p:style>
       </p:cxnSp>
+      <p:sp>
+        <p:nvSpPr>
+          <p:cNvPr id="23" name="Rektangel 22">
+            <a:extLst>
+              <a:ext uri="{FF2B5EF4-FFF2-40B4-BE49-F238E27FC236}">
+                <a16:creationId xmlns:a16="http://schemas.microsoft.com/office/drawing/2014/main" id="{CD2A1BC3-884D-4257-A796-2E53EE5B1CAC}"/>
+              </a:ext>
+            </a:extLst>
+          </p:cNvPr>
+          <p:cNvSpPr/>
+          <p:nvPr/>
+        </p:nvSpPr>
+        <p:spPr>
+          <a:xfrm>
+            <a:off x="1166260" y="1157304"/>
+            <a:ext cx="3082716" cy="3082716"/>
+          </a:xfrm>
+          <a:prstGeom prst="rect">
+            <a:avLst/>
+          </a:prstGeom>
+          <a:noFill/>
+          <a:ln w="38100">
+            <a:solidFill>
+              <a:schemeClr val="accent1">
+                <a:lumMod val="75000"/>
+              </a:schemeClr>
+            </a:solidFill>
+            <a:prstDash val="solid"/>
+          </a:ln>
+        </p:spPr>
+        <p:style>
+          <a:lnRef idx="2">
+            <a:schemeClr val="accent1">
+              <a:shade val="50000"/>
+            </a:schemeClr>
+          </a:lnRef>
+          <a:fillRef idx="1">
+            <a:schemeClr val="accent1"/>
+          </a:fillRef>
+          <a:effectRef idx="0">
+            <a:schemeClr val="accent1"/>
+          </a:effectRef>
+          <a:fontRef idx="minor">
+            <a:schemeClr val="lt1"/>
+          </a:fontRef>
+        </p:style>
+        <p:txBody>
+          <a:bodyPr rtlCol="0" anchor="ctr"/>
+          <a:lstStyle/>
+          <a:p>
+            <a:pPr algn="ctr"/>
+            <a:endParaRPr lang="en-US" sz="1020"/>
+          </a:p>
+        </p:txBody>
+      </p:sp>
       <p:cxnSp>
         <p:nvCxnSpPr>
-          <p:cNvPr id="53" name="Rett pilkobling 52">
-            <a:extLst>
-              <a:ext uri="{FF2B5EF4-FFF2-40B4-BE49-F238E27FC236}">
-                <a16:creationId xmlns:a16="http://schemas.microsoft.com/office/drawing/2014/main" id="{53EBC4C0-56F4-4A58-8F4D-AAA805DFEC4E}"/>
+          <p:cNvPr id="24" name="Rett pilkobling 23">
+            <a:extLst>
+              <a:ext uri="{FF2B5EF4-FFF2-40B4-BE49-F238E27FC236}">
+                <a16:creationId xmlns:a16="http://schemas.microsoft.com/office/drawing/2014/main" id="{16AB0CEC-FDA3-48C0-95AB-90B630A51579}"/>
               </a:ext>
             </a:extLst>
           </p:cNvPr>
@@ -4787,192 +5165,8 @@
         </p:nvCxnSpPr>
         <p:spPr>
           <a:xfrm flipV="1">
-            <a:off x="943467" y="2700335"/>
-            <a:ext cx="3525553" cy="1"/>
-          </a:xfrm>
-          <a:prstGeom prst="straightConnector1">
-            <a:avLst/>
-          </a:prstGeom>
-          <a:ln w="38100">
-            <a:solidFill>
-              <a:schemeClr val="accent1">
-                <a:lumMod val="75000"/>
-              </a:schemeClr>
-            </a:solidFill>
-            <a:tailEnd type="triangle"/>
-          </a:ln>
-        </p:spPr>
-        <p:style>
-          <a:lnRef idx="3">
-            <a:schemeClr val="accent1"/>
-          </a:lnRef>
-          <a:fillRef idx="0">
-            <a:schemeClr val="accent1"/>
-          </a:fillRef>
-          <a:effectRef idx="2">
-            <a:schemeClr val="accent1"/>
-          </a:effectRef>
-          <a:fontRef idx="minor">
-            <a:schemeClr val="tx1"/>
-          </a:fontRef>
-        </p:style>
-      </p:cxnSp>
-      <p:cxnSp>
-        <p:nvCxnSpPr>
-          <p:cNvPr id="54" name="Rett pilkobling 53">
-            <a:extLst>
-              <a:ext uri="{FF2B5EF4-FFF2-40B4-BE49-F238E27FC236}">
-                <a16:creationId xmlns:a16="http://schemas.microsoft.com/office/drawing/2014/main" id="{660CDB34-4874-4E3E-B9F2-D33C62290346}"/>
-              </a:ext>
-            </a:extLst>
-          </p:cNvPr>
-          <p:cNvCxnSpPr>
-            <a:cxnSpLocks/>
-          </p:cNvCxnSpPr>
-          <p:nvPr/>
-        </p:nvCxnSpPr>
-        <p:spPr>
-          <a:xfrm flipH="1" flipV="1">
-            <a:off x="948907" y="2311405"/>
-            <a:ext cx="3525553" cy="1"/>
-          </a:xfrm>
-          <a:prstGeom prst="straightConnector1">
-            <a:avLst/>
-          </a:prstGeom>
-          <a:ln w="38100">
-            <a:solidFill>
-              <a:schemeClr val="accent1">
-                <a:lumMod val="75000"/>
-              </a:schemeClr>
-            </a:solidFill>
-            <a:tailEnd type="triangle"/>
-          </a:ln>
-        </p:spPr>
-        <p:style>
-          <a:lnRef idx="3">
-            <a:schemeClr val="accent1"/>
-          </a:lnRef>
-          <a:fillRef idx="0">
-            <a:schemeClr val="accent1"/>
-          </a:fillRef>
-          <a:effectRef idx="2">
-            <a:schemeClr val="accent1"/>
-          </a:effectRef>
-          <a:fontRef idx="minor">
-            <a:schemeClr val="tx1"/>
-          </a:fontRef>
-        </p:style>
-      </p:cxnSp>
-      <p:cxnSp>
-        <p:nvCxnSpPr>
-          <p:cNvPr id="55" name="Rett pilkobling 54">
-            <a:extLst>
-              <a:ext uri="{FF2B5EF4-FFF2-40B4-BE49-F238E27FC236}">
-                <a16:creationId xmlns:a16="http://schemas.microsoft.com/office/drawing/2014/main" id="{ADCB5447-894E-4F8C-B157-DB301720AA5C}"/>
-              </a:ext>
-            </a:extLst>
-          </p:cNvPr>
-          <p:cNvCxnSpPr>
-            <a:cxnSpLocks/>
-          </p:cNvCxnSpPr>
-          <p:nvPr/>
-        </p:nvCxnSpPr>
-        <p:spPr>
-          <a:xfrm flipV="1">
-            <a:off x="974784" y="1922470"/>
-            <a:ext cx="3525553" cy="1"/>
-          </a:xfrm>
-          <a:prstGeom prst="straightConnector1">
-            <a:avLst/>
-          </a:prstGeom>
-          <a:ln w="38100">
-            <a:solidFill>
-              <a:schemeClr val="accent1">
-                <a:lumMod val="75000"/>
-              </a:schemeClr>
-            </a:solidFill>
-            <a:tailEnd type="triangle"/>
-          </a:ln>
-        </p:spPr>
-        <p:style>
-          <a:lnRef idx="3">
-            <a:schemeClr val="accent1"/>
-          </a:lnRef>
-          <a:fillRef idx="0">
-            <a:schemeClr val="accent1"/>
-          </a:fillRef>
-          <a:effectRef idx="2">
-            <a:schemeClr val="accent1"/>
-          </a:effectRef>
-          <a:fontRef idx="minor">
-            <a:schemeClr val="tx1"/>
-          </a:fontRef>
-        </p:style>
-      </p:cxnSp>
-      <p:cxnSp>
-        <p:nvCxnSpPr>
-          <p:cNvPr id="56" name="Rett pilkobling 55">
-            <a:extLst>
-              <a:ext uri="{FF2B5EF4-FFF2-40B4-BE49-F238E27FC236}">
-                <a16:creationId xmlns:a16="http://schemas.microsoft.com/office/drawing/2014/main" id="{97A62DFA-8A7A-469C-8C1A-CDEC727BCA53}"/>
-              </a:ext>
-            </a:extLst>
-          </p:cNvPr>
-          <p:cNvCxnSpPr>
-            <a:cxnSpLocks/>
-          </p:cNvCxnSpPr>
-          <p:nvPr/>
-        </p:nvCxnSpPr>
-        <p:spPr>
-          <a:xfrm flipH="1" flipV="1">
-            <a:off x="946183" y="1551602"/>
-            <a:ext cx="3525553" cy="1"/>
-          </a:xfrm>
-          <a:prstGeom prst="straightConnector1">
-            <a:avLst/>
-          </a:prstGeom>
-          <a:ln w="38100">
-            <a:solidFill>
-              <a:schemeClr val="accent1">
-                <a:lumMod val="75000"/>
-              </a:schemeClr>
-            </a:solidFill>
-            <a:tailEnd type="triangle"/>
-          </a:ln>
-        </p:spPr>
-        <p:style>
-          <a:lnRef idx="3">
-            <a:schemeClr val="accent1"/>
-          </a:lnRef>
-          <a:fillRef idx="0">
-            <a:schemeClr val="accent1"/>
-          </a:fillRef>
-          <a:effectRef idx="2">
-            <a:schemeClr val="accent1"/>
-          </a:effectRef>
-          <a:fontRef idx="minor">
-            <a:schemeClr val="tx1"/>
-          </a:fontRef>
-        </p:style>
-      </p:cxnSp>
-      <p:cxnSp>
-        <p:nvCxnSpPr>
-          <p:cNvPr id="57" name="Rett pilkobling 56">
-            <a:extLst>
-              <a:ext uri="{FF2B5EF4-FFF2-40B4-BE49-F238E27FC236}">
-                <a16:creationId xmlns:a16="http://schemas.microsoft.com/office/drawing/2014/main" id="{87EB438A-8452-4165-B34F-B8F48CA260FC}"/>
-              </a:ext>
-            </a:extLst>
-          </p:cNvPr>
-          <p:cNvCxnSpPr>
-            <a:cxnSpLocks/>
-          </p:cNvCxnSpPr>
-          <p:nvPr/>
-        </p:nvCxnSpPr>
-        <p:spPr>
-          <a:xfrm flipV="1">
-            <a:off x="946184" y="1177924"/>
-            <a:ext cx="3525553" cy="1"/>
+            <a:off x="4248976" y="2569469"/>
+            <a:ext cx="0" cy="120502"/>
           </a:xfrm>
           <a:prstGeom prst="straightConnector1">
             <a:avLst/>
@@ -5004,7 +5198,7 @@
     </p:spTree>
     <p:extLst>
       <p:ext uri="{BB962C8B-B14F-4D97-AF65-F5344CB8AC3E}">
-        <p14:creationId xmlns:p14="http://schemas.microsoft.com/office/powerpoint/2010/main" val="1514310404"/>
+        <p14:creationId xmlns:p14="http://schemas.microsoft.com/office/powerpoint/2010/main" val="939773173"/>
       </p:ext>
     </p:extLst>
   </p:cSld>
@@ -5097,8 +5291,8 @@
         </p:nvSpPr>
         <p:spPr>
           <a:xfrm>
-            <a:off x="365506" y="900336"/>
-            <a:ext cx="4674831" cy="3600001"/>
+            <a:off x="900337" y="900336"/>
+            <a:ext cx="3600001" cy="3600001"/>
           </a:xfrm>
           <a:prstGeom prst="rect">
             <a:avLst/>
@@ -5152,8 +5346,8 @@
         </p:nvCxnSpPr>
         <p:spPr>
           <a:xfrm flipV="1">
-            <a:off x="398137" y="4248630"/>
-            <a:ext cx="4604400" cy="1"/>
+            <a:off x="966159" y="4222750"/>
+            <a:ext cx="3525553" cy="1"/>
           </a:xfrm>
           <a:prstGeom prst="straightConnector1">
             <a:avLst/>
@@ -5198,8 +5392,8 @@
         </p:nvCxnSpPr>
         <p:spPr>
           <a:xfrm flipH="1" flipV="1">
-            <a:off x="398137" y="3859695"/>
-            <a:ext cx="4604400" cy="1"/>
+            <a:off x="940280" y="3833815"/>
+            <a:ext cx="3525553" cy="1"/>
           </a:xfrm>
           <a:prstGeom prst="straightConnector1">
             <a:avLst/>
@@ -5244,8 +5438,8 @@
         </p:nvCxnSpPr>
         <p:spPr>
           <a:xfrm flipV="1">
-            <a:off x="398137" y="3488827"/>
-            <a:ext cx="4604400" cy="1"/>
+            <a:off x="937557" y="3462947"/>
+            <a:ext cx="3525553" cy="1"/>
           </a:xfrm>
           <a:prstGeom prst="straightConnector1">
             <a:avLst/>
@@ -5290,8 +5484,8 @@
         </p:nvCxnSpPr>
         <p:spPr>
           <a:xfrm flipH="1" flipV="1">
-            <a:off x="398137" y="3115149"/>
-            <a:ext cx="4604400" cy="1"/>
+            <a:off x="937558" y="3089269"/>
+            <a:ext cx="3525553" cy="1"/>
           </a:xfrm>
           <a:prstGeom prst="straightConnector1">
             <a:avLst/>
@@ -5336,8 +5530,8 @@
         </p:nvCxnSpPr>
         <p:spPr>
           <a:xfrm flipV="1">
-            <a:off x="398137" y="2726215"/>
-            <a:ext cx="4604400" cy="1"/>
+            <a:off x="943467" y="2700335"/>
+            <a:ext cx="3525553" cy="1"/>
           </a:xfrm>
           <a:prstGeom prst="straightConnector1">
             <a:avLst/>
@@ -5382,8 +5576,8 @@
         </p:nvCxnSpPr>
         <p:spPr>
           <a:xfrm flipH="1" flipV="1">
-            <a:off x="398137" y="2337285"/>
-            <a:ext cx="4604400" cy="1"/>
+            <a:off x="948907" y="2311405"/>
+            <a:ext cx="3525553" cy="1"/>
           </a:xfrm>
           <a:prstGeom prst="straightConnector1">
             <a:avLst/>
@@ -5428,8 +5622,8 @@
         </p:nvCxnSpPr>
         <p:spPr>
           <a:xfrm flipV="1">
-            <a:off x="398137" y="1948350"/>
-            <a:ext cx="4604400" cy="1"/>
+            <a:off x="974784" y="1922470"/>
+            <a:ext cx="3525553" cy="1"/>
           </a:xfrm>
           <a:prstGeom prst="straightConnector1">
             <a:avLst/>
@@ -5474,8 +5668,8 @@
         </p:nvCxnSpPr>
         <p:spPr>
           <a:xfrm flipH="1" flipV="1">
-            <a:off x="398137" y="1577482"/>
-            <a:ext cx="4604400" cy="1"/>
+            <a:off x="946183" y="1551602"/>
+            <a:ext cx="3525553" cy="1"/>
           </a:xfrm>
           <a:prstGeom prst="straightConnector1">
             <a:avLst/>
@@ -5520,8 +5714,8 @@
         </p:nvCxnSpPr>
         <p:spPr>
           <a:xfrm flipV="1">
-            <a:off x="398137" y="1203804"/>
-            <a:ext cx="4604400" cy="1"/>
+            <a:off x="946184" y="1177924"/>
+            <a:ext cx="3525553" cy="1"/>
           </a:xfrm>
           <a:prstGeom prst="straightConnector1">
             <a:avLst/>
@@ -5553,7 +5747,7 @@
     </p:spTree>
     <p:extLst>
       <p:ext uri="{BB962C8B-B14F-4D97-AF65-F5344CB8AC3E}">
-        <p14:creationId xmlns:p14="http://schemas.microsoft.com/office/powerpoint/2010/main" val="2261358215"/>
+        <p14:creationId xmlns:p14="http://schemas.microsoft.com/office/powerpoint/2010/main" val="1514310404"/>
       </p:ext>
     </p:extLst>
   </p:cSld>
@@ -5646,6 +5840,1288 @@
         </p:nvSpPr>
         <p:spPr>
           <a:xfrm>
+            <a:off x="365506" y="900336"/>
+            <a:ext cx="4674831" cy="3600001"/>
+          </a:xfrm>
+          <a:prstGeom prst="rect">
+            <a:avLst/>
+          </a:prstGeom>
+          <a:noFill/>
+          <a:ln w="57150">
+            <a:solidFill>
+              <a:schemeClr val="tx1"/>
+            </a:solidFill>
+            <a:prstDash val="dash"/>
+          </a:ln>
+        </p:spPr>
+        <p:style>
+          <a:lnRef idx="2">
+            <a:schemeClr val="accent1">
+              <a:shade val="50000"/>
+            </a:schemeClr>
+          </a:lnRef>
+          <a:fillRef idx="1">
+            <a:schemeClr val="accent1"/>
+          </a:fillRef>
+          <a:effectRef idx="0">
+            <a:schemeClr val="accent1"/>
+          </a:effectRef>
+          <a:fontRef idx="minor">
+            <a:schemeClr val="lt1"/>
+          </a:fontRef>
+        </p:style>
+        <p:txBody>
+          <a:bodyPr rtlCol="0" anchor="ctr"/>
+          <a:lstStyle/>
+          <a:p>
+            <a:pPr algn="ctr"/>
+            <a:endParaRPr lang="en-US" sz="1020"/>
+          </a:p>
+        </p:txBody>
+      </p:sp>
+      <p:cxnSp>
+        <p:nvCxnSpPr>
+          <p:cNvPr id="13" name="Rett pilkobling 12">
+            <a:extLst>
+              <a:ext uri="{FF2B5EF4-FFF2-40B4-BE49-F238E27FC236}">
+                <a16:creationId xmlns:a16="http://schemas.microsoft.com/office/drawing/2014/main" id="{22ED6E84-CF96-4171-AA5B-CCEB6729A1EA}"/>
+              </a:ext>
+            </a:extLst>
+          </p:cNvPr>
+          <p:cNvCxnSpPr>
+            <a:cxnSpLocks/>
+          </p:cNvCxnSpPr>
+          <p:nvPr/>
+        </p:nvCxnSpPr>
+        <p:spPr>
+          <a:xfrm rot="16200000">
+            <a:off x="-1022397" y="2700335"/>
+            <a:ext cx="3525553" cy="1"/>
+          </a:xfrm>
+          <a:prstGeom prst="straightConnector1">
+            <a:avLst/>
+          </a:prstGeom>
+          <a:ln w="38100">
+            <a:solidFill>
+              <a:schemeClr val="accent1">
+                <a:lumMod val="75000"/>
+              </a:schemeClr>
+            </a:solidFill>
+            <a:tailEnd type="triangle"/>
+          </a:ln>
+        </p:spPr>
+        <p:style>
+          <a:lnRef idx="3">
+            <a:schemeClr val="accent1"/>
+          </a:lnRef>
+          <a:fillRef idx="0">
+            <a:schemeClr val="accent1"/>
+          </a:fillRef>
+          <a:effectRef idx="2">
+            <a:schemeClr val="accent1"/>
+          </a:effectRef>
+          <a:fontRef idx="minor">
+            <a:schemeClr val="tx1"/>
+          </a:fontRef>
+        </p:style>
+      </p:cxnSp>
+      <p:cxnSp>
+        <p:nvCxnSpPr>
+          <p:cNvPr id="14" name="Rett pilkobling 13">
+            <a:extLst>
+              <a:ext uri="{FF2B5EF4-FFF2-40B4-BE49-F238E27FC236}">
+                <a16:creationId xmlns:a16="http://schemas.microsoft.com/office/drawing/2014/main" id="{DBCEA874-9D03-4A90-977B-776A400A2EAE}"/>
+              </a:ext>
+            </a:extLst>
+          </p:cNvPr>
+          <p:cNvCxnSpPr>
+            <a:cxnSpLocks/>
+          </p:cNvCxnSpPr>
+          <p:nvPr/>
+        </p:nvCxnSpPr>
+        <p:spPr>
+          <a:xfrm rot="5400000" flipV="1">
+            <a:off x="-694117" y="2700335"/>
+            <a:ext cx="3525553" cy="1"/>
+          </a:xfrm>
+          <a:prstGeom prst="straightConnector1">
+            <a:avLst/>
+          </a:prstGeom>
+          <a:ln w="38100">
+            <a:solidFill>
+              <a:schemeClr val="accent1">
+                <a:lumMod val="75000"/>
+              </a:schemeClr>
+            </a:solidFill>
+            <a:tailEnd type="triangle"/>
+          </a:ln>
+        </p:spPr>
+        <p:style>
+          <a:lnRef idx="3">
+            <a:schemeClr val="accent1"/>
+          </a:lnRef>
+          <a:fillRef idx="0">
+            <a:schemeClr val="accent1"/>
+          </a:fillRef>
+          <a:effectRef idx="2">
+            <a:schemeClr val="accent1"/>
+          </a:effectRef>
+          <a:fontRef idx="minor">
+            <a:schemeClr val="tx1"/>
+          </a:fontRef>
+        </p:style>
+      </p:cxnSp>
+      <p:cxnSp>
+        <p:nvCxnSpPr>
+          <p:cNvPr id="15" name="Rett pilkobling 14">
+            <a:extLst>
+              <a:ext uri="{FF2B5EF4-FFF2-40B4-BE49-F238E27FC236}">
+                <a16:creationId xmlns:a16="http://schemas.microsoft.com/office/drawing/2014/main" id="{5DDCA9A9-F262-4AFF-8E56-3BC72B5BAA9A}"/>
+              </a:ext>
+            </a:extLst>
+          </p:cNvPr>
+          <p:cNvCxnSpPr>
+            <a:cxnSpLocks/>
+          </p:cNvCxnSpPr>
+          <p:nvPr/>
+        </p:nvCxnSpPr>
+        <p:spPr>
+          <a:xfrm rot="16200000">
+            <a:off x="-365837" y="2700335"/>
+            <a:ext cx="3525553" cy="1"/>
+          </a:xfrm>
+          <a:prstGeom prst="straightConnector1">
+            <a:avLst/>
+          </a:prstGeom>
+          <a:ln w="38100">
+            <a:solidFill>
+              <a:schemeClr val="accent1">
+                <a:lumMod val="75000"/>
+              </a:schemeClr>
+            </a:solidFill>
+            <a:tailEnd type="triangle"/>
+          </a:ln>
+        </p:spPr>
+        <p:style>
+          <a:lnRef idx="3">
+            <a:schemeClr val="accent1"/>
+          </a:lnRef>
+          <a:fillRef idx="0">
+            <a:schemeClr val="accent1"/>
+          </a:fillRef>
+          <a:effectRef idx="2">
+            <a:schemeClr val="accent1"/>
+          </a:effectRef>
+          <a:fontRef idx="minor">
+            <a:schemeClr val="tx1"/>
+          </a:fontRef>
+        </p:style>
+      </p:cxnSp>
+      <p:cxnSp>
+        <p:nvCxnSpPr>
+          <p:cNvPr id="16" name="Rett pilkobling 15">
+            <a:extLst>
+              <a:ext uri="{FF2B5EF4-FFF2-40B4-BE49-F238E27FC236}">
+                <a16:creationId xmlns:a16="http://schemas.microsoft.com/office/drawing/2014/main" id="{02BA6231-9BC3-4B5B-B91A-B0B5057B8238}"/>
+              </a:ext>
+            </a:extLst>
+          </p:cNvPr>
+          <p:cNvCxnSpPr>
+            <a:cxnSpLocks/>
+          </p:cNvCxnSpPr>
+          <p:nvPr/>
+        </p:nvCxnSpPr>
+        <p:spPr>
+          <a:xfrm rot="5400000" flipV="1">
+            <a:off x="-37557" y="2700335"/>
+            <a:ext cx="3525553" cy="1"/>
+          </a:xfrm>
+          <a:prstGeom prst="straightConnector1">
+            <a:avLst/>
+          </a:prstGeom>
+          <a:ln w="38100">
+            <a:solidFill>
+              <a:schemeClr val="accent1">
+                <a:lumMod val="75000"/>
+              </a:schemeClr>
+            </a:solidFill>
+            <a:tailEnd type="triangle"/>
+          </a:ln>
+        </p:spPr>
+        <p:style>
+          <a:lnRef idx="3">
+            <a:schemeClr val="accent1"/>
+          </a:lnRef>
+          <a:fillRef idx="0">
+            <a:schemeClr val="accent1"/>
+          </a:fillRef>
+          <a:effectRef idx="2">
+            <a:schemeClr val="accent1"/>
+          </a:effectRef>
+          <a:fontRef idx="minor">
+            <a:schemeClr val="tx1"/>
+          </a:fontRef>
+        </p:style>
+      </p:cxnSp>
+      <p:cxnSp>
+        <p:nvCxnSpPr>
+          <p:cNvPr id="17" name="Rett pilkobling 16">
+            <a:extLst>
+              <a:ext uri="{FF2B5EF4-FFF2-40B4-BE49-F238E27FC236}">
+                <a16:creationId xmlns:a16="http://schemas.microsoft.com/office/drawing/2014/main" id="{9AF172E5-8713-47D1-BB63-748FF3106F57}"/>
+              </a:ext>
+            </a:extLst>
+          </p:cNvPr>
+          <p:cNvCxnSpPr>
+            <a:cxnSpLocks/>
+          </p:cNvCxnSpPr>
+          <p:nvPr/>
+        </p:nvCxnSpPr>
+        <p:spPr>
+          <a:xfrm rot="16200000">
+            <a:off x="290724" y="2708429"/>
+            <a:ext cx="3525553" cy="1"/>
+          </a:xfrm>
+          <a:prstGeom prst="straightConnector1">
+            <a:avLst/>
+          </a:prstGeom>
+          <a:ln w="38100">
+            <a:solidFill>
+              <a:schemeClr val="accent1">
+                <a:lumMod val="75000"/>
+              </a:schemeClr>
+            </a:solidFill>
+            <a:tailEnd type="triangle"/>
+          </a:ln>
+        </p:spPr>
+        <p:style>
+          <a:lnRef idx="3">
+            <a:schemeClr val="accent1"/>
+          </a:lnRef>
+          <a:fillRef idx="0">
+            <a:schemeClr val="accent1"/>
+          </a:fillRef>
+          <a:effectRef idx="2">
+            <a:schemeClr val="accent1"/>
+          </a:effectRef>
+          <a:fontRef idx="minor">
+            <a:schemeClr val="tx1"/>
+          </a:fontRef>
+        </p:style>
+      </p:cxnSp>
+      <p:cxnSp>
+        <p:nvCxnSpPr>
+          <p:cNvPr id="18" name="Rett pilkobling 17">
+            <a:extLst>
+              <a:ext uri="{FF2B5EF4-FFF2-40B4-BE49-F238E27FC236}">
+                <a16:creationId xmlns:a16="http://schemas.microsoft.com/office/drawing/2014/main" id="{59BC243F-12F2-4587-8291-ADFC58D3D810}"/>
+              </a:ext>
+            </a:extLst>
+          </p:cNvPr>
+          <p:cNvCxnSpPr>
+            <a:cxnSpLocks/>
+          </p:cNvCxnSpPr>
+          <p:nvPr/>
+        </p:nvCxnSpPr>
+        <p:spPr>
+          <a:xfrm rot="5400000" flipV="1">
+            <a:off x="619004" y="2708429"/>
+            <a:ext cx="3525553" cy="1"/>
+          </a:xfrm>
+          <a:prstGeom prst="straightConnector1">
+            <a:avLst/>
+          </a:prstGeom>
+          <a:ln w="38100">
+            <a:solidFill>
+              <a:schemeClr val="accent1">
+                <a:lumMod val="75000"/>
+              </a:schemeClr>
+            </a:solidFill>
+            <a:tailEnd type="triangle"/>
+          </a:ln>
+        </p:spPr>
+        <p:style>
+          <a:lnRef idx="3">
+            <a:schemeClr val="accent1"/>
+          </a:lnRef>
+          <a:fillRef idx="0">
+            <a:schemeClr val="accent1"/>
+          </a:fillRef>
+          <a:effectRef idx="2">
+            <a:schemeClr val="accent1"/>
+          </a:effectRef>
+          <a:fontRef idx="minor">
+            <a:schemeClr val="tx1"/>
+          </a:fontRef>
+        </p:style>
+      </p:cxnSp>
+      <p:cxnSp>
+        <p:nvCxnSpPr>
+          <p:cNvPr id="19" name="Rett pilkobling 18">
+            <a:extLst>
+              <a:ext uri="{FF2B5EF4-FFF2-40B4-BE49-F238E27FC236}">
+                <a16:creationId xmlns:a16="http://schemas.microsoft.com/office/drawing/2014/main" id="{7725EFC2-890C-4BF5-A1E2-560FBFA4F044}"/>
+              </a:ext>
+            </a:extLst>
+          </p:cNvPr>
+          <p:cNvCxnSpPr>
+            <a:cxnSpLocks/>
+          </p:cNvCxnSpPr>
+          <p:nvPr/>
+        </p:nvCxnSpPr>
+        <p:spPr>
+          <a:xfrm rot="16200000">
+            <a:off x="947284" y="2708429"/>
+            <a:ext cx="3525553" cy="1"/>
+          </a:xfrm>
+          <a:prstGeom prst="straightConnector1">
+            <a:avLst/>
+          </a:prstGeom>
+          <a:ln w="38100">
+            <a:solidFill>
+              <a:schemeClr val="accent1">
+                <a:lumMod val="75000"/>
+              </a:schemeClr>
+            </a:solidFill>
+            <a:tailEnd type="triangle"/>
+          </a:ln>
+        </p:spPr>
+        <p:style>
+          <a:lnRef idx="3">
+            <a:schemeClr val="accent1"/>
+          </a:lnRef>
+          <a:fillRef idx="0">
+            <a:schemeClr val="accent1"/>
+          </a:fillRef>
+          <a:effectRef idx="2">
+            <a:schemeClr val="accent1"/>
+          </a:effectRef>
+          <a:fontRef idx="minor">
+            <a:schemeClr val="tx1"/>
+          </a:fontRef>
+        </p:style>
+      </p:cxnSp>
+      <p:cxnSp>
+        <p:nvCxnSpPr>
+          <p:cNvPr id="20" name="Rett pilkobling 19">
+            <a:extLst>
+              <a:ext uri="{FF2B5EF4-FFF2-40B4-BE49-F238E27FC236}">
+                <a16:creationId xmlns:a16="http://schemas.microsoft.com/office/drawing/2014/main" id="{87919CC6-DF9E-40C5-884F-4DFC94268624}"/>
+              </a:ext>
+            </a:extLst>
+          </p:cNvPr>
+          <p:cNvCxnSpPr>
+            <a:cxnSpLocks/>
+          </p:cNvCxnSpPr>
+          <p:nvPr/>
+        </p:nvCxnSpPr>
+        <p:spPr>
+          <a:xfrm rot="5400000" flipV="1">
+            <a:off x="1275564" y="2708429"/>
+            <a:ext cx="3525553" cy="1"/>
+          </a:xfrm>
+          <a:prstGeom prst="straightConnector1">
+            <a:avLst/>
+          </a:prstGeom>
+          <a:ln w="38100">
+            <a:solidFill>
+              <a:schemeClr val="accent1">
+                <a:lumMod val="75000"/>
+              </a:schemeClr>
+            </a:solidFill>
+            <a:tailEnd type="triangle"/>
+          </a:ln>
+        </p:spPr>
+        <p:style>
+          <a:lnRef idx="3">
+            <a:schemeClr val="accent1"/>
+          </a:lnRef>
+          <a:fillRef idx="0">
+            <a:schemeClr val="accent1"/>
+          </a:fillRef>
+          <a:effectRef idx="2">
+            <a:schemeClr val="accent1"/>
+          </a:effectRef>
+          <a:fontRef idx="minor">
+            <a:schemeClr val="tx1"/>
+          </a:fontRef>
+        </p:style>
+      </p:cxnSp>
+      <p:cxnSp>
+        <p:nvCxnSpPr>
+          <p:cNvPr id="21" name="Rett pilkobling 20">
+            <a:extLst>
+              <a:ext uri="{FF2B5EF4-FFF2-40B4-BE49-F238E27FC236}">
+                <a16:creationId xmlns:a16="http://schemas.microsoft.com/office/drawing/2014/main" id="{95CEA123-6F88-4A23-976D-E14A1021AE19}"/>
+              </a:ext>
+            </a:extLst>
+          </p:cNvPr>
+          <p:cNvCxnSpPr>
+            <a:cxnSpLocks/>
+          </p:cNvCxnSpPr>
+          <p:nvPr/>
+        </p:nvCxnSpPr>
+        <p:spPr>
+          <a:xfrm rot="16200000">
+            <a:off x="1603843" y="2737560"/>
+            <a:ext cx="3525553" cy="1"/>
+          </a:xfrm>
+          <a:prstGeom prst="straightConnector1">
+            <a:avLst/>
+          </a:prstGeom>
+          <a:ln w="38100">
+            <a:solidFill>
+              <a:schemeClr val="accent1">
+                <a:lumMod val="75000"/>
+              </a:schemeClr>
+            </a:solidFill>
+            <a:tailEnd type="triangle"/>
+          </a:ln>
+        </p:spPr>
+        <p:style>
+          <a:lnRef idx="3">
+            <a:schemeClr val="accent1"/>
+          </a:lnRef>
+          <a:fillRef idx="0">
+            <a:schemeClr val="accent1"/>
+          </a:fillRef>
+          <a:effectRef idx="2">
+            <a:schemeClr val="accent1"/>
+          </a:effectRef>
+          <a:fontRef idx="minor">
+            <a:schemeClr val="tx1"/>
+          </a:fontRef>
+        </p:style>
+      </p:cxnSp>
+      <p:cxnSp>
+        <p:nvCxnSpPr>
+          <p:cNvPr id="22" name="Rett pilkobling 21">
+            <a:extLst>
+              <a:ext uri="{FF2B5EF4-FFF2-40B4-BE49-F238E27FC236}">
+                <a16:creationId xmlns:a16="http://schemas.microsoft.com/office/drawing/2014/main" id="{CD88B6BE-C310-47DA-ABDF-5C46ACC3E2EC}"/>
+              </a:ext>
+            </a:extLst>
+          </p:cNvPr>
+          <p:cNvCxnSpPr>
+            <a:cxnSpLocks/>
+          </p:cNvCxnSpPr>
+          <p:nvPr/>
+        </p:nvCxnSpPr>
+        <p:spPr>
+          <a:xfrm rot="5400000" flipV="1">
+            <a:off x="1932123" y="2737560"/>
+            <a:ext cx="3525553" cy="1"/>
+          </a:xfrm>
+          <a:prstGeom prst="straightConnector1">
+            <a:avLst/>
+          </a:prstGeom>
+          <a:ln w="38100">
+            <a:solidFill>
+              <a:schemeClr val="accent1">
+                <a:lumMod val="75000"/>
+              </a:schemeClr>
+            </a:solidFill>
+            <a:tailEnd type="triangle"/>
+          </a:ln>
+        </p:spPr>
+        <p:style>
+          <a:lnRef idx="3">
+            <a:schemeClr val="accent1"/>
+          </a:lnRef>
+          <a:fillRef idx="0">
+            <a:schemeClr val="accent1"/>
+          </a:fillRef>
+          <a:effectRef idx="2">
+            <a:schemeClr val="accent1"/>
+          </a:effectRef>
+          <a:fontRef idx="minor">
+            <a:schemeClr val="tx1"/>
+          </a:fontRef>
+        </p:style>
+      </p:cxnSp>
+      <p:cxnSp>
+        <p:nvCxnSpPr>
+          <p:cNvPr id="23" name="Rett pilkobling 22">
+            <a:extLst>
+              <a:ext uri="{FF2B5EF4-FFF2-40B4-BE49-F238E27FC236}">
+                <a16:creationId xmlns:a16="http://schemas.microsoft.com/office/drawing/2014/main" id="{BA1EBC4D-69F6-4F97-BEDD-3CA9741765B3}"/>
+              </a:ext>
+            </a:extLst>
+          </p:cNvPr>
+          <p:cNvCxnSpPr>
+            <a:cxnSpLocks/>
+          </p:cNvCxnSpPr>
+          <p:nvPr/>
+        </p:nvCxnSpPr>
+        <p:spPr>
+          <a:xfrm rot="16200000">
+            <a:off x="2260403" y="2737560"/>
+            <a:ext cx="3525553" cy="1"/>
+          </a:xfrm>
+          <a:prstGeom prst="straightConnector1">
+            <a:avLst/>
+          </a:prstGeom>
+          <a:ln w="38100">
+            <a:solidFill>
+              <a:schemeClr val="accent1">
+                <a:lumMod val="75000"/>
+              </a:schemeClr>
+            </a:solidFill>
+            <a:tailEnd type="triangle"/>
+          </a:ln>
+        </p:spPr>
+        <p:style>
+          <a:lnRef idx="3">
+            <a:schemeClr val="accent1"/>
+          </a:lnRef>
+          <a:fillRef idx="0">
+            <a:schemeClr val="accent1"/>
+          </a:fillRef>
+          <a:effectRef idx="2">
+            <a:schemeClr val="accent1"/>
+          </a:effectRef>
+          <a:fontRef idx="minor">
+            <a:schemeClr val="tx1"/>
+          </a:fontRef>
+        </p:style>
+      </p:cxnSp>
+      <p:cxnSp>
+        <p:nvCxnSpPr>
+          <p:cNvPr id="24" name="Rett pilkobling 23">
+            <a:extLst>
+              <a:ext uri="{FF2B5EF4-FFF2-40B4-BE49-F238E27FC236}">
+                <a16:creationId xmlns:a16="http://schemas.microsoft.com/office/drawing/2014/main" id="{E1BDCA12-C6B9-455F-B19F-9941B7199245}"/>
+              </a:ext>
+            </a:extLst>
+          </p:cNvPr>
+          <p:cNvCxnSpPr>
+            <a:cxnSpLocks/>
+          </p:cNvCxnSpPr>
+          <p:nvPr/>
+        </p:nvCxnSpPr>
+        <p:spPr>
+          <a:xfrm rot="5400000" flipV="1">
+            <a:off x="2588683" y="2737560"/>
+            <a:ext cx="3525553" cy="1"/>
+          </a:xfrm>
+          <a:prstGeom prst="straightConnector1">
+            <a:avLst/>
+          </a:prstGeom>
+          <a:ln w="38100">
+            <a:solidFill>
+              <a:schemeClr val="accent1">
+                <a:lumMod val="75000"/>
+              </a:schemeClr>
+            </a:solidFill>
+            <a:tailEnd type="triangle"/>
+          </a:ln>
+        </p:spPr>
+        <p:style>
+          <a:lnRef idx="3">
+            <a:schemeClr val="accent1"/>
+          </a:lnRef>
+          <a:fillRef idx="0">
+            <a:schemeClr val="accent1"/>
+          </a:fillRef>
+          <a:effectRef idx="2">
+            <a:schemeClr val="accent1"/>
+          </a:effectRef>
+          <a:fontRef idx="minor">
+            <a:schemeClr val="tx1"/>
+          </a:fontRef>
+        </p:style>
+      </p:cxnSp>
+      <p:cxnSp>
+        <p:nvCxnSpPr>
+          <p:cNvPr id="25" name="Rett pilkobling 24">
+            <a:extLst>
+              <a:ext uri="{FF2B5EF4-FFF2-40B4-BE49-F238E27FC236}">
+                <a16:creationId xmlns:a16="http://schemas.microsoft.com/office/drawing/2014/main" id="{A9A63E7D-C3D3-4461-BB00-686E493B5B63}"/>
+              </a:ext>
+            </a:extLst>
+          </p:cNvPr>
+          <p:cNvCxnSpPr>
+            <a:cxnSpLocks/>
+          </p:cNvCxnSpPr>
+          <p:nvPr/>
+        </p:nvCxnSpPr>
+        <p:spPr>
+          <a:xfrm rot="16200000">
+            <a:off x="2916965" y="2700336"/>
+            <a:ext cx="3525553" cy="1"/>
+          </a:xfrm>
+          <a:prstGeom prst="straightConnector1">
+            <a:avLst/>
+          </a:prstGeom>
+          <a:ln w="38100">
+            <a:solidFill>
+              <a:schemeClr val="accent1">
+                <a:lumMod val="75000"/>
+              </a:schemeClr>
+            </a:solidFill>
+            <a:tailEnd type="triangle"/>
+          </a:ln>
+        </p:spPr>
+        <p:style>
+          <a:lnRef idx="3">
+            <a:schemeClr val="accent1"/>
+          </a:lnRef>
+          <a:fillRef idx="0">
+            <a:schemeClr val="accent1"/>
+          </a:fillRef>
+          <a:effectRef idx="2">
+            <a:schemeClr val="accent1"/>
+          </a:effectRef>
+          <a:fontRef idx="minor">
+            <a:schemeClr val="tx1"/>
+          </a:fontRef>
+        </p:style>
+      </p:cxnSp>
+    </p:spTree>
+    <p:extLst>
+      <p:ext uri="{BB962C8B-B14F-4D97-AF65-F5344CB8AC3E}">
+        <p14:creationId xmlns:p14="http://schemas.microsoft.com/office/powerpoint/2010/main" val="2261358215"/>
+      </p:ext>
+    </p:extLst>
+  </p:cSld>
+  <p:clrMapOvr>
+    <a:masterClrMapping/>
+  </p:clrMapOvr>
+</p:sld>
+</file>
+
+<file path=ppt/slides/slide6.xml><?xml version="1.0" encoding="utf-8"?>
+<p:sld xmlns:a="http://schemas.openxmlformats.org/drawingml/2006/main" xmlns:r="http://schemas.openxmlformats.org/officeDocument/2006/relationships" xmlns:p="http://schemas.openxmlformats.org/presentationml/2006/main">
+  <p:cSld>
+    <p:spTree>
+      <p:nvGrpSpPr>
+        <p:cNvPr id="1" name=""/>
+        <p:cNvGrpSpPr/>
+        <p:nvPr/>
+      </p:nvGrpSpPr>
+      <p:grpSpPr>
+        <a:xfrm>
+          <a:off x="0" y="0"/>
+          <a:ext cx="0" cy="0"/>
+          <a:chOff x="0" y="0"/>
+          <a:chExt cx="0" cy="0"/>
+        </a:xfrm>
+      </p:grpSpPr>
+      <p:sp>
+        <p:nvSpPr>
+          <p:cNvPr id="4" name="Rektangel 3">
+            <a:extLst>
+              <a:ext uri="{FF2B5EF4-FFF2-40B4-BE49-F238E27FC236}">
+                <a16:creationId xmlns:a16="http://schemas.microsoft.com/office/drawing/2014/main" id="{DC156D1D-B32D-47BD-9A85-952D514B7659}"/>
+              </a:ext>
+            </a:extLst>
+          </p:cNvPr>
+          <p:cNvSpPr/>
+          <p:nvPr/>
+        </p:nvSpPr>
+        <p:spPr>
+          <a:xfrm>
+            <a:off x="360336" y="360336"/>
+            <a:ext cx="4680001" cy="4680001"/>
+          </a:xfrm>
+          <a:prstGeom prst="rect">
+            <a:avLst/>
+          </a:prstGeom>
+          <a:noFill/>
+          <a:ln w="57150">
+            <a:solidFill>
+              <a:schemeClr val="tx1"/>
+            </a:solidFill>
+          </a:ln>
+        </p:spPr>
+        <p:style>
+          <a:lnRef idx="2">
+            <a:schemeClr val="accent1">
+              <a:shade val="50000"/>
+            </a:schemeClr>
+          </a:lnRef>
+          <a:fillRef idx="1">
+            <a:schemeClr val="accent1"/>
+          </a:fillRef>
+          <a:effectRef idx="0">
+            <a:schemeClr val="accent1"/>
+          </a:effectRef>
+          <a:fontRef idx="minor">
+            <a:schemeClr val="lt1"/>
+          </a:fontRef>
+        </p:style>
+        <p:txBody>
+          <a:bodyPr rtlCol="0" anchor="ctr"/>
+          <a:lstStyle/>
+          <a:p>
+            <a:pPr algn="ctr"/>
+            <a:endParaRPr lang="en-US" sz="1020"/>
+          </a:p>
+        </p:txBody>
+      </p:sp>
+      <p:sp>
+        <p:nvSpPr>
+          <p:cNvPr id="8" name="Rektangel 7">
+            <a:extLst>
+              <a:ext uri="{FF2B5EF4-FFF2-40B4-BE49-F238E27FC236}">
+                <a16:creationId xmlns:a16="http://schemas.microsoft.com/office/drawing/2014/main" id="{26A72A49-6B7A-4249-B21D-3D9C996D0306}"/>
+              </a:ext>
+            </a:extLst>
+          </p:cNvPr>
+          <p:cNvSpPr/>
+          <p:nvPr/>
+        </p:nvSpPr>
+        <p:spPr>
+          <a:xfrm>
+            <a:off x="365506" y="900336"/>
+            <a:ext cx="4674831" cy="3600001"/>
+          </a:xfrm>
+          <a:prstGeom prst="rect">
+            <a:avLst/>
+          </a:prstGeom>
+          <a:noFill/>
+          <a:ln w="57150">
+            <a:solidFill>
+              <a:schemeClr val="tx1"/>
+            </a:solidFill>
+            <a:prstDash val="dash"/>
+          </a:ln>
+        </p:spPr>
+        <p:style>
+          <a:lnRef idx="2">
+            <a:schemeClr val="accent1">
+              <a:shade val="50000"/>
+            </a:schemeClr>
+          </a:lnRef>
+          <a:fillRef idx="1">
+            <a:schemeClr val="accent1"/>
+          </a:fillRef>
+          <a:effectRef idx="0">
+            <a:schemeClr val="accent1"/>
+          </a:effectRef>
+          <a:fontRef idx="minor">
+            <a:schemeClr val="lt1"/>
+          </a:fontRef>
+        </p:style>
+        <p:txBody>
+          <a:bodyPr rtlCol="0" anchor="ctr"/>
+          <a:lstStyle/>
+          <a:p>
+            <a:pPr algn="ctr"/>
+            <a:endParaRPr lang="en-US" sz="1020"/>
+          </a:p>
+        </p:txBody>
+      </p:sp>
+      <p:cxnSp>
+        <p:nvCxnSpPr>
+          <p:cNvPr id="37" name="Rett pilkobling 36">
+            <a:extLst>
+              <a:ext uri="{FF2B5EF4-FFF2-40B4-BE49-F238E27FC236}">
+                <a16:creationId xmlns:a16="http://schemas.microsoft.com/office/drawing/2014/main" id="{6B3F0E78-5D8B-4B61-9B7B-E04094F7E7D0}"/>
+              </a:ext>
+            </a:extLst>
+          </p:cNvPr>
+          <p:cNvCxnSpPr>
+            <a:cxnSpLocks/>
+          </p:cNvCxnSpPr>
+          <p:nvPr/>
+        </p:nvCxnSpPr>
+        <p:spPr>
+          <a:xfrm flipV="1">
+            <a:off x="398137" y="4248630"/>
+            <a:ext cx="4604400" cy="1"/>
+          </a:xfrm>
+          <a:prstGeom prst="straightConnector1">
+            <a:avLst/>
+          </a:prstGeom>
+          <a:ln w="38100">
+            <a:solidFill>
+              <a:schemeClr val="accent1">
+                <a:lumMod val="75000"/>
+              </a:schemeClr>
+            </a:solidFill>
+            <a:tailEnd type="triangle"/>
+          </a:ln>
+        </p:spPr>
+        <p:style>
+          <a:lnRef idx="3">
+            <a:schemeClr val="accent1"/>
+          </a:lnRef>
+          <a:fillRef idx="0">
+            <a:schemeClr val="accent1"/>
+          </a:fillRef>
+          <a:effectRef idx="2">
+            <a:schemeClr val="accent1"/>
+          </a:effectRef>
+          <a:fontRef idx="minor">
+            <a:schemeClr val="tx1"/>
+          </a:fontRef>
+        </p:style>
+      </p:cxnSp>
+      <p:cxnSp>
+        <p:nvCxnSpPr>
+          <p:cNvPr id="50" name="Rett pilkobling 49">
+            <a:extLst>
+              <a:ext uri="{FF2B5EF4-FFF2-40B4-BE49-F238E27FC236}">
+                <a16:creationId xmlns:a16="http://schemas.microsoft.com/office/drawing/2014/main" id="{7AE5C92C-79F6-4555-B4E2-97B741496E6E}"/>
+              </a:ext>
+            </a:extLst>
+          </p:cNvPr>
+          <p:cNvCxnSpPr>
+            <a:cxnSpLocks/>
+          </p:cNvCxnSpPr>
+          <p:nvPr/>
+        </p:nvCxnSpPr>
+        <p:spPr>
+          <a:xfrm flipH="1" flipV="1">
+            <a:off x="398137" y="3859695"/>
+            <a:ext cx="4604400" cy="1"/>
+          </a:xfrm>
+          <a:prstGeom prst="straightConnector1">
+            <a:avLst/>
+          </a:prstGeom>
+          <a:ln w="38100">
+            <a:solidFill>
+              <a:schemeClr val="accent1">
+                <a:lumMod val="75000"/>
+              </a:schemeClr>
+            </a:solidFill>
+            <a:tailEnd type="triangle"/>
+          </a:ln>
+        </p:spPr>
+        <p:style>
+          <a:lnRef idx="3">
+            <a:schemeClr val="accent1"/>
+          </a:lnRef>
+          <a:fillRef idx="0">
+            <a:schemeClr val="accent1"/>
+          </a:fillRef>
+          <a:effectRef idx="2">
+            <a:schemeClr val="accent1"/>
+          </a:effectRef>
+          <a:fontRef idx="minor">
+            <a:schemeClr val="tx1"/>
+          </a:fontRef>
+        </p:style>
+      </p:cxnSp>
+      <p:cxnSp>
+        <p:nvCxnSpPr>
+          <p:cNvPr id="51" name="Rett pilkobling 50">
+            <a:extLst>
+              <a:ext uri="{FF2B5EF4-FFF2-40B4-BE49-F238E27FC236}">
+                <a16:creationId xmlns:a16="http://schemas.microsoft.com/office/drawing/2014/main" id="{44CAE399-BF5C-4E0E-9ED0-17226FD5DB6E}"/>
+              </a:ext>
+            </a:extLst>
+          </p:cNvPr>
+          <p:cNvCxnSpPr>
+            <a:cxnSpLocks/>
+          </p:cNvCxnSpPr>
+          <p:nvPr/>
+        </p:nvCxnSpPr>
+        <p:spPr>
+          <a:xfrm flipV="1">
+            <a:off x="398137" y="3488827"/>
+            <a:ext cx="4604400" cy="1"/>
+          </a:xfrm>
+          <a:prstGeom prst="straightConnector1">
+            <a:avLst/>
+          </a:prstGeom>
+          <a:ln w="38100">
+            <a:solidFill>
+              <a:schemeClr val="accent1">
+                <a:lumMod val="75000"/>
+              </a:schemeClr>
+            </a:solidFill>
+            <a:tailEnd type="triangle"/>
+          </a:ln>
+        </p:spPr>
+        <p:style>
+          <a:lnRef idx="3">
+            <a:schemeClr val="accent1"/>
+          </a:lnRef>
+          <a:fillRef idx="0">
+            <a:schemeClr val="accent1"/>
+          </a:fillRef>
+          <a:effectRef idx="2">
+            <a:schemeClr val="accent1"/>
+          </a:effectRef>
+          <a:fontRef idx="minor">
+            <a:schemeClr val="tx1"/>
+          </a:fontRef>
+        </p:style>
+      </p:cxnSp>
+      <p:cxnSp>
+        <p:nvCxnSpPr>
+          <p:cNvPr id="52" name="Rett pilkobling 51">
+            <a:extLst>
+              <a:ext uri="{FF2B5EF4-FFF2-40B4-BE49-F238E27FC236}">
+                <a16:creationId xmlns:a16="http://schemas.microsoft.com/office/drawing/2014/main" id="{34D785CD-E86F-4271-ABF5-8E81B30BFFAA}"/>
+              </a:ext>
+            </a:extLst>
+          </p:cNvPr>
+          <p:cNvCxnSpPr>
+            <a:cxnSpLocks/>
+          </p:cNvCxnSpPr>
+          <p:nvPr/>
+        </p:nvCxnSpPr>
+        <p:spPr>
+          <a:xfrm flipH="1" flipV="1">
+            <a:off x="398137" y="3115149"/>
+            <a:ext cx="4604400" cy="1"/>
+          </a:xfrm>
+          <a:prstGeom prst="straightConnector1">
+            <a:avLst/>
+          </a:prstGeom>
+          <a:ln w="38100">
+            <a:solidFill>
+              <a:schemeClr val="accent1">
+                <a:lumMod val="75000"/>
+              </a:schemeClr>
+            </a:solidFill>
+            <a:tailEnd type="triangle"/>
+          </a:ln>
+        </p:spPr>
+        <p:style>
+          <a:lnRef idx="3">
+            <a:schemeClr val="accent1"/>
+          </a:lnRef>
+          <a:fillRef idx="0">
+            <a:schemeClr val="accent1"/>
+          </a:fillRef>
+          <a:effectRef idx="2">
+            <a:schemeClr val="accent1"/>
+          </a:effectRef>
+          <a:fontRef idx="minor">
+            <a:schemeClr val="tx1"/>
+          </a:fontRef>
+        </p:style>
+      </p:cxnSp>
+      <p:cxnSp>
+        <p:nvCxnSpPr>
+          <p:cNvPr id="53" name="Rett pilkobling 52">
+            <a:extLst>
+              <a:ext uri="{FF2B5EF4-FFF2-40B4-BE49-F238E27FC236}">
+                <a16:creationId xmlns:a16="http://schemas.microsoft.com/office/drawing/2014/main" id="{53EBC4C0-56F4-4A58-8F4D-AAA805DFEC4E}"/>
+              </a:ext>
+            </a:extLst>
+          </p:cNvPr>
+          <p:cNvCxnSpPr>
+            <a:cxnSpLocks/>
+          </p:cNvCxnSpPr>
+          <p:nvPr/>
+        </p:nvCxnSpPr>
+        <p:spPr>
+          <a:xfrm flipV="1">
+            <a:off x="398137" y="2726215"/>
+            <a:ext cx="4604400" cy="1"/>
+          </a:xfrm>
+          <a:prstGeom prst="straightConnector1">
+            <a:avLst/>
+          </a:prstGeom>
+          <a:ln w="38100">
+            <a:solidFill>
+              <a:schemeClr val="accent1">
+                <a:lumMod val="75000"/>
+              </a:schemeClr>
+            </a:solidFill>
+            <a:tailEnd type="triangle"/>
+          </a:ln>
+        </p:spPr>
+        <p:style>
+          <a:lnRef idx="3">
+            <a:schemeClr val="accent1"/>
+          </a:lnRef>
+          <a:fillRef idx="0">
+            <a:schemeClr val="accent1"/>
+          </a:fillRef>
+          <a:effectRef idx="2">
+            <a:schemeClr val="accent1"/>
+          </a:effectRef>
+          <a:fontRef idx="minor">
+            <a:schemeClr val="tx1"/>
+          </a:fontRef>
+        </p:style>
+      </p:cxnSp>
+      <p:cxnSp>
+        <p:nvCxnSpPr>
+          <p:cNvPr id="54" name="Rett pilkobling 53">
+            <a:extLst>
+              <a:ext uri="{FF2B5EF4-FFF2-40B4-BE49-F238E27FC236}">
+                <a16:creationId xmlns:a16="http://schemas.microsoft.com/office/drawing/2014/main" id="{660CDB34-4874-4E3E-B9F2-D33C62290346}"/>
+              </a:ext>
+            </a:extLst>
+          </p:cNvPr>
+          <p:cNvCxnSpPr>
+            <a:cxnSpLocks/>
+          </p:cNvCxnSpPr>
+          <p:nvPr/>
+        </p:nvCxnSpPr>
+        <p:spPr>
+          <a:xfrm flipH="1" flipV="1">
+            <a:off x="398137" y="2337285"/>
+            <a:ext cx="4604400" cy="1"/>
+          </a:xfrm>
+          <a:prstGeom prst="straightConnector1">
+            <a:avLst/>
+          </a:prstGeom>
+          <a:ln w="38100">
+            <a:solidFill>
+              <a:schemeClr val="accent1">
+                <a:lumMod val="75000"/>
+              </a:schemeClr>
+            </a:solidFill>
+            <a:tailEnd type="triangle"/>
+          </a:ln>
+        </p:spPr>
+        <p:style>
+          <a:lnRef idx="3">
+            <a:schemeClr val="accent1"/>
+          </a:lnRef>
+          <a:fillRef idx="0">
+            <a:schemeClr val="accent1"/>
+          </a:fillRef>
+          <a:effectRef idx="2">
+            <a:schemeClr val="accent1"/>
+          </a:effectRef>
+          <a:fontRef idx="minor">
+            <a:schemeClr val="tx1"/>
+          </a:fontRef>
+        </p:style>
+      </p:cxnSp>
+      <p:cxnSp>
+        <p:nvCxnSpPr>
+          <p:cNvPr id="55" name="Rett pilkobling 54">
+            <a:extLst>
+              <a:ext uri="{FF2B5EF4-FFF2-40B4-BE49-F238E27FC236}">
+                <a16:creationId xmlns:a16="http://schemas.microsoft.com/office/drawing/2014/main" id="{ADCB5447-894E-4F8C-B157-DB301720AA5C}"/>
+              </a:ext>
+            </a:extLst>
+          </p:cNvPr>
+          <p:cNvCxnSpPr>
+            <a:cxnSpLocks/>
+          </p:cNvCxnSpPr>
+          <p:nvPr/>
+        </p:nvCxnSpPr>
+        <p:spPr>
+          <a:xfrm flipV="1">
+            <a:off x="398137" y="1948350"/>
+            <a:ext cx="4604400" cy="1"/>
+          </a:xfrm>
+          <a:prstGeom prst="straightConnector1">
+            <a:avLst/>
+          </a:prstGeom>
+          <a:ln w="38100">
+            <a:solidFill>
+              <a:schemeClr val="accent1">
+                <a:lumMod val="75000"/>
+              </a:schemeClr>
+            </a:solidFill>
+            <a:tailEnd type="triangle"/>
+          </a:ln>
+        </p:spPr>
+        <p:style>
+          <a:lnRef idx="3">
+            <a:schemeClr val="accent1"/>
+          </a:lnRef>
+          <a:fillRef idx="0">
+            <a:schemeClr val="accent1"/>
+          </a:fillRef>
+          <a:effectRef idx="2">
+            <a:schemeClr val="accent1"/>
+          </a:effectRef>
+          <a:fontRef idx="minor">
+            <a:schemeClr val="tx1"/>
+          </a:fontRef>
+        </p:style>
+      </p:cxnSp>
+      <p:cxnSp>
+        <p:nvCxnSpPr>
+          <p:cNvPr id="56" name="Rett pilkobling 55">
+            <a:extLst>
+              <a:ext uri="{FF2B5EF4-FFF2-40B4-BE49-F238E27FC236}">
+                <a16:creationId xmlns:a16="http://schemas.microsoft.com/office/drawing/2014/main" id="{97A62DFA-8A7A-469C-8C1A-CDEC727BCA53}"/>
+              </a:ext>
+            </a:extLst>
+          </p:cNvPr>
+          <p:cNvCxnSpPr>
+            <a:cxnSpLocks/>
+          </p:cNvCxnSpPr>
+          <p:nvPr/>
+        </p:nvCxnSpPr>
+        <p:spPr>
+          <a:xfrm flipH="1" flipV="1">
+            <a:off x="398137" y="1577482"/>
+            <a:ext cx="4604400" cy="1"/>
+          </a:xfrm>
+          <a:prstGeom prst="straightConnector1">
+            <a:avLst/>
+          </a:prstGeom>
+          <a:ln w="38100">
+            <a:solidFill>
+              <a:schemeClr val="accent1">
+                <a:lumMod val="75000"/>
+              </a:schemeClr>
+            </a:solidFill>
+            <a:tailEnd type="triangle"/>
+          </a:ln>
+        </p:spPr>
+        <p:style>
+          <a:lnRef idx="3">
+            <a:schemeClr val="accent1"/>
+          </a:lnRef>
+          <a:fillRef idx="0">
+            <a:schemeClr val="accent1"/>
+          </a:fillRef>
+          <a:effectRef idx="2">
+            <a:schemeClr val="accent1"/>
+          </a:effectRef>
+          <a:fontRef idx="minor">
+            <a:schemeClr val="tx1"/>
+          </a:fontRef>
+        </p:style>
+      </p:cxnSp>
+      <p:cxnSp>
+        <p:nvCxnSpPr>
+          <p:cNvPr id="57" name="Rett pilkobling 56">
+            <a:extLst>
+              <a:ext uri="{FF2B5EF4-FFF2-40B4-BE49-F238E27FC236}">
+                <a16:creationId xmlns:a16="http://schemas.microsoft.com/office/drawing/2014/main" id="{87EB438A-8452-4165-B34F-B8F48CA260FC}"/>
+              </a:ext>
+            </a:extLst>
+          </p:cNvPr>
+          <p:cNvCxnSpPr>
+            <a:cxnSpLocks/>
+          </p:cNvCxnSpPr>
+          <p:nvPr/>
+        </p:nvCxnSpPr>
+        <p:spPr>
+          <a:xfrm flipV="1">
+            <a:off x="398137" y="1203804"/>
+            <a:ext cx="4604400" cy="1"/>
+          </a:xfrm>
+          <a:prstGeom prst="straightConnector1">
+            <a:avLst/>
+          </a:prstGeom>
+          <a:ln w="38100">
+            <a:solidFill>
+              <a:schemeClr val="accent1">
+                <a:lumMod val="75000"/>
+              </a:schemeClr>
+            </a:solidFill>
+            <a:tailEnd type="triangle"/>
+          </a:ln>
+        </p:spPr>
+        <p:style>
+          <a:lnRef idx="3">
+            <a:schemeClr val="accent1"/>
+          </a:lnRef>
+          <a:fillRef idx="0">
+            <a:schemeClr val="accent1"/>
+          </a:fillRef>
+          <a:effectRef idx="2">
+            <a:schemeClr val="accent1"/>
+          </a:effectRef>
+          <a:fontRef idx="minor">
+            <a:schemeClr val="tx1"/>
+          </a:fontRef>
+        </p:style>
+      </p:cxnSp>
+    </p:spTree>
+    <p:extLst>
+      <p:ext uri="{BB962C8B-B14F-4D97-AF65-F5344CB8AC3E}">
+        <p14:creationId xmlns:p14="http://schemas.microsoft.com/office/powerpoint/2010/main" val="3194959572"/>
+      </p:ext>
+    </p:extLst>
+  </p:cSld>
+  <p:clrMapOvr>
+    <a:masterClrMapping/>
+  </p:clrMapOvr>
+</p:sld>
+</file>
+
+<file path=ppt/slides/slide7.xml><?xml version="1.0" encoding="utf-8"?>
+<p:sld xmlns:a="http://schemas.openxmlformats.org/drawingml/2006/main" xmlns:r="http://schemas.openxmlformats.org/officeDocument/2006/relationships" xmlns:p="http://schemas.openxmlformats.org/presentationml/2006/main">
+  <p:cSld>
+    <p:spTree>
+      <p:nvGrpSpPr>
+        <p:cNvPr id="1" name=""/>
+        <p:cNvGrpSpPr/>
+        <p:nvPr/>
+      </p:nvGrpSpPr>
+      <p:grpSpPr>
+        <a:xfrm>
+          <a:off x="0" y="0"/>
+          <a:ext cx="0" cy="0"/>
+          <a:chOff x="0" y="0"/>
+          <a:chExt cx="0" cy="0"/>
+        </a:xfrm>
+      </p:grpSpPr>
+      <p:sp>
+        <p:nvSpPr>
+          <p:cNvPr id="4" name="Rektangel 3">
+            <a:extLst>
+              <a:ext uri="{FF2B5EF4-FFF2-40B4-BE49-F238E27FC236}">
+                <a16:creationId xmlns:a16="http://schemas.microsoft.com/office/drawing/2014/main" id="{DC156D1D-B32D-47BD-9A85-952D514B7659}"/>
+              </a:ext>
+            </a:extLst>
+          </p:cNvPr>
+          <p:cNvSpPr/>
+          <p:nvPr/>
+        </p:nvSpPr>
+        <p:spPr>
+          <a:xfrm>
+            <a:off x="360336" y="360336"/>
+            <a:ext cx="4680001" cy="4680001"/>
+          </a:xfrm>
+          <a:prstGeom prst="rect">
+            <a:avLst/>
+          </a:prstGeom>
+          <a:noFill/>
+          <a:ln w="57150">
+            <a:solidFill>
+              <a:schemeClr val="tx1"/>
+            </a:solidFill>
+          </a:ln>
+        </p:spPr>
+        <p:style>
+          <a:lnRef idx="2">
+            <a:schemeClr val="accent1">
+              <a:shade val="50000"/>
+            </a:schemeClr>
+          </a:lnRef>
+          <a:fillRef idx="1">
+            <a:schemeClr val="accent1"/>
+          </a:fillRef>
+          <a:effectRef idx="0">
+            <a:schemeClr val="accent1"/>
+          </a:effectRef>
+          <a:fontRef idx="minor">
+            <a:schemeClr val="lt1"/>
+          </a:fontRef>
+        </p:style>
+        <p:txBody>
+          <a:bodyPr rtlCol="0" anchor="ctr"/>
+          <a:lstStyle/>
+          <a:p>
+            <a:pPr algn="ctr"/>
+            <a:endParaRPr lang="en-US" sz="1020"/>
+          </a:p>
+        </p:txBody>
+      </p:sp>
+      <p:sp>
+        <p:nvSpPr>
+          <p:cNvPr id="8" name="Rektangel 7">
+            <a:extLst>
+              <a:ext uri="{FF2B5EF4-FFF2-40B4-BE49-F238E27FC236}">
+                <a16:creationId xmlns:a16="http://schemas.microsoft.com/office/drawing/2014/main" id="{26A72A49-6B7A-4249-B21D-3D9C996D0306}"/>
+              </a:ext>
+            </a:extLst>
+          </p:cNvPr>
+          <p:cNvSpPr/>
+          <p:nvPr/>
+        </p:nvSpPr>
+        <p:spPr>
+          <a:xfrm>
             <a:off x="1620336" y="1620336"/>
             <a:ext cx="2160000" cy="2160000"/>
           </a:xfrm>
@@ -5974,7 +7450,7 @@
 </p:sld>
 </file>
 
-<file path=ppt/slides/slide6.xml><?xml version="1.0" encoding="utf-8"?>
+<file path=ppt/slides/slide8.xml><?xml version="1.0" encoding="utf-8"?>
 <p:sld xmlns:a="http://schemas.openxmlformats.org/drawingml/2006/main" xmlns:r="http://schemas.openxmlformats.org/officeDocument/2006/relationships" xmlns:p="http://schemas.openxmlformats.org/presentationml/2006/main">
   <p:cSld>
     <p:spTree>

--- a/Figurer/S.pptx
+++ b/Figurer/S.pptx
@@ -250,7 +250,7 @@
           <a:p>
             <a:fld id="{91C36D36-47D8-48BF-81DD-A80DFD03B316}" type="datetimeFigureOut">
               <a:rPr lang="en-US" smtClean="0"/>
-              <a:t>5/18/2021</a:t>
+              <a:t>5/20/2021</a:t>
             </a:fld>
             <a:endParaRPr lang="en-US"/>
           </a:p>
@@ -420,7 +420,7 @@
           <a:p>
             <a:fld id="{91C36D36-47D8-48BF-81DD-A80DFD03B316}" type="datetimeFigureOut">
               <a:rPr lang="en-US" smtClean="0"/>
-              <a:t>5/18/2021</a:t>
+              <a:t>5/20/2021</a:t>
             </a:fld>
             <a:endParaRPr lang="en-US"/>
           </a:p>
@@ -600,7 +600,7 @@
           <a:p>
             <a:fld id="{91C36D36-47D8-48BF-81DD-A80DFD03B316}" type="datetimeFigureOut">
               <a:rPr lang="en-US" smtClean="0"/>
-              <a:t>5/18/2021</a:t>
+              <a:t>5/20/2021</a:t>
             </a:fld>
             <a:endParaRPr lang="en-US"/>
           </a:p>
@@ -770,7 +770,7 @@
           <a:p>
             <a:fld id="{91C36D36-47D8-48BF-81DD-A80DFD03B316}" type="datetimeFigureOut">
               <a:rPr lang="en-US" smtClean="0"/>
-              <a:t>5/18/2021</a:t>
+              <a:t>5/20/2021</a:t>
             </a:fld>
             <a:endParaRPr lang="en-US"/>
           </a:p>
@@ -1014,7 +1014,7 @@
           <a:p>
             <a:fld id="{91C36D36-47D8-48BF-81DD-A80DFD03B316}" type="datetimeFigureOut">
               <a:rPr lang="en-US" smtClean="0"/>
-              <a:t>5/18/2021</a:t>
+              <a:t>5/20/2021</a:t>
             </a:fld>
             <a:endParaRPr lang="en-US"/>
           </a:p>
@@ -1246,7 +1246,7 @@
           <a:p>
             <a:fld id="{91C36D36-47D8-48BF-81DD-A80DFD03B316}" type="datetimeFigureOut">
               <a:rPr lang="en-US" smtClean="0"/>
-              <a:t>5/18/2021</a:t>
+              <a:t>5/20/2021</a:t>
             </a:fld>
             <a:endParaRPr lang="en-US"/>
           </a:p>
@@ -1613,7 +1613,7 @@
           <a:p>
             <a:fld id="{91C36D36-47D8-48BF-81DD-A80DFD03B316}" type="datetimeFigureOut">
               <a:rPr lang="en-US" smtClean="0"/>
-              <a:t>5/18/2021</a:t>
+              <a:t>5/20/2021</a:t>
             </a:fld>
             <a:endParaRPr lang="en-US"/>
           </a:p>
@@ -1731,7 +1731,7 @@
           <a:p>
             <a:fld id="{91C36D36-47D8-48BF-81DD-A80DFD03B316}" type="datetimeFigureOut">
               <a:rPr lang="en-US" smtClean="0"/>
-              <a:t>5/18/2021</a:t>
+              <a:t>5/20/2021</a:t>
             </a:fld>
             <a:endParaRPr lang="en-US"/>
           </a:p>
@@ -1826,7 +1826,7 @@
           <a:p>
             <a:fld id="{91C36D36-47D8-48BF-81DD-A80DFD03B316}" type="datetimeFigureOut">
               <a:rPr lang="en-US" smtClean="0"/>
-              <a:t>5/18/2021</a:t>
+              <a:t>5/20/2021</a:t>
             </a:fld>
             <a:endParaRPr lang="en-US"/>
           </a:p>
@@ -2103,7 +2103,7 @@
           <a:p>
             <a:fld id="{91C36D36-47D8-48BF-81DD-A80DFD03B316}" type="datetimeFigureOut">
               <a:rPr lang="en-US" smtClean="0"/>
-              <a:t>5/18/2021</a:t>
+              <a:t>5/20/2021</a:t>
             </a:fld>
             <a:endParaRPr lang="en-US"/>
           </a:p>
@@ -2360,7 +2360,7 @@
           <a:p>
             <a:fld id="{91C36D36-47D8-48BF-81DD-A80DFD03B316}" type="datetimeFigureOut">
               <a:rPr lang="en-US" smtClean="0"/>
-              <a:t>5/18/2021</a:t>
+              <a:t>5/20/2021</a:t>
             </a:fld>
             <a:endParaRPr lang="en-US"/>
           </a:p>
@@ -2573,7 +2573,7 @@
           <a:p>
             <a:fld id="{91C36D36-47D8-48BF-81DD-A80DFD03B316}" type="datetimeFigureOut">
               <a:rPr lang="en-US" smtClean="0"/>
-              <a:t>5/18/2021</a:t>
+              <a:t>5/20/2021</a:t>
             </a:fld>
             <a:endParaRPr lang="en-US"/>
           </a:p>
@@ -7176,7 +7176,7 @@
           <p:nvPr/>
         </p:nvCxnSpPr>
         <p:spPr>
-          <a:xfrm flipH="1">
+          <a:xfrm>
             <a:off x="1673832" y="1800338"/>
             <a:ext cx="2084400" cy="1"/>
           </a:xfrm>
@@ -7360,7 +7360,7 @@
           <p:nvPr/>
         </p:nvCxnSpPr>
         <p:spPr>
-          <a:xfrm>
+          <a:xfrm flipH="1">
             <a:off x="1673832" y="2160338"/>
             <a:ext cx="2084400" cy="1"/>
           </a:xfrm>
